--- a/presentation.pptx
+++ b/presentation.pptx
@@ -2,13 +2,23 @@
 <file path=ppt/presentation.xml><?xml version="1.0" encoding="utf-8"?>
 <p:presentation xmlns:a="http://schemas.openxmlformats.org/drawingml/2006/main" xmlns:r="http://schemas.openxmlformats.org/officeDocument/2006/relationships" xmlns:p="http://schemas.openxmlformats.org/presentationml/2006/main" saveSubsetFonts="1" autoCompressPictures="0">
   <p:sldMasterIdLst>
-    <p:sldMasterId id="2147484015" r:id="rId1"/>
+    <p:sldMasterId id="2147484087" r:id="rId1"/>
   </p:sldMasterIdLst>
   <p:sldIdLst>
     <p:sldId id="256" r:id="rId2"/>
     <p:sldId id="257" r:id="rId3"/>
-    <p:sldId id="258" r:id="rId4"/>
-    <p:sldId id="259" r:id="rId5"/>
+    <p:sldId id="266" r:id="rId4"/>
+    <p:sldId id="258" r:id="rId5"/>
+    <p:sldId id="259" r:id="rId6"/>
+    <p:sldId id="267" r:id="rId7"/>
+    <p:sldId id="260" r:id="rId8"/>
+    <p:sldId id="270" r:id="rId9"/>
+    <p:sldId id="262" r:id="rId10"/>
+    <p:sldId id="268" r:id="rId11"/>
+    <p:sldId id="261" r:id="rId12"/>
+    <p:sldId id="263" r:id="rId13"/>
+    <p:sldId id="264" r:id="rId14"/>
+    <p:sldId id="269" r:id="rId15"/>
   </p:sldIdLst>
   <p:sldSz cx="12192000" cy="6858000"/>
   <p:notesSz cx="6858000" cy="9144000"/>
@@ -111,8 +121,16 @@
 </file>
 
 <file path=ppt/slideLayouts/slideLayout1.xml><?xml version="1.0" encoding="utf-8"?>
-<p:sldLayout xmlns:a="http://schemas.openxmlformats.org/drawingml/2006/main" xmlns:r="http://schemas.openxmlformats.org/officeDocument/2006/relationships" xmlns:p="http://schemas.openxmlformats.org/presentationml/2006/main" type="title" preserve="1">
+<p:sldLayout xmlns:a="http://schemas.openxmlformats.org/drawingml/2006/main" xmlns:r="http://schemas.openxmlformats.org/officeDocument/2006/relationships" xmlns:p="http://schemas.openxmlformats.org/presentationml/2006/main" showMasterSp="0" type="title" preserve="1">
   <p:cSld name="Title Slide">
+    <p:bg>
+      <p:bgPr>
+        <a:solidFill>
+          <a:schemeClr val="accent1"/>
+        </a:solidFill>
+        <a:effectLst/>
+      </p:bgPr>
+    </p:bg>
     <p:spTree>
       <p:nvGrpSpPr>
         <p:cNvPr id="1" name=""/>
@@ -129,6 +147,1052 @@
       </p:grpSpPr>
       <p:sp>
         <p:nvSpPr>
+          <p:cNvPr id="11" name="Freeform 6" title="scalloped circle"/>
+          <p:cNvSpPr/>
+          <p:nvPr/>
+        </p:nvSpPr>
+        <p:spPr bwMode="auto">
+          <a:xfrm>
+            <a:off x="3557016" y="630936"/>
+            <a:ext cx="5235575" cy="5229225"/>
+          </a:xfrm>
+          <a:custGeom>
+            <a:avLst/>
+            <a:gdLst/>
+            <a:ahLst/>
+            <a:cxnLst/>
+            <a:rect l="0" t="0" r="r" b="b"/>
+            <a:pathLst>
+              <a:path w="3298" h="3294">
+                <a:moveTo>
+                  <a:pt x="1649" y="0"/>
+                </a:moveTo>
+                <a:lnTo>
+                  <a:pt x="1681" y="3"/>
+                </a:lnTo>
+                <a:lnTo>
+                  <a:pt x="1712" y="11"/>
+                </a:lnTo>
+                <a:lnTo>
+                  <a:pt x="1742" y="23"/>
+                </a:lnTo>
+                <a:lnTo>
+                  <a:pt x="1773" y="38"/>
+                </a:lnTo>
+                <a:lnTo>
+                  <a:pt x="1802" y="55"/>
+                </a:lnTo>
+                <a:lnTo>
+                  <a:pt x="1832" y="73"/>
+                </a:lnTo>
+                <a:lnTo>
+                  <a:pt x="1862" y="89"/>
+                </a:lnTo>
+                <a:lnTo>
+                  <a:pt x="1892" y="105"/>
+                </a:lnTo>
+                <a:lnTo>
+                  <a:pt x="1921" y="117"/>
+                </a:lnTo>
+                <a:lnTo>
+                  <a:pt x="1953" y="125"/>
+                </a:lnTo>
+                <a:lnTo>
+                  <a:pt x="1984" y="129"/>
+                </a:lnTo>
+                <a:lnTo>
+                  <a:pt x="2017" y="129"/>
+                </a:lnTo>
+                <a:lnTo>
+                  <a:pt x="2051" y="127"/>
+                </a:lnTo>
+                <a:lnTo>
+                  <a:pt x="2085" y="123"/>
+                </a:lnTo>
+                <a:lnTo>
+                  <a:pt x="2119" y="118"/>
+                </a:lnTo>
+                <a:lnTo>
+                  <a:pt x="2153" y="114"/>
+                </a:lnTo>
+                <a:lnTo>
+                  <a:pt x="2187" y="111"/>
+                </a:lnTo>
+                <a:lnTo>
+                  <a:pt x="2219" y="112"/>
+                </a:lnTo>
+                <a:lnTo>
+                  <a:pt x="2250" y="116"/>
+                </a:lnTo>
+                <a:lnTo>
+                  <a:pt x="2280" y="125"/>
+                </a:lnTo>
+                <a:lnTo>
+                  <a:pt x="2305" y="138"/>
+                </a:lnTo>
+                <a:lnTo>
+                  <a:pt x="2329" y="155"/>
+                </a:lnTo>
+                <a:lnTo>
+                  <a:pt x="2350" y="175"/>
+                </a:lnTo>
+                <a:lnTo>
+                  <a:pt x="2371" y="198"/>
+                </a:lnTo>
+                <a:lnTo>
+                  <a:pt x="2390" y="222"/>
+                </a:lnTo>
+                <a:lnTo>
+                  <a:pt x="2409" y="247"/>
+                </a:lnTo>
+                <a:lnTo>
+                  <a:pt x="2428" y="272"/>
+                </a:lnTo>
+                <a:lnTo>
+                  <a:pt x="2447" y="296"/>
+                </a:lnTo>
+                <a:lnTo>
+                  <a:pt x="2467" y="319"/>
+                </a:lnTo>
+                <a:lnTo>
+                  <a:pt x="2490" y="339"/>
+                </a:lnTo>
+                <a:lnTo>
+                  <a:pt x="2512" y="357"/>
+                </a:lnTo>
+                <a:lnTo>
+                  <a:pt x="2537" y="371"/>
+                </a:lnTo>
+                <a:lnTo>
+                  <a:pt x="2564" y="383"/>
+                </a:lnTo>
+                <a:lnTo>
+                  <a:pt x="2593" y="393"/>
+                </a:lnTo>
+                <a:lnTo>
+                  <a:pt x="2623" y="402"/>
+                </a:lnTo>
+                <a:lnTo>
+                  <a:pt x="2653" y="410"/>
+                </a:lnTo>
+                <a:lnTo>
+                  <a:pt x="2684" y="418"/>
+                </a:lnTo>
+                <a:lnTo>
+                  <a:pt x="2713" y="427"/>
+                </a:lnTo>
+                <a:lnTo>
+                  <a:pt x="2742" y="437"/>
+                </a:lnTo>
+                <a:lnTo>
+                  <a:pt x="2769" y="449"/>
+                </a:lnTo>
+                <a:lnTo>
+                  <a:pt x="2793" y="464"/>
+                </a:lnTo>
+                <a:lnTo>
+                  <a:pt x="2815" y="482"/>
+                </a:lnTo>
+                <a:lnTo>
+                  <a:pt x="2833" y="504"/>
+                </a:lnTo>
+                <a:lnTo>
+                  <a:pt x="2848" y="528"/>
+                </a:lnTo>
+                <a:lnTo>
+                  <a:pt x="2860" y="555"/>
+                </a:lnTo>
+                <a:lnTo>
+                  <a:pt x="2870" y="584"/>
+                </a:lnTo>
+                <a:lnTo>
+                  <a:pt x="2879" y="613"/>
+                </a:lnTo>
+                <a:lnTo>
+                  <a:pt x="2887" y="644"/>
+                </a:lnTo>
+                <a:lnTo>
+                  <a:pt x="2895" y="674"/>
+                </a:lnTo>
+                <a:lnTo>
+                  <a:pt x="2904" y="704"/>
+                </a:lnTo>
+                <a:lnTo>
+                  <a:pt x="2914" y="733"/>
+                </a:lnTo>
+                <a:lnTo>
+                  <a:pt x="2926" y="760"/>
+                </a:lnTo>
+                <a:lnTo>
+                  <a:pt x="2940" y="785"/>
+                </a:lnTo>
+                <a:lnTo>
+                  <a:pt x="2958" y="807"/>
+                </a:lnTo>
+                <a:lnTo>
+                  <a:pt x="2978" y="830"/>
+                </a:lnTo>
+                <a:lnTo>
+                  <a:pt x="3001" y="850"/>
+                </a:lnTo>
+                <a:lnTo>
+                  <a:pt x="3025" y="869"/>
+                </a:lnTo>
+                <a:lnTo>
+                  <a:pt x="3051" y="888"/>
+                </a:lnTo>
+                <a:lnTo>
+                  <a:pt x="3076" y="907"/>
+                </a:lnTo>
+                <a:lnTo>
+                  <a:pt x="3100" y="926"/>
+                </a:lnTo>
+                <a:lnTo>
+                  <a:pt x="3123" y="947"/>
+                </a:lnTo>
+                <a:lnTo>
+                  <a:pt x="3143" y="968"/>
+                </a:lnTo>
+                <a:lnTo>
+                  <a:pt x="3160" y="992"/>
+                </a:lnTo>
+                <a:lnTo>
+                  <a:pt x="3173" y="1017"/>
+                </a:lnTo>
+                <a:lnTo>
+                  <a:pt x="3182" y="1047"/>
+                </a:lnTo>
+                <a:lnTo>
+                  <a:pt x="3186" y="1078"/>
+                </a:lnTo>
+                <a:lnTo>
+                  <a:pt x="3187" y="1110"/>
+                </a:lnTo>
+                <a:lnTo>
+                  <a:pt x="3184" y="1144"/>
+                </a:lnTo>
+                <a:lnTo>
+                  <a:pt x="3180" y="1178"/>
+                </a:lnTo>
+                <a:lnTo>
+                  <a:pt x="3175" y="1212"/>
+                </a:lnTo>
+                <a:lnTo>
+                  <a:pt x="3171" y="1246"/>
+                </a:lnTo>
+                <a:lnTo>
+                  <a:pt x="3169" y="1280"/>
+                </a:lnTo>
+                <a:lnTo>
+                  <a:pt x="3169" y="1313"/>
+                </a:lnTo>
+                <a:lnTo>
+                  <a:pt x="3173" y="1344"/>
+                </a:lnTo>
+                <a:lnTo>
+                  <a:pt x="3181" y="1375"/>
+                </a:lnTo>
+                <a:lnTo>
+                  <a:pt x="3193" y="1404"/>
+                </a:lnTo>
+                <a:lnTo>
+                  <a:pt x="3209" y="1434"/>
+                </a:lnTo>
+                <a:lnTo>
+                  <a:pt x="3225" y="1464"/>
+                </a:lnTo>
+                <a:lnTo>
+                  <a:pt x="3243" y="1494"/>
+                </a:lnTo>
+                <a:lnTo>
+                  <a:pt x="3260" y="1523"/>
+                </a:lnTo>
+                <a:lnTo>
+                  <a:pt x="3275" y="1554"/>
+                </a:lnTo>
+                <a:lnTo>
+                  <a:pt x="3287" y="1584"/>
+                </a:lnTo>
+                <a:lnTo>
+                  <a:pt x="3295" y="1615"/>
+                </a:lnTo>
+                <a:lnTo>
+                  <a:pt x="3298" y="1647"/>
+                </a:lnTo>
+                <a:lnTo>
+                  <a:pt x="3295" y="1679"/>
+                </a:lnTo>
+                <a:lnTo>
+                  <a:pt x="3287" y="1710"/>
+                </a:lnTo>
+                <a:lnTo>
+                  <a:pt x="3275" y="1740"/>
+                </a:lnTo>
+                <a:lnTo>
+                  <a:pt x="3260" y="1771"/>
+                </a:lnTo>
+                <a:lnTo>
+                  <a:pt x="3243" y="1800"/>
+                </a:lnTo>
+                <a:lnTo>
+                  <a:pt x="3225" y="1830"/>
+                </a:lnTo>
+                <a:lnTo>
+                  <a:pt x="3209" y="1860"/>
+                </a:lnTo>
+                <a:lnTo>
+                  <a:pt x="3193" y="1890"/>
+                </a:lnTo>
+                <a:lnTo>
+                  <a:pt x="3181" y="1919"/>
+                </a:lnTo>
+                <a:lnTo>
+                  <a:pt x="3173" y="1950"/>
+                </a:lnTo>
+                <a:lnTo>
+                  <a:pt x="3169" y="1981"/>
+                </a:lnTo>
+                <a:lnTo>
+                  <a:pt x="3169" y="2014"/>
+                </a:lnTo>
+                <a:lnTo>
+                  <a:pt x="3171" y="2048"/>
+                </a:lnTo>
+                <a:lnTo>
+                  <a:pt x="3175" y="2082"/>
+                </a:lnTo>
+                <a:lnTo>
+                  <a:pt x="3180" y="2116"/>
+                </a:lnTo>
+                <a:lnTo>
+                  <a:pt x="3184" y="2150"/>
+                </a:lnTo>
+                <a:lnTo>
+                  <a:pt x="3187" y="2184"/>
+                </a:lnTo>
+                <a:lnTo>
+                  <a:pt x="3186" y="2216"/>
+                </a:lnTo>
+                <a:lnTo>
+                  <a:pt x="3182" y="2247"/>
+                </a:lnTo>
+                <a:lnTo>
+                  <a:pt x="3173" y="2277"/>
+                </a:lnTo>
+                <a:lnTo>
+                  <a:pt x="3160" y="2302"/>
+                </a:lnTo>
+                <a:lnTo>
+                  <a:pt x="3143" y="2326"/>
+                </a:lnTo>
+                <a:lnTo>
+                  <a:pt x="3123" y="2347"/>
+                </a:lnTo>
+                <a:lnTo>
+                  <a:pt x="3100" y="2368"/>
+                </a:lnTo>
+                <a:lnTo>
+                  <a:pt x="3076" y="2387"/>
+                </a:lnTo>
+                <a:lnTo>
+                  <a:pt x="3051" y="2406"/>
+                </a:lnTo>
+                <a:lnTo>
+                  <a:pt x="3025" y="2425"/>
+                </a:lnTo>
+                <a:lnTo>
+                  <a:pt x="3001" y="2444"/>
+                </a:lnTo>
+                <a:lnTo>
+                  <a:pt x="2978" y="2464"/>
+                </a:lnTo>
+                <a:lnTo>
+                  <a:pt x="2958" y="2487"/>
+                </a:lnTo>
+                <a:lnTo>
+                  <a:pt x="2940" y="2509"/>
+                </a:lnTo>
+                <a:lnTo>
+                  <a:pt x="2926" y="2534"/>
+                </a:lnTo>
+                <a:lnTo>
+                  <a:pt x="2914" y="2561"/>
+                </a:lnTo>
+                <a:lnTo>
+                  <a:pt x="2904" y="2590"/>
+                </a:lnTo>
+                <a:lnTo>
+                  <a:pt x="2895" y="2620"/>
+                </a:lnTo>
+                <a:lnTo>
+                  <a:pt x="2887" y="2650"/>
+                </a:lnTo>
+                <a:lnTo>
+                  <a:pt x="2879" y="2681"/>
+                </a:lnTo>
+                <a:lnTo>
+                  <a:pt x="2870" y="2710"/>
+                </a:lnTo>
+                <a:lnTo>
+                  <a:pt x="2860" y="2739"/>
+                </a:lnTo>
+                <a:lnTo>
+                  <a:pt x="2848" y="2766"/>
+                </a:lnTo>
+                <a:lnTo>
+                  <a:pt x="2833" y="2790"/>
+                </a:lnTo>
+                <a:lnTo>
+                  <a:pt x="2815" y="2812"/>
+                </a:lnTo>
+                <a:lnTo>
+                  <a:pt x="2793" y="2830"/>
+                </a:lnTo>
+                <a:lnTo>
+                  <a:pt x="2769" y="2845"/>
+                </a:lnTo>
+                <a:lnTo>
+                  <a:pt x="2742" y="2857"/>
+                </a:lnTo>
+                <a:lnTo>
+                  <a:pt x="2713" y="2867"/>
+                </a:lnTo>
+                <a:lnTo>
+                  <a:pt x="2684" y="2876"/>
+                </a:lnTo>
+                <a:lnTo>
+                  <a:pt x="2653" y="2884"/>
+                </a:lnTo>
+                <a:lnTo>
+                  <a:pt x="2623" y="2892"/>
+                </a:lnTo>
+                <a:lnTo>
+                  <a:pt x="2593" y="2901"/>
+                </a:lnTo>
+                <a:lnTo>
+                  <a:pt x="2564" y="2911"/>
+                </a:lnTo>
+                <a:lnTo>
+                  <a:pt x="2537" y="2923"/>
+                </a:lnTo>
+                <a:lnTo>
+                  <a:pt x="2512" y="2937"/>
+                </a:lnTo>
+                <a:lnTo>
+                  <a:pt x="2490" y="2955"/>
+                </a:lnTo>
+                <a:lnTo>
+                  <a:pt x="2467" y="2975"/>
+                </a:lnTo>
+                <a:lnTo>
+                  <a:pt x="2447" y="2998"/>
+                </a:lnTo>
+                <a:lnTo>
+                  <a:pt x="2428" y="3022"/>
+                </a:lnTo>
+                <a:lnTo>
+                  <a:pt x="2409" y="3047"/>
+                </a:lnTo>
+                <a:lnTo>
+                  <a:pt x="2390" y="3072"/>
+                </a:lnTo>
+                <a:lnTo>
+                  <a:pt x="2371" y="3096"/>
+                </a:lnTo>
+                <a:lnTo>
+                  <a:pt x="2350" y="3119"/>
+                </a:lnTo>
+                <a:lnTo>
+                  <a:pt x="2329" y="3139"/>
+                </a:lnTo>
+                <a:lnTo>
+                  <a:pt x="2305" y="3156"/>
+                </a:lnTo>
+                <a:lnTo>
+                  <a:pt x="2280" y="3169"/>
+                </a:lnTo>
+                <a:lnTo>
+                  <a:pt x="2250" y="3178"/>
+                </a:lnTo>
+                <a:lnTo>
+                  <a:pt x="2219" y="3182"/>
+                </a:lnTo>
+                <a:lnTo>
+                  <a:pt x="2187" y="3183"/>
+                </a:lnTo>
+                <a:lnTo>
+                  <a:pt x="2153" y="3180"/>
+                </a:lnTo>
+                <a:lnTo>
+                  <a:pt x="2119" y="3176"/>
+                </a:lnTo>
+                <a:lnTo>
+                  <a:pt x="2085" y="3171"/>
+                </a:lnTo>
+                <a:lnTo>
+                  <a:pt x="2051" y="3167"/>
+                </a:lnTo>
+                <a:lnTo>
+                  <a:pt x="2017" y="3165"/>
+                </a:lnTo>
+                <a:lnTo>
+                  <a:pt x="1984" y="3165"/>
+                </a:lnTo>
+                <a:lnTo>
+                  <a:pt x="1953" y="3169"/>
+                </a:lnTo>
+                <a:lnTo>
+                  <a:pt x="1921" y="3177"/>
+                </a:lnTo>
+                <a:lnTo>
+                  <a:pt x="1892" y="3189"/>
+                </a:lnTo>
+                <a:lnTo>
+                  <a:pt x="1862" y="3205"/>
+                </a:lnTo>
+                <a:lnTo>
+                  <a:pt x="1832" y="3221"/>
+                </a:lnTo>
+                <a:lnTo>
+                  <a:pt x="1802" y="3239"/>
+                </a:lnTo>
+                <a:lnTo>
+                  <a:pt x="1773" y="3256"/>
+                </a:lnTo>
+                <a:lnTo>
+                  <a:pt x="1742" y="3271"/>
+                </a:lnTo>
+                <a:lnTo>
+                  <a:pt x="1712" y="3283"/>
+                </a:lnTo>
+                <a:lnTo>
+                  <a:pt x="1681" y="3291"/>
+                </a:lnTo>
+                <a:lnTo>
+                  <a:pt x="1649" y="3294"/>
+                </a:lnTo>
+                <a:lnTo>
+                  <a:pt x="1617" y="3291"/>
+                </a:lnTo>
+                <a:lnTo>
+                  <a:pt x="1586" y="3283"/>
+                </a:lnTo>
+                <a:lnTo>
+                  <a:pt x="1556" y="3271"/>
+                </a:lnTo>
+                <a:lnTo>
+                  <a:pt x="1525" y="3256"/>
+                </a:lnTo>
+                <a:lnTo>
+                  <a:pt x="1496" y="3239"/>
+                </a:lnTo>
+                <a:lnTo>
+                  <a:pt x="1466" y="3221"/>
+                </a:lnTo>
+                <a:lnTo>
+                  <a:pt x="1436" y="3205"/>
+                </a:lnTo>
+                <a:lnTo>
+                  <a:pt x="1406" y="3189"/>
+                </a:lnTo>
+                <a:lnTo>
+                  <a:pt x="1376" y="3177"/>
+                </a:lnTo>
+                <a:lnTo>
+                  <a:pt x="1345" y="3169"/>
+                </a:lnTo>
+                <a:lnTo>
+                  <a:pt x="1314" y="3165"/>
+                </a:lnTo>
+                <a:lnTo>
+                  <a:pt x="1281" y="3165"/>
+                </a:lnTo>
+                <a:lnTo>
+                  <a:pt x="1247" y="3167"/>
+                </a:lnTo>
+                <a:lnTo>
+                  <a:pt x="1213" y="3171"/>
+                </a:lnTo>
+                <a:lnTo>
+                  <a:pt x="1179" y="3176"/>
+                </a:lnTo>
+                <a:lnTo>
+                  <a:pt x="1145" y="3180"/>
+                </a:lnTo>
+                <a:lnTo>
+                  <a:pt x="1111" y="3183"/>
+                </a:lnTo>
+                <a:lnTo>
+                  <a:pt x="1079" y="3182"/>
+                </a:lnTo>
+                <a:lnTo>
+                  <a:pt x="1048" y="3178"/>
+                </a:lnTo>
+                <a:lnTo>
+                  <a:pt x="1018" y="3169"/>
+                </a:lnTo>
+                <a:lnTo>
+                  <a:pt x="993" y="3156"/>
+                </a:lnTo>
+                <a:lnTo>
+                  <a:pt x="969" y="3139"/>
+                </a:lnTo>
+                <a:lnTo>
+                  <a:pt x="948" y="3119"/>
+                </a:lnTo>
+                <a:lnTo>
+                  <a:pt x="927" y="3096"/>
+                </a:lnTo>
+                <a:lnTo>
+                  <a:pt x="908" y="3072"/>
+                </a:lnTo>
+                <a:lnTo>
+                  <a:pt x="889" y="3047"/>
+                </a:lnTo>
+                <a:lnTo>
+                  <a:pt x="870" y="3022"/>
+                </a:lnTo>
+                <a:lnTo>
+                  <a:pt x="851" y="2998"/>
+                </a:lnTo>
+                <a:lnTo>
+                  <a:pt x="831" y="2975"/>
+                </a:lnTo>
+                <a:lnTo>
+                  <a:pt x="808" y="2955"/>
+                </a:lnTo>
+                <a:lnTo>
+                  <a:pt x="786" y="2937"/>
+                </a:lnTo>
+                <a:lnTo>
+                  <a:pt x="761" y="2923"/>
+                </a:lnTo>
+                <a:lnTo>
+                  <a:pt x="734" y="2911"/>
+                </a:lnTo>
+                <a:lnTo>
+                  <a:pt x="705" y="2901"/>
+                </a:lnTo>
+                <a:lnTo>
+                  <a:pt x="675" y="2892"/>
+                </a:lnTo>
+                <a:lnTo>
+                  <a:pt x="645" y="2884"/>
+                </a:lnTo>
+                <a:lnTo>
+                  <a:pt x="614" y="2876"/>
+                </a:lnTo>
+                <a:lnTo>
+                  <a:pt x="585" y="2867"/>
+                </a:lnTo>
+                <a:lnTo>
+                  <a:pt x="556" y="2857"/>
+                </a:lnTo>
+                <a:lnTo>
+                  <a:pt x="529" y="2845"/>
+                </a:lnTo>
+                <a:lnTo>
+                  <a:pt x="505" y="2830"/>
+                </a:lnTo>
+                <a:lnTo>
+                  <a:pt x="483" y="2812"/>
+                </a:lnTo>
+                <a:lnTo>
+                  <a:pt x="465" y="2790"/>
+                </a:lnTo>
+                <a:lnTo>
+                  <a:pt x="450" y="2766"/>
+                </a:lnTo>
+                <a:lnTo>
+                  <a:pt x="438" y="2739"/>
+                </a:lnTo>
+                <a:lnTo>
+                  <a:pt x="428" y="2710"/>
+                </a:lnTo>
+                <a:lnTo>
+                  <a:pt x="419" y="2681"/>
+                </a:lnTo>
+                <a:lnTo>
+                  <a:pt x="411" y="2650"/>
+                </a:lnTo>
+                <a:lnTo>
+                  <a:pt x="403" y="2620"/>
+                </a:lnTo>
+                <a:lnTo>
+                  <a:pt x="394" y="2590"/>
+                </a:lnTo>
+                <a:lnTo>
+                  <a:pt x="384" y="2561"/>
+                </a:lnTo>
+                <a:lnTo>
+                  <a:pt x="372" y="2534"/>
+                </a:lnTo>
+                <a:lnTo>
+                  <a:pt x="358" y="2509"/>
+                </a:lnTo>
+                <a:lnTo>
+                  <a:pt x="340" y="2487"/>
+                </a:lnTo>
+                <a:lnTo>
+                  <a:pt x="320" y="2464"/>
+                </a:lnTo>
+                <a:lnTo>
+                  <a:pt x="297" y="2444"/>
+                </a:lnTo>
+                <a:lnTo>
+                  <a:pt x="272" y="2425"/>
+                </a:lnTo>
+                <a:lnTo>
+                  <a:pt x="247" y="2406"/>
+                </a:lnTo>
+                <a:lnTo>
+                  <a:pt x="222" y="2387"/>
+                </a:lnTo>
+                <a:lnTo>
+                  <a:pt x="198" y="2368"/>
+                </a:lnTo>
+                <a:lnTo>
+                  <a:pt x="175" y="2347"/>
+                </a:lnTo>
+                <a:lnTo>
+                  <a:pt x="155" y="2326"/>
+                </a:lnTo>
+                <a:lnTo>
+                  <a:pt x="138" y="2302"/>
+                </a:lnTo>
+                <a:lnTo>
+                  <a:pt x="125" y="2277"/>
+                </a:lnTo>
+                <a:lnTo>
+                  <a:pt x="116" y="2247"/>
+                </a:lnTo>
+                <a:lnTo>
+                  <a:pt x="112" y="2216"/>
+                </a:lnTo>
+                <a:lnTo>
+                  <a:pt x="111" y="2184"/>
+                </a:lnTo>
+                <a:lnTo>
+                  <a:pt x="114" y="2150"/>
+                </a:lnTo>
+                <a:lnTo>
+                  <a:pt x="118" y="2116"/>
+                </a:lnTo>
+                <a:lnTo>
+                  <a:pt x="123" y="2082"/>
+                </a:lnTo>
+                <a:lnTo>
+                  <a:pt x="127" y="2048"/>
+                </a:lnTo>
+                <a:lnTo>
+                  <a:pt x="129" y="2014"/>
+                </a:lnTo>
+                <a:lnTo>
+                  <a:pt x="129" y="1981"/>
+                </a:lnTo>
+                <a:lnTo>
+                  <a:pt x="125" y="1950"/>
+                </a:lnTo>
+                <a:lnTo>
+                  <a:pt x="117" y="1919"/>
+                </a:lnTo>
+                <a:lnTo>
+                  <a:pt x="105" y="1890"/>
+                </a:lnTo>
+                <a:lnTo>
+                  <a:pt x="90" y="1860"/>
+                </a:lnTo>
+                <a:lnTo>
+                  <a:pt x="73" y="1830"/>
+                </a:lnTo>
+                <a:lnTo>
+                  <a:pt x="55" y="1800"/>
+                </a:lnTo>
+                <a:lnTo>
+                  <a:pt x="38" y="1771"/>
+                </a:lnTo>
+                <a:lnTo>
+                  <a:pt x="23" y="1740"/>
+                </a:lnTo>
+                <a:lnTo>
+                  <a:pt x="11" y="1710"/>
+                </a:lnTo>
+                <a:lnTo>
+                  <a:pt x="3" y="1679"/>
+                </a:lnTo>
+                <a:lnTo>
+                  <a:pt x="0" y="1647"/>
+                </a:lnTo>
+                <a:lnTo>
+                  <a:pt x="3" y="1615"/>
+                </a:lnTo>
+                <a:lnTo>
+                  <a:pt x="11" y="1584"/>
+                </a:lnTo>
+                <a:lnTo>
+                  <a:pt x="23" y="1554"/>
+                </a:lnTo>
+                <a:lnTo>
+                  <a:pt x="38" y="1523"/>
+                </a:lnTo>
+                <a:lnTo>
+                  <a:pt x="55" y="1494"/>
+                </a:lnTo>
+                <a:lnTo>
+                  <a:pt x="73" y="1464"/>
+                </a:lnTo>
+                <a:lnTo>
+                  <a:pt x="90" y="1434"/>
+                </a:lnTo>
+                <a:lnTo>
+                  <a:pt x="105" y="1404"/>
+                </a:lnTo>
+                <a:lnTo>
+                  <a:pt x="117" y="1375"/>
+                </a:lnTo>
+                <a:lnTo>
+                  <a:pt x="125" y="1344"/>
+                </a:lnTo>
+                <a:lnTo>
+                  <a:pt x="129" y="1313"/>
+                </a:lnTo>
+                <a:lnTo>
+                  <a:pt x="129" y="1280"/>
+                </a:lnTo>
+                <a:lnTo>
+                  <a:pt x="127" y="1246"/>
+                </a:lnTo>
+                <a:lnTo>
+                  <a:pt x="123" y="1212"/>
+                </a:lnTo>
+                <a:lnTo>
+                  <a:pt x="118" y="1178"/>
+                </a:lnTo>
+                <a:lnTo>
+                  <a:pt x="114" y="1144"/>
+                </a:lnTo>
+                <a:lnTo>
+                  <a:pt x="111" y="1110"/>
+                </a:lnTo>
+                <a:lnTo>
+                  <a:pt x="112" y="1078"/>
+                </a:lnTo>
+                <a:lnTo>
+                  <a:pt x="116" y="1047"/>
+                </a:lnTo>
+                <a:lnTo>
+                  <a:pt x="125" y="1017"/>
+                </a:lnTo>
+                <a:lnTo>
+                  <a:pt x="138" y="992"/>
+                </a:lnTo>
+                <a:lnTo>
+                  <a:pt x="155" y="968"/>
+                </a:lnTo>
+                <a:lnTo>
+                  <a:pt x="175" y="947"/>
+                </a:lnTo>
+                <a:lnTo>
+                  <a:pt x="198" y="926"/>
+                </a:lnTo>
+                <a:lnTo>
+                  <a:pt x="222" y="907"/>
+                </a:lnTo>
+                <a:lnTo>
+                  <a:pt x="247" y="888"/>
+                </a:lnTo>
+                <a:lnTo>
+                  <a:pt x="272" y="869"/>
+                </a:lnTo>
+                <a:lnTo>
+                  <a:pt x="297" y="850"/>
+                </a:lnTo>
+                <a:lnTo>
+                  <a:pt x="320" y="830"/>
+                </a:lnTo>
+                <a:lnTo>
+                  <a:pt x="340" y="807"/>
+                </a:lnTo>
+                <a:lnTo>
+                  <a:pt x="358" y="785"/>
+                </a:lnTo>
+                <a:lnTo>
+                  <a:pt x="372" y="760"/>
+                </a:lnTo>
+                <a:lnTo>
+                  <a:pt x="384" y="733"/>
+                </a:lnTo>
+                <a:lnTo>
+                  <a:pt x="394" y="704"/>
+                </a:lnTo>
+                <a:lnTo>
+                  <a:pt x="403" y="674"/>
+                </a:lnTo>
+                <a:lnTo>
+                  <a:pt x="411" y="644"/>
+                </a:lnTo>
+                <a:lnTo>
+                  <a:pt x="419" y="613"/>
+                </a:lnTo>
+                <a:lnTo>
+                  <a:pt x="428" y="584"/>
+                </a:lnTo>
+                <a:lnTo>
+                  <a:pt x="438" y="555"/>
+                </a:lnTo>
+                <a:lnTo>
+                  <a:pt x="450" y="528"/>
+                </a:lnTo>
+                <a:lnTo>
+                  <a:pt x="465" y="504"/>
+                </a:lnTo>
+                <a:lnTo>
+                  <a:pt x="483" y="482"/>
+                </a:lnTo>
+                <a:lnTo>
+                  <a:pt x="505" y="464"/>
+                </a:lnTo>
+                <a:lnTo>
+                  <a:pt x="529" y="449"/>
+                </a:lnTo>
+                <a:lnTo>
+                  <a:pt x="556" y="437"/>
+                </a:lnTo>
+                <a:lnTo>
+                  <a:pt x="585" y="427"/>
+                </a:lnTo>
+                <a:lnTo>
+                  <a:pt x="614" y="418"/>
+                </a:lnTo>
+                <a:lnTo>
+                  <a:pt x="645" y="410"/>
+                </a:lnTo>
+                <a:lnTo>
+                  <a:pt x="675" y="402"/>
+                </a:lnTo>
+                <a:lnTo>
+                  <a:pt x="705" y="393"/>
+                </a:lnTo>
+                <a:lnTo>
+                  <a:pt x="734" y="383"/>
+                </a:lnTo>
+                <a:lnTo>
+                  <a:pt x="761" y="371"/>
+                </a:lnTo>
+                <a:lnTo>
+                  <a:pt x="786" y="357"/>
+                </a:lnTo>
+                <a:lnTo>
+                  <a:pt x="808" y="339"/>
+                </a:lnTo>
+                <a:lnTo>
+                  <a:pt x="831" y="319"/>
+                </a:lnTo>
+                <a:lnTo>
+                  <a:pt x="851" y="296"/>
+                </a:lnTo>
+                <a:lnTo>
+                  <a:pt x="870" y="272"/>
+                </a:lnTo>
+                <a:lnTo>
+                  <a:pt x="889" y="247"/>
+                </a:lnTo>
+                <a:lnTo>
+                  <a:pt x="908" y="222"/>
+                </a:lnTo>
+                <a:lnTo>
+                  <a:pt x="927" y="198"/>
+                </a:lnTo>
+                <a:lnTo>
+                  <a:pt x="948" y="175"/>
+                </a:lnTo>
+                <a:lnTo>
+                  <a:pt x="969" y="155"/>
+                </a:lnTo>
+                <a:lnTo>
+                  <a:pt x="993" y="138"/>
+                </a:lnTo>
+                <a:lnTo>
+                  <a:pt x="1018" y="125"/>
+                </a:lnTo>
+                <a:lnTo>
+                  <a:pt x="1048" y="116"/>
+                </a:lnTo>
+                <a:lnTo>
+                  <a:pt x="1079" y="112"/>
+                </a:lnTo>
+                <a:lnTo>
+                  <a:pt x="1111" y="111"/>
+                </a:lnTo>
+                <a:lnTo>
+                  <a:pt x="1145" y="114"/>
+                </a:lnTo>
+                <a:lnTo>
+                  <a:pt x="1179" y="118"/>
+                </a:lnTo>
+                <a:lnTo>
+                  <a:pt x="1213" y="123"/>
+                </a:lnTo>
+                <a:lnTo>
+                  <a:pt x="1247" y="127"/>
+                </a:lnTo>
+                <a:lnTo>
+                  <a:pt x="1281" y="129"/>
+                </a:lnTo>
+                <a:lnTo>
+                  <a:pt x="1314" y="129"/>
+                </a:lnTo>
+                <a:lnTo>
+                  <a:pt x="1345" y="125"/>
+                </a:lnTo>
+                <a:lnTo>
+                  <a:pt x="1376" y="117"/>
+                </a:lnTo>
+                <a:lnTo>
+                  <a:pt x="1406" y="105"/>
+                </a:lnTo>
+                <a:lnTo>
+                  <a:pt x="1436" y="89"/>
+                </a:lnTo>
+                <a:lnTo>
+                  <a:pt x="1466" y="73"/>
+                </a:lnTo>
+                <a:lnTo>
+                  <a:pt x="1496" y="55"/>
+                </a:lnTo>
+                <a:lnTo>
+                  <a:pt x="1525" y="38"/>
+                </a:lnTo>
+                <a:lnTo>
+                  <a:pt x="1556" y="23"/>
+                </a:lnTo>
+                <a:lnTo>
+                  <a:pt x="1586" y="11"/>
+                </a:lnTo>
+                <a:lnTo>
+                  <a:pt x="1617" y="3"/>
+                </a:lnTo>
+                <a:lnTo>
+                  <a:pt x="1649" y="0"/>
+                </a:lnTo>
+                <a:close/>
+              </a:path>
+            </a:pathLst>
+          </a:custGeom>
+          <a:solidFill>
+            <a:schemeClr val="bg2"/>
+          </a:solidFill>
+          <a:ln w="0">
+            <a:noFill/>
+            <a:prstDash val="solid"/>
+            <a:round/>
+            <a:headEnd/>
+            <a:tailEnd/>
+          </a:ln>
+        </p:spPr>
+      </p:sp>
+      <p:sp>
+        <p:nvSpPr>
           <p:cNvPr id="2" name="Title 1"/>
           <p:cNvSpPr>
             <a:spLocks noGrp="1"/>
@@ -139,15 +1203,17 @@
         </p:nvSpPr>
         <p:spPr>
           <a:xfrm>
-            <a:off x="1524000" y="1122363"/>
-            <a:ext cx="9144000" cy="2387600"/>
+            <a:off x="1078523" y="1098388"/>
+            <a:ext cx="10318418" cy="4394988"/>
           </a:xfrm>
         </p:spPr>
         <p:txBody>
-          <a:bodyPr anchor="b"/>
+          <a:bodyPr anchor="ctr">
+            <a:noAutofit/>
+          </a:bodyPr>
           <a:lstStyle>
             <a:lvl1pPr algn="ctr">
-              <a:defRPr sz="6000"/>
+              <a:defRPr sz="10000" spc="800" baseline="0"/>
             </a:lvl1pPr>
           </a:lstStyle>
           <a:p>
@@ -155,7 +1221,7 @@
               <a:rPr lang="en-US" altLang="zh-CN" smtClean="0"/>
               <a:t>Click to edit Master title style</a:t>
             </a:r>
-            <a:endParaRPr lang="en-US"/>
+            <a:endParaRPr lang="en-US" dirty="0"/>
           </a:p>
         </p:txBody>
       </p:sp>
@@ -171,16 +1237,25 @@
         </p:nvSpPr>
         <p:spPr>
           <a:xfrm>
-            <a:off x="1524000" y="3602038"/>
-            <a:ext cx="9144000" cy="1655762"/>
+            <a:off x="2215045" y="5979196"/>
+            <a:ext cx="8045373" cy="742279"/>
           </a:xfrm>
         </p:spPr>
         <p:txBody>
-          <a:bodyPr/>
+          <a:bodyPr anchor="t">
+            <a:normAutofit/>
+          </a:bodyPr>
           <a:lstStyle>
             <a:lvl1pPr marL="0" indent="0" algn="ctr">
+              <a:lnSpc>
+                <a:spcPct val="100000"/>
+              </a:lnSpc>
               <a:buNone/>
-              <a:defRPr sz="2400"/>
+              <a:defRPr sz="2000" b="1" i="0" cap="all" spc="400" baseline="0">
+                <a:solidFill>
+                  <a:schemeClr val="tx2"/>
+                </a:solidFill>
+              </a:defRPr>
             </a:lvl1pPr>
             <a:lvl2pPr marL="457200" indent="0" algn="ctr">
               <a:buNone/>
@@ -220,7 +1295,7 @@
               <a:rPr lang="en-US" altLang="zh-CN" smtClean="0"/>
               <a:t>Click to edit Master subtitle style</a:t>
             </a:r>
-            <a:endParaRPr lang="en-US"/>
+            <a:endParaRPr lang="en-US" dirty="0"/>
           </a:p>
         </p:txBody>
       </p:sp>
@@ -234,10 +1309,25 @@
             <p:ph type="dt" sz="half" idx="10"/>
           </p:nvPr>
         </p:nvSpPr>
-        <p:spPr/>
+        <p:spPr>
+          <a:xfrm>
+            <a:off x="1078523" y="6375679"/>
+            <a:ext cx="2329722" cy="348462"/>
+          </a:xfrm>
+        </p:spPr>
         <p:txBody>
           <a:bodyPr/>
-          <a:lstStyle/>
+          <a:lstStyle>
+            <a:lvl1pPr>
+              <a:defRPr baseline="0">
+                <a:solidFill>
+                  <a:schemeClr val="accent1">
+                    <a:lumMod val="50000"/>
+                  </a:schemeClr>
+                </a:solidFill>
+              </a:defRPr>
+            </a:lvl1pPr>
+          </a:lstStyle>
           <a:p>
             <a:fld id="{ECD19FB2-3AAB-4D03-B13A-2960828C78E3}" type="datetimeFigureOut">
               <a:rPr lang="en-US" smtClean="0"/>
@@ -257,10 +1347,25 @@
             <p:ph type="ftr" sz="quarter" idx="11"/>
           </p:nvPr>
         </p:nvSpPr>
-        <p:spPr/>
+        <p:spPr>
+          <a:xfrm>
+            <a:off x="4180332" y="6375679"/>
+            <a:ext cx="4114800" cy="345796"/>
+          </a:xfrm>
+        </p:spPr>
         <p:txBody>
           <a:bodyPr/>
-          <a:lstStyle/>
+          <a:lstStyle>
+            <a:lvl1pPr>
+              <a:defRPr baseline="0">
+                <a:solidFill>
+                  <a:schemeClr val="accent1">
+                    <a:lumMod val="50000"/>
+                  </a:schemeClr>
+                </a:solidFill>
+              </a:defRPr>
+            </a:lvl1pPr>
+          </a:lstStyle>
           <a:p>
             <a:endParaRPr lang="en-US" dirty="0"/>
           </a:p>
@@ -276,10 +1381,25 @@
             <p:ph type="sldNum" sz="quarter" idx="12"/>
           </p:nvPr>
         </p:nvSpPr>
-        <p:spPr/>
+        <p:spPr>
+          <a:xfrm>
+            <a:off x="9067218" y="6375679"/>
+            <a:ext cx="2329723" cy="345796"/>
+          </a:xfrm>
+        </p:spPr>
         <p:txBody>
           <a:bodyPr/>
-          <a:lstStyle/>
+          <a:lstStyle>
+            <a:lvl1pPr>
+              <a:defRPr baseline="0">
+                <a:solidFill>
+                  <a:schemeClr val="accent1">
+                    <a:lumMod val="50000"/>
+                  </a:schemeClr>
+                </a:solidFill>
+              </a:defRPr>
+            </a:lvl1pPr>
+          </a:lstStyle>
           <a:p>
             <a:fld id="{6D22F896-40B5-4ADD-8801-0D06FADFA095}" type="slidenum">
               <a:rPr lang="en-US" smtClean="0"/>
@@ -290,10 +1410,48 @@
           </a:p>
         </p:txBody>
       </p:sp>
+      <p:sp>
+        <p:nvSpPr>
+          <p:cNvPr id="13" name="Rectangle 12" title="left edge border"/>
+          <p:cNvSpPr/>
+          <p:nvPr/>
+        </p:nvSpPr>
+        <p:spPr>
+          <a:xfrm>
+            <a:off x="0" y="0"/>
+            <a:ext cx="283464" cy="6858000"/>
+          </a:xfrm>
+          <a:prstGeom prst="rect">
+            <a:avLst/>
+          </a:prstGeom>
+          <a:solidFill>
+            <a:schemeClr val="tx2"/>
+          </a:solidFill>
+          <a:ln>
+            <a:noFill/>
+          </a:ln>
+        </p:spPr>
+        <p:style>
+          <a:lnRef idx="2">
+            <a:schemeClr val="accent1">
+              <a:shade val="50000"/>
+            </a:schemeClr>
+          </a:lnRef>
+          <a:fillRef idx="1">
+            <a:schemeClr val="accent1"/>
+          </a:fillRef>
+          <a:effectRef idx="0">
+            <a:schemeClr val="accent1"/>
+          </a:effectRef>
+          <a:fontRef idx="minor">
+            <a:schemeClr val="lt1"/>
+          </a:fontRef>
+        </p:style>
+      </p:sp>
     </p:spTree>
     <p:extLst>
       <p:ext uri="{BB962C8B-B14F-4D97-AF65-F5344CB8AC3E}">
-        <p14:creationId xmlns:p14="http://schemas.microsoft.com/office/powerpoint/2010/main" val="1786651880"/>
+        <p14:creationId xmlns:p14="http://schemas.microsoft.com/office/powerpoint/2010/main" val="664459762"/>
       </p:ext>
     </p:extLst>
   </p:cSld>
@@ -339,7 +1497,7 @@
               <a:rPr lang="en-US" altLang="zh-CN" smtClean="0"/>
               <a:t>Click to edit Master title style</a:t>
             </a:r>
-            <a:endParaRPr lang="en-US"/>
+            <a:endParaRPr lang="en-US" dirty="0"/>
           </a:p>
         </p:txBody>
       </p:sp>
@@ -391,7 +1549,7 @@
               <a:rPr lang="en-US" altLang="zh-CN" smtClean="0"/>
               <a:t>Fifth level</a:t>
             </a:r>
-            <a:endParaRPr lang="en-US"/>
+            <a:endParaRPr lang="en-US" dirty="0"/>
           </a:p>
         </p:txBody>
       </p:sp>
@@ -463,7 +1621,7 @@
     </p:spTree>
     <p:extLst>
       <p:ext uri="{BB962C8B-B14F-4D97-AF65-F5344CB8AC3E}">
-        <p14:creationId xmlns:p14="http://schemas.microsoft.com/office/powerpoint/2010/main" val="1213813840"/>
+        <p14:creationId xmlns:p14="http://schemas.microsoft.com/office/powerpoint/2010/main" val="321372510"/>
       </p:ext>
     </p:extLst>
   </p:cSld>
@@ -502,8 +1660,8 @@
         </p:nvSpPr>
         <p:spPr>
           <a:xfrm>
-            <a:off x="8724900" y="365125"/>
-            <a:ext cx="2628900" cy="5811838"/>
+            <a:off x="10066321" y="382386"/>
+            <a:ext cx="1492132" cy="5600404"/>
           </a:xfrm>
         </p:spPr>
         <p:txBody>
@@ -514,7 +1672,7 @@
               <a:rPr lang="en-US" altLang="zh-CN" smtClean="0"/>
               <a:t>Click to edit Master title style</a:t>
             </a:r>
-            <a:endParaRPr lang="en-US"/>
+            <a:endParaRPr lang="en-US" dirty="0"/>
           </a:p>
         </p:txBody>
       </p:sp>
@@ -530,8 +1688,8 @@
         </p:nvSpPr>
         <p:spPr>
           <a:xfrm>
-            <a:off x="838200" y="365125"/>
-            <a:ext cx="7734300" cy="5811838"/>
+            <a:off x="1257300" y="382385"/>
+            <a:ext cx="8392585" cy="5600405"/>
           </a:xfrm>
         </p:spPr>
         <p:txBody>
@@ -571,7 +1729,7 @@
               <a:rPr lang="en-US" altLang="zh-CN" smtClean="0"/>
               <a:t>Fifth level</a:t>
             </a:r>
-            <a:endParaRPr lang="en-US"/>
+            <a:endParaRPr lang="en-US" dirty="0"/>
           </a:p>
         </p:txBody>
       </p:sp>
@@ -643,7 +1801,7 @@
     </p:spTree>
     <p:extLst>
       <p:ext uri="{BB962C8B-B14F-4D97-AF65-F5344CB8AC3E}">
-        <p14:creationId xmlns:p14="http://schemas.microsoft.com/office/powerpoint/2010/main" val="1622046027"/>
+        <p14:creationId xmlns:p14="http://schemas.microsoft.com/office/powerpoint/2010/main" val="386403365"/>
       </p:ext>
     </p:extLst>
   </p:cSld>
@@ -689,7 +1847,7 @@
               <a:rPr lang="en-US" altLang="zh-CN" smtClean="0"/>
               <a:t>Click to edit Master title style</a:t>
             </a:r>
-            <a:endParaRPr lang="en-US"/>
+            <a:endParaRPr lang="en-US" dirty="0"/>
           </a:p>
         </p:txBody>
       </p:sp>
@@ -741,7 +1899,7 @@
               <a:rPr lang="en-US" altLang="zh-CN" smtClean="0"/>
               <a:t>Fifth level</a:t>
             </a:r>
-            <a:endParaRPr lang="en-US"/>
+            <a:endParaRPr lang="en-US" dirty="0"/>
           </a:p>
         </p:txBody>
       </p:sp>
@@ -813,7 +1971,7 @@
     </p:spTree>
     <p:extLst>
       <p:ext uri="{BB962C8B-B14F-4D97-AF65-F5344CB8AC3E}">
-        <p14:creationId xmlns:p14="http://schemas.microsoft.com/office/powerpoint/2010/main" val="2141794806"/>
+        <p14:creationId xmlns:p14="http://schemas.microsoft.com/office/powerpoint/2010/main" val="660255534"/>
       </p:ext>
     </p:extLst>
   </p:cSld>
@@ -824,8 +1982,16 @@
 </file>
 
 <file path=ppt/slideLayouts/slideLayout3.xml><?xml version="1.0" encoding="utf-8"?>
-<p:sldLayout xmlns:a="http://schemas.openxmlformats.org/drawingml/2006/main" xmlns:r="http://schemas.openxmlformats.org/officeDocument/2006/relationships" xmlns:p="http://schemas.openxmlformats.org/presentationml/2006/main" type="secHead" preserve="1">
+<p:sldLayout xmlns:a="http://schemas.openxmlformats.org/drawingml/2006/main" xmlns:r="http://schemas.openxmlformats.org/officeDocument/2006/relationships" xmlns:p="http://schemas.openxmlformats.org/presentationml/2006/main" showMasterSp="0" type="secHead" preserve="1">
   <p:cSld name="Section Header">
+    <p:bg>
+      <p:bgPr>
+        <a:solidFill>
+          <a:schemeClr val="bg2"/>
+        </a:solidFill>
+        <a:effectLst/>
+      </p:bgPr>
+    </p:bg>
     <p:spTree>
       <p:nvGrpSpPr>
         <p:cNvPr id="1" name=""/>
@@ -852,15 +2018,21 @@
         </p:nvSpPr>
         <p:spPr>
           <a:xfrm>
-            <a:off x="831850" y="1709738"/>
-            <a:ext cx="10515600" cy="2852737"/>
+            <a:off x="3242929" y="1073888"/>
+            <a:ext cx="8187071" cy="4064627"/>
           </a:xfrm>
         </p:spPr>
         <p:txBody>
-          <a:bodyPr anchor="b"/>
+          <a:bodyPr anchor="b">
+            <a:normAutofit/>
+          </a:bodyPr>
           <a:lstStyle>
             <a:lvl1pPr>
-              <a:defRPr sz="6000"/>
+              <a:defRPr sz="8400" spc="800" baseline="0">
+                <a:solidFill>
+                  <a:schemeClr val="tx2"/>
+                </a:solidFill>
+              </a:defRPr>
             </a:lvl1pPr>
           </a:lstStyle>
           <a:p>
@@ -868,7 +2040,7 @@
               <a:rPr lang="en-US" altLang="zh-CN" smtClean="0"/>
               <a:t>Click to edit Master title style</a:t>
             </a:r>
-            <a:endParaRPr lang="en-US"/>
+            <a:endParaRPr lang="en-US" dirty="0"/>
           </a:p>
         </p:txBody>
       </p:sp>
@@ -884,20 +2056,23 @@
         </p:nvSpPr>
         <p:spPr>
           <a:xfrm>
-            <a:off x="831850" y="4589463"/>
-            <a:ext cx="10515600" cy="1500187"/>
+            <a:off x="3242930" y="5159781"/>
+            <a:ext cx="7017488" cy="951135"/>
           </a:xfrm>
         </p:spPr>
         <p:txBody>
-          <a:bodyPr/>
+          <a:bodyPr>
+            <a:normAutofit/>
+          </a:bodyPr>
           <a:lstStyle>
             <a:lvl1pPr marL="0" indent="0">
+              <a:lnSpc>
+                <a:spcPct val="100000"/>
+              </a:lnSpc>
               <a:buNone/>
-              <a:defRPr sz="2400">
+              <a:defRPr sz="2000" b="1" i="0" cap="all" spc="400" baseline="0">
                 <a:solidFill>
-                  <a:schemeClr val="tx1">
-                    <a:tint val="75000"/>
-                  </a:schemeClr>
+                  <a:schemeClr val="accent1"/>
                 </a:solidFill>
               </a:defRPr>
             </a:lvl1pPr>
@@ -1001,10 +2176,23 @@
             <p:ph type="dt" sz="half" idx="10"/>
           </p:nvPr>
         </p:nvSpPr>
-        <p:spPr/>
+        <p:spPr>
+          <a:xfrm>
+            <a:off x="3236546" y="6375679"/>
+            <a:ext cx="1493947" cy="348462"/>
+          </a:xfrm>
+        </p:spPr>
         <p:txBody>
           <a:bodyPr/>
-          <a:lstStyle/>
+          <a:lstStyle>
+            <a:lvl1pPr>
+              <a:defRPr baseline="0">
+                <a:solidFill>
+                  <a:schemeClr val="tx2"/>
+                </a:solidFill>
+              </a:defRPr>
+            </a:lvl1pPr>
+          </a:lstStyle>
           <a:p>
             <a:fld id="{0F39F4F5-F4D2-4D2A-AB60-88D37ADCB869}" type="datetimeFigureOut">
               <a:rPr lang="en-US" smtClean="0"/>
@@ -1024,10 +2212,23 @@
             <p:ph type="ftr" sz="quarter" idx="11"/>
           </p:nvPr>
         </p:nvSpPr>
-        <p:spPr/>
+        <p:spPr>
+          <a:xfrm>
+            <a:off x="5279064" y="6375679"/>
+            <a:ext cx="4114800" cy="345796"/>
+          </a:xfrm>
+        </p:spPr>
         <p:txBody>
           <a:bodyPr/>
-          <a:lstStyle/>
+          <a:lstStyle>
+            <a:lvl1pPr>
+              <a:defRPr baseline="0">
+                <a:solidFill>
+                  <a:schemeClr val="tx2"/>
+                </a:solidFill>
+              </a:defRPr>
+            </a:lvl1pPr>
+          </a:lstStyle>
           <a:p>
             <a:endParaRPr lang="en-US" dirty="0"/>
           </a:p>
@@ -1043,10 +2244,23 @@
             <p:ph type="sldNum" sz="quarter" idx="12"/>
           </p:nvPr>
         </p:nvSpPr>
-        <p:spPr/>
+        <p:spPr>
+          <a:xfrm>
+            <a:off x="9942434" y="6375679"/>
+            <a:ext cx="1487566" cy="345796"/>
+          </a:xfrm>
+        </p:spPr>
         <p:txBody>
           <a:bodyPr/>
-          <a:lstStyle/>
+          <a:lstStyle>
+            <a:lvl1pPr>
+              <a:defRPr baseline="0">
+                <a:solidFill>
+                  <a:schemeClr val="tx2"/>
+                </a:solidFill>
+              </a:defRPr>
+            </a:lvl1pPr>
+          </a:lstStyle>
           <a:p>
             <a:fld id="{6D22F896-40B5-4ADD-8801-0D06FADFA095}" type="slidenum">
               <a:rPr lang="en-US" smtClean="0"/>
@@ -1056,15 +2270,958 @@
           </a:p>
         </p:txBody>
       </p:sp>
+      <p:grpSp>
+        <p:nvGrpSpPr>
+          <p:cNvPr id="7" name="Group 6" title="left scallop shape"/>
+          <p:cNvGrpSpPr/>
+          <p:nvPr/>
+        </p:nvGrpSpPr>
+        <p:grpSpPr>
+          <a:xfrm>
+            <a:off x="0" y="0"/>
+            <a:ext cx="2814638" cy="6858000"/>
+            <a:chOff x="0" y="0"/>
+            <a:chExt cx="2814638" cy="6858000"/>
+          </a:xfrm>
+        </p:grpSpPr>
+        <p:sp>
+          <p:nvSpPr>
+            <p:cNvPr id="11" name="Freeform 6" title="left scallop shape"/>
+            <p:cNvSpPr/>
+            <p:nvPr/>
+          </p:nvSpPr>
+          <p:spPr bwMode="auto">
+            <a:xfrm>
+              <a:off x="0" y="0"/>
+              <a:ext cx="2814638" cy="6858000"/>
+            </a:xfrm>
+            <a:custGeom>
+              <a:avLst/>
+              <a:gdLst/>
+              <a:ahLst/>
+              <a:cxnLst/>
+              <a:rect l="0" t="0" r="r" b="b"/>
+              <a:pathLst>
+                <a:path w="1773" h="4320">
+                  <a:moveTo>
+                    <a:pt x="0" y="0"/>
+                  </a:moveTo>
+                  <a:lnTo>
+                    <a:pt x="891" y="0"/>
+                  </a:lnTo>
+                  <a:lnTo>
+                    <a:pt x="906" y="56"/>
+                  </a:lnTo>
+                  <a:lnTo>
+                    <a:pt x="921" y="111"/>
+                  </a:lnTo>
+                  <a:lnTo>
+                    <a:pt x="938" y="165"/>
+                  </a:lnTo>
+                  <a:lnTo>
+                    <a:pt x="957" y="217"/>
+                  </a:lnTo>
+                  <a:lnTo>
+                    <a:pt x="980" y="266"/>
+                  </a:lnTo>
+                  <a:lnTo>
+                    <a:pt x="1007" y="312"/>
+                  </a:lnTo>
+                  <a:lnTo>
+                    <a:pt x="1036" y="351"/>
+                  </a:lnTo>
+                  <a:lnTo>
+                    <a:pt x="1069" y="387"/>
+                  </a:lnTo>
+                  <a:lnTo>
+                    <a:pt x="1105" y="422"/>
+                  </a:lnTo>
+                  <a:lnTo>
+                    <a:pt x="1145" y="456"/>
+                  </a:lnTo>
+                  <a:lnTo>
+                    <a:pt x="1185" y="487"/>
+                  </a:lnTo>
+                  <a:lnTo>
+                    <a:pt x="1227" y="520"/>
+                  </a:lnTo>
+                  <a:lnTo>
+                    <a:pt x="1270" y="551"/>
+                  </a:lnTo>
+                  <a:lnTo>
+                    <a:pt x="1311" y="584"/>
+                  </a:lnTo>
+                  <a:lnTo>
+                    <a:pt x="1352" y="617"/>
+                  </a:lnTo>
+                  <a:lnTo>
+                    <a:pt x="1390" y="651"/>
+                  </a:lnTo>
+                  <a:lnTo>
+                    <a:pt x="1425" y="687"/>
+                  </a:lnTo>
+                  <a:lnTo>
+                    <a:pt x="1456" y="725"/>
+                  </a:lnTo>
+                  <a:lnTo>
+                    <a:pt x="1484" y="765"/>
+                  </a:lnTo>
+                  <a:lnTo>
+                    <a:pt x="1505" y="808"/>
+                  </a:lnTo>
+                  <a:lnTo>
+                    <a:pt x="1521" y="856"/>
+                  </a:lnTo>
+                  <a:lnTo>
+                    <a:pt x="1530" y="907"/>
+                  </a:lnTo>
+                  <a:lnTo>
+                    <a:pt x="1534" y="960"/>
+                  </a:lnTo>
+                  <a:lnTo>
+                    <a:pt x="1534" y="1013"/>
+                  </a:lnTo>
+                  <a:lnTo>
+                    <a:pt x="1530" y="1068"/>
+                  </a:lnTo>
+                  <a:lnTo>
+                    <a:pt x="1523" y="1125"/>
+                  </a:lnTo>
+                  <a:lnTo>
+                    <a:pt x="1515" y="1181"/>
+                  </a:lnTo>
+                  <a:lnTo>
+                    <a:pt x="1508" y="1237"/>
+                  </a:lnTo>
+                  <a:lnTo>
+                    <a:pt x="1501" y="1293"/>
+                  </a:lnTo>
+                  <a:lnTo>
+                    <a:pt x="1496" y="1350"/>
+                  </a:lnTo>
+                  <a:lnTo>
+                    <a:pt x="1494" y="1405"/>
+                  </a:lnTo>
+                  <a:lnTo>
+                    <a:pt x="1497" y="1458"/>
+                  </a:lnTo>
+                  <a:lnTo>
+                    <a:pt x="1504" y="1511"/>
+                  </a:lnTo>
+                  <a:lnTo>
+                    <a:pt x="1517" y="1560"/>
+                  </a:lnTo>
+                  <a:lnTo>
+                    <a:pt x="1535" y="1610"/>
+                  </a:lnTo>
+                  <a:lnTo>
+                    <a:pt x="1557" y="1659"/>
+                  </a:lnTo>
+                  <a:lnTo>
+                    <a:pt x="1583" y="1708"/>
+                  </a:lnTo>
+                  <a:lnTo>
+                    <a:pt x="1611" y="1757"/>
+                  </a:lnTo>
+                  <a:lnTo>
+                    <a:pt x="1640" y="1807"/>
+                  </a:lnTo>
+                  <a:lnTo>
+                    <a:pt x="1669" y="1855"/>
+                  </a:lnTo>
+                  <a:lnTo>
+                    <a:pt x="1696" y="1905"/>
+                  </a:lnTo>
+                  <a:lnTo>
+                    <a:pt x="1721" y="1954"/>
+                  </a:lnTo>
+                  <a:lnTo>
+                    <a:pt x="1742" y="2006"/>
+                  </a:lnTo>
+                  <a:lnTo>
+                    <a:pt x="1759" y="2057"/>
+                  </a:lnTo>
+                  <a:lnTo>
+                    <a:pt x="1769" y="2108"/>
+                  </a:lnTo>
+                  <a:lnTo>
+                    <a:pt x="1773" y="2160"/>
+                  </a:lnTo>
+                  <a:lnTo>
+                    <a:pt x="1769" y="2212"/>
+                  </a:lnTo>
+                  <a:lnTo>
+                    <a:pt x="1759" y="2263"/>
+                  </a:lnTo>
+                  <a:lnTo>
+                    <a:pt x="1742" y="2314"/>
+                  </a:lnTo>
+                  <a:lnTo>
+                    <a:pt x="1721" y="2366"/>
+                  </a:lnTo>
+                  <a:lnTo>
+                    <a:pt x="1696" y="2415"/>
+                  </a:lnTo>
+                  <a:lnTo>
+                    <a:pt x="1669" y="2465"/>
+                  </a:lnTo>
+                  <a:lnTo>
+                    <a:pt x="1640" y="2513"/>
+                  </a:lnTo>
+                  <a:lnTo>
+                    <a:pt x="1611" y="2563"/>
+                  </a:lnTo>
+                  <a:lnTo>
+                    <a:pt x="1583" y="2612"/>
+                  </a:lnTo>
+                  <a:lnTo>
+                    <a:pt x="1557" y="2661"/>
+                  </a:lnTo>
+                  <a:lnTo>
+                    <a:pt x="1535" y="2710"/>
+                  </a:lnTo>
+                  <a:lnTo>
+                    <a:pt x="1517" y="2760"/>
+                  </a:lnTo>
+                  <a:lnTo>
+                    <a:pt x="1504" y="2809"/>
+                  </a:lnTo>
+                  <a:lnTo>
+                    <a:pt x="1497" y="2862"/>
+                  </a:lnTo>
+                  <a:lnTo>
+                    <a:pt x="1494" y="2915"/>
+                  </a:lnTo>
+                  <a:lnTo>
+                    <a:pt x="1496" y="2970"/>
+                  </a:lnTo>
+                  <a:lnTo>
+                    <a:pt x="1501" y="3027"/>
+                  </a:lnTo>
+                  <a:lnTo>
+                    <a:pt x="1508" y="3083"/>
+                  </a:lnTo>
+                  <a:lnTo>
+                    <a:pt x="1515" y="3139"/>
+                  </a:lnTo>
+                  <a:lnTo>
+                    <a:pt x="1523" y="3195"/>
+                  </a:lnTo>
+                  <a:lnTo>
+                    <a:pt x="1530" y="3252"/>
+                  </a:lnTo>
+                  <a:lnTo>
+                    <a:pt x="1534" y="3307"/>
+                  </a:lnTo>
+                  <a:lnTo>
+                    <a:pt x="1534" y="3360"/>
+                  </a:lnTo>
+                  <a:lnTo>
+                    <a:pt x="1530" y="3413"/>
+                  </a:lnTo>
+                  <a:lnTo>
+                    <a:pt x="1521" y="3464"/>
+                  </a:lnTo>
+                  <a:lnTo>
+                    <a:pt x="1505" y="3512"/>
+                  </a:lnTo>
+                  <a:lnTo>
+                    <a:pt x="1484" y="3555"/>
+                  </a:lnTo>
+                  <a:lnTo>
+                    <a:pt x="1456" y="3595"/>
+                  </a:lnTo>
+                  <a:lnTo>
+                    <a:pt x="1425" y="3633"/>
+                  </a:lnTo>
+                  <a:lnTo>
+                    <a:pt x="1390" y="3669"/>
+                  </a:lnTo>
+                  <a:lnTo>
+                    <a:pt x="1352" y="3703"/>
+                  </a:lnTo>
+                  <a:lnTo>
+                    <a:pt x="1311" y="3736"/>
+                  </a:lnTo>
+                  <a:lnTo>
+                    <a:pt x="1270" y="3769"/>
+                  </a:lnTo>
+                  <a:lnTo>
+                    <a:pt x="1227" y="3800"/>
+                  </a:lnTo>
+                  <a:lnTo>
+                    <a:pt x="1185" y="3833"/>
+                  </a:lnTo>
+                  <a:lnTo>
+                    <a:pt x="1145" y="3864"/>
+                  </a:lnTo>
+                  <a:lnTo>
+                    <a:pt x="1105" y="3898"/>
+                  </a:lnTo>
+                  <a:lnTo>
+                    <a:pt x="1069" y="3933"/>
+                  </a:lnTo>
+                  <a:lnTo>
+                    <a:pt x="1036" y="3969"/>
+                  </a:lnTo>
+                  <a:lnTo>
+                    <a:pt x="1007" y="4008"/>
+                  </a:lnTo>
+                  <a:lnTo>
+                    <a:pt x="980" y="4054"/>
+                  </a:lnTo>
+                  <a:lnTo>
+                    <a:pt x="957" y="4103"/>
+                  </a:lnTo>
+                  <a:lnTo>
+                    <a:pt x="938" y="4155"/>
+                  </a:lnTo>
+                  <a:lnTo>
+                    <a:pt x="921" y="4209"/>
+                  </a:lnTo>
+                  <a:lnTo>
+                    <a:pt x="906" y="4264"/>
+                  </a:lnTo>
+                  <a:lnTo>
+                    <a:pt x="891" y="4320"/>
+                  </a:lnTo>
+                  <a:lnTo>
+                    <a:pt x="0" y="4320"/>
+                  </a:lnTo>
+                  <a:lnTo>
+                    <a:pt x="0" y="0"/>
+                  </a:lnTo>
+                  <a:close/>
+                </a:path>
+              </a:pathLst>
+            </a:custGeom>
+            <a:solidFill>
+              <a:schemeClr val="tx2"/>
+            </a:solidFill>
+            <a:ln w="0">
+              <a:noFill/>
+              <a:prstDash val="solid"/>
+              <a:round/>
+              <a:headEnd/>
+              <a:tailEnd/>
+            </a:ln>
+          </p:spPr>
+        </p:sp>
+        <p:sp>
+          <p:nvSpPr>
+            <p:cNvPr id="16" name="Freeform 11" title="left scallop inline"/>
+            <p:cNvSpPr/>
+            <p:nvPr/>
+          </p:nvSpPr>
+          <p:spPr bwMode="auto">
+            <a:xfrm>
+              <a:off x="874382" y="0"/>
+              <a:ext cx="1646238" cy="6858000"/>
+            </a:xfrm>
+            <a:custGeom>
+              <a:avLst/>
+              <a:gdLst/>
+              <a:ahLst/>
+              <a:cxnLst/>
+              <a:rect l="0" t="0" r="r" b="b"/>
+              <a:pathLst>
+                <a:path w="1037" h="4320">
+                  <a:moveTo>
+                    <a:pt x="0" y="0"/>
+                  </a:moveTo>
+                  <a:lnTo>
+                    <a:pt x="171" y="0"/>
+                  </a:lnTo>
+                  <a:lnTo>
+                    <a:pt x="188" y="55"/>
+                  </a:lnTo>
+                  <a:lnTo>
+                    <a:pt x="204" y="110"/>
+                  </a:lnTo>
+                  <a:lnTo>
+                    <a:pt x="220" y="166"/>
+                  </a:lnTo>
+                  <a:lnTo>
+                    <a:pt x="234" y="223"/>
+                  </a:lnTo>
+                  <a:lnTo>
+                    <a:pt x="251" y="278"/>
+                  </a:lnTo>
+                  <a:lnTo>
+                    <a:pt x="269" y="331"/>
+                  </a:lnTo>
+                  <a:lnTo>
+                    <a:pt x="292" y="381"/>
+                  </a:lnTo>
+                  <a:lnTo>
+                    <a:pt x="319" y="427"/>
+                  </a:lnTo>
+                  <a:lnTo>
+                    <a:pt x="349" y="466"/>
+                  </a:lnTo>
+                  <a:lnTo>
+                    <a:pt x="382" y="503"/>
+                  </a:lnTo>
+                  <a:lnTo>
+                    <a:pt x="420" y="537"/>
+                  </a:lnTo>
+                  <a:lnTo>
+                    <a:pt x="460" y="571"/>
+                  </a:lnTo>
+                  <a:lnTo>
+                    <a:pt x="502" y="603"/>
+                  </a:lnTo>
+                  <a:lnTo>
+                    <a:pt x="544" y="635"/>
+                  </a:lnTo>
+                  <a:lnTo>
+                    <a:pt x="587" y="668"/>
+                  </a:lnTo>
+                  <a:lnTo>
+                    <a:pt x="628" y="700"/>
+                  </a:lnTo>
+                  <a:lnTo>
+                    <a:pt x="667" y="734"/>
+                  </a:lnTo>
+                  <a:lnTo>
+                    <a:pt x="703" y="771"/>
+                  </a:lnTo>
+                  <a:lnTo>
+                    <a:pt x="736" y="808"/>
+                  </a:lnTo>
+                  <a:lnTo>
+                    <a:pt x="763" y="848"/>
+                  </a:lnTo>
+                  <a:lnTo>
+                    <a:pt x="786" y="893"/>
+                  </a:lnTo>
+                  <a:lnTo>
+                    <a:pt x="800" y="937"/>
+                  </a:lnTo>
+                  <a:lnTo>
+                    <a:pt x="809" y="986"/>
+                  </a:lnTo>
+                  <a:lnTo>
+                    <a:pt x="813" y="1034"/>
+                  </a:lnTo>
+                  <a:lnTo>
+                    <a:pt x="812" y="1085"/>
+                  </a:lnTo>
+                  <a:lnTo>
+                    <a:pt x="808" y="1136"/>
+                  </a:lnTo>
+                  <a:lnTo>
+                    <a:pt x="803" y="1189"/>
+                  </a:lnTo>
+                  <a:lnTo>
+                    <a:pt x="796" y="1242"/>
+                  </a:lnTo>
+                  <a:lnTo>
+                    <a:pt x="788" y="1295"/>
+                  </a:lnTo>
+                  <a:lnTo>
+                    <a:pt x="782" y="1348"/>
+                  </a:lnTo>
+                  <a:lnTo>
+                    <a:pt x="778" y="1401"/>
+                  </a:lnTo>
+                  <a:lnTo>
+                    <a:pt x="775" y="1452"/>
+                  </a:lnTo>
+                  <a:lnTo>
+                    <a:pt x="778" y="1502"/>
+                  </a:lnTo>
+                  <a:lnTo>
+                    <a:pt x="784" y="1551"/>
+                  </a:lnTo>
+                  <a:lnTo>
+                    <a:pt x="797" y="1602"/>
+                  </a:lnTo>
+                  <a:lnTo>
+                    <a:pt x="817" y="1652"/>
+                  </a:lnTo>
+                  <a:lnTo>
+                    <a:pt x="841" y="1702"/>
+                  </a:lnTo>
+                  <a:lnTo>
+                    <a:pt x="868" y="1752"/>
+                  </a:lnTo>
+                  <a:lnTo>
+                    <a:pt x="896" y="1801"/>
+                  </a:lnTo>
+                  <a:lnTo>
+                    <a:pt x="926" y="1851"/>
+                  </a:lnTo>
+                  <a:lnTo>
+                    <a:pt x="953" y="1901"/>
+                  </a:lnTo>
+                  <a:lnTo>
+                    <a:pt x="980" y="1952"/>
+                  </a:lnTo>
+                  <a:lnTo>
+                    <a:pt x="1003" y="2003"/>
+                  </a:lnTo>
+                  <a:lnTo>
+                    <a:pt x="1021" y="2054"/>
+                  </a:lnTo>
+                  <a:lnTo>
+                    <a:pt x="1031" y="2106"/>
+                  </a:lnTo>
+                  <a:lnTo>
+                    <a:pt x="1037" y="2160"/>
+                  </a:lnTo>
+                  <a:lnTo>
+                    <a:pt x="1031" y="2214"/>
+                  </a:lnTo>
+                  <a:lnTo>
+                    <a:pt x="1021" y="2266"/>
+                  </a:lnTo>
+                  <a:lnTo>
+                    <a:pt x="1003" y="2317"/>
+                  </a:lnTo>
+                  <a:lnTo>
+                    <a:pt x="980" y="2368"/>
+                  </a:lnTo>
+                  <a:lnTo>
+                    <a:pt x="953" y="2419"/>
+                  </a:lnTo>
+                  <a:lnTo>
+                    <a:pt x="926" y="2469"/>
+                  </a:lnTo>
+                  <a:lnTo>
+                    <a:pt x="896" y="2519"/>
+                  </a:lnTo>
+                  <a:lnTo>
+                    <a:pt x="868" y="2568"/>
+                  </a:lnTo>
+                  <a:lnTo>
+                    <a:pt x="841" y="2618"/>
+                  </a:lnTo>
+                  <a:lnTo>
+                    <a:pt x="817" y="2668"/>
+                  </a:lnTo>
+                  <a:lnTo>
+                    <a:pt x="797" y="2718"/>
+                  </a:lnTo>
+                  <a:lnTo>
+                    <a:pt x="784" y="2769"/>
+                  </a:lnTo>
+                  <a:lnTo>
+                    <a:pt x="778" y="2818"/>
+                  </a:lnTo>
+                  <a:lnTo>
+                    <a:pt x="775" y="2868"/>
+                  </a:lnTo>
+                  <a:lnTo>
+                    <a:pt x="778" y="2919"/>
+                  </a:lnTo>
+                  <a:lnTo>
+                    <a:pt x="782" y="2972"/>
+                  </a:lnTo>
+                  <a:lnTo>
+                    <a:pt x="788" y="3025"/>
+                  </a:lnTo>
+                  <a:lnTo>
+                    <a:pt x="796" y="3078"/>
+                  </a:lnTo>
+                  <a:lnTo>
+                    <a:pt x="803" y="3131"/>
+                  </a:lnTo>
+                  <a:lnTo>
+                    <a:pt x="808" y="3184"/>
+                  </a:lnTo>
+                  <a:lnTo>
+                    <a:pt x="812" y="3235"/>
+                  </a:lnTo>
+                  <a:lnTo>
+                    <a:pt x="813" y="3286"/>
+                  </a:lnTo>
+                  <a:lnTo>
+                    <a:pt x="809" y="3334"/>
+                  </a:lnTo>
+                  <a:lnTo>
+                    <a:pt x="800" y="3383"/>
+                  </a:lnTo>
+                  <a:lnTo>
+                    <a:pt x="786" y="3427"/>
+                  </a:lnTo>
+                  <a:lnTo>
+                    <a:pt x="763" y="3472"/>
+                  </a:lnTo>
+                  <a:lnTo>
+                    <a:pt x="736" y="3512"/>
+                  </a:lnTo>
+                  <a:lnTo>
+                    <a:pt x="703" y="3549"/>
+                  </a:lnTo>
+                  <a:lnTo>
+                    <a:pt x="667" y="3586"/>
+                  </a:lnTo>
+                  <a:lnTo>
+                    <a:pt x="628" y="3620"/>
+                  </a:lnTo>
+                  <a:lnTo>
+                    <a:pt x="587" y="3652"/>
+                  </a:lnTo>
+                  <a:lnTo>
+                    <a:pt x="544" y="3685"/>
+                  </a:lnTo>
+                  <a:lnTo>
+                    <a:pt x="502" y="3717"/>
+                  </a:lnTo>
+                  <a:lnTo>
+                    <a:pt x="460" y="3749"/>
+                  </a:lnTo>
+                  <a:lnTo>
+                    <a:pt x="420" y="3783"/>
+                  </a:lnTo>
+                  <a:lnTo>
+                    <a:pt x="382" y="3817"/>
+                  </a:lnTo>
+                  <a:lnTo>
+                    <a:pt x="349" y="3854"/>
+                  </a:lnTo>
+                  <a:lnTo>
+                    <a:pt x="319" y="3893"/>
+                  </a:lnTo>
+                  <a:lnTo>
+                    <a:pt x="292" y="3939"/>
+                  </a:lnTo>
+                  <a:lnTo>
+                    <a:pt x="269" y="3989"/>
+                  </a:lnTo>
+                  <a:lnTo>
+                    <a:pt x="251" y="4042"/>
+                  </a:lnTo>
+                  <a:lnTo>
+                    <a:pt x="234" y="4097"/>
+                  </a:lnTo>
+                  <a:lnTo>
+                    <a:pt x="220" y="4154"/>
+                  </a:lnTo>
+                  <a:lnTo>
+                    <a:pt x="204" y="4210"/>
+                  </a:lnTo>
+                  <a:lnTo>
+                    <a:pt x="188" y="4265"/>
+                  </a:lnTo>
+                  <a:lnTo>
+                    <a:pt x="171" y="4320"/>
+                  </a:lnTo>
+                  <a:lnTo>
+                    <a:pt x="0" y="4320"/>
+                  </a:lnTo>
+                  <a:lnTo>
+                    <a:pt x="17" y="4278"/>
+                  </a:lnTo>
+                  <a:lnTo>
+                    <a:pt x="33" y="4232"/>
+                  </a:lnTo>
+                  <a:lnTo>
+                    <a:pt x="46" y="4183"/>
+                  </a:lnTo>
+                  <a:lnTo>
+                    <a:pt x="60" y="4131"/>
+                  </a:lnTo>
+                  <a:lnTo>
+                    <a:pt x="75" y="4075"/>
+                  </a:lnTo>
+                  <a:lnTo>
+                    <a:pt x="90" y="4019"/>
+                  </a:lnTo>
+                  <a:lnTo>
+                    <a:pt x="109" y="3964"/>
+                  </a:lnTo>
+                  <a:lnTo>
+                    <a:pt x="129" y="3909"/>
+                  </a:lnTo>
+                  <a:lnTo>
+                    <a:pt x="156" y="3855"/>
+                  </a:lnTo>
+                  <a:lnTo>
+                    <a:pt x="186" y="3804"/>
+                  </a:lnTo>
+                  <a:lnTo>
+                    <a:pt x="222" y="3756"/>
+                  </a:lnTo>
+                  <a:lnTo>
+                    <a:pt x="261" y="3713"/>
+                  </a:lnTo>
+                  <a:lnTo>
+                    <a:pt x="303" y="3672"/>
+                  </a:lnTo>
+                  <a:lnTo>
+                    <a:pt x="348" y="3634"/>
+                  </a:lnTo>
+                  <a:lnTo>
+                    <a:pt x="392" y="3599"/>
+                  </a:lnTo>
+                  <a:lnTo>
+                    <a:pt x="438" y="3565"/>
+                  </a:lnTo>
+                  <a:lnTo>
+                    <a:pt x="482" y="3531"/>
+                  </a:lnTo>
+                  <a:lnTo>
+                    <a:pt x="523" y="3499"/>
+                  </a:lnTo>
+                  <a:lnTo>
+                    <a:pt x="561" y="3466"/>
+                  </a:lnTo>
+                  <a:lnTo>
+                    <a:pt x="594" y="3434"/>
+                  </a:lnTo>
+                  <a:lnTo>
+                    <a:pt x="620" y="3400"/>
+                  </a:lnTo>
+                  <a:lnTo>
+                    <a:pt x="638" y="3367"/>
+                  </a:lnTo>
+                  <a:lnTo>
+                    <a:pt x="647" y="3336"/>
+                  </a:lnTo>
+                  <a:lnTo>
+                    <a:pt x="652" y="3302"/>
+                  </a:lnTo>
+                  <a:lnTo>
+                    <a:pt x="654" y="3265"/>
+                  </a:lnTo>
+                  <a:lnTo>
+                    <a:pt x="651" y="3224"/>
+                  </a:lnTo>
+                  <a:lnTo>
+                    <a:pt x="647" y="3181"/>
+                  </a:lnTo>
+                  <a:lnTo>
+                    <a:pt x="642" y="3137"/>
+                  </a:lnTo>
+                  <a:lnTo>
+                    <a:pt x="637" y="3091"/>
+                  </a:lnTo>
+                  <a:lnTo>
+                    <a:pt x="626" y="3021"/>
+                  </a:lnTo>
+                  <a:lnTo>
+                    <a:pt x="620" y="2952"/>
+                  </a:lnTo>
+                  <a:lnTo>
+                    <a:pt x="616" y="2881"/>
+                  </a:lnTo>
+                  <a:lnTo>
+                    <a:pt x="618" y="2809"/>
+                  </a:lnTo>
+                  <a:lnTo>
+                    <a:pt x="628" y="2737"/>
+                  </a:lnTo>
+                  <a:lnTo>
+                    <a:pt x="642" y="2681"/>
+                  </a:lnTo>
+                  <a:lnTo>
+                    <a:pt x="661" y="2626"/>
+                  </a:lnTo>
+                  <a:lnTo>
+                    <a:pt x="685" y="2574"/>
+                  </a:lnTo>
+                  <a:lnTo>
+                    <a:pt x="711" y="2521"/>
+                  </a:lnTo>
+                  <a:lnTo>
+                    <a:pt x="739" y="2472"/>
+                  </a:lnTo>
+                  <a:lnTo>
+                    <a:pt x="767" y="2423"/>
+                  </a:lnTo>
+                  <a:lnTo>
+                    <a:pt x="791" y="2381"/>
+                  </a:lnTo>
+                  <a:lnTo>
+                    <a:pt x="813" y="2342"/>
+                  </a:lnTo>
+                  <a:lnTo>
+                    <a:pt x="834" y="2303"/>
+                  </a:lnTo>
+                  <a:lnTo>
+                    <a:pt x="851" y="2265"/>
+                  </a:lnTo>
+                  <a:lnTo>
+                    <a:pt x="864" y="2228"/>
+                  </a:lnTo>
+                  <a:lnTo>
+                    <a:pt x="873" y="2194"/>
+                  </a:lnTo>
+                  <a:lnTo>
+                    <a:pt x="876" y="2160"/>
+                  </a:lnTo>
+                  <a:lnTo>
+                    <a:pt x="873" y="2126"/>
+                  </a:lnTo>
+                  <a:lnTo>
+                    <a:pt x="864" y="2092"/>
+                  </a:lnTo>
+                  <a:lnTo>
+                    <a:pt x="851" y="2055"/>
+                  </a:lnTo>
+                  <a:lnTo>
+                    <a:pt x="834" y="2017"/>
+                  </a:lnTo>
+                  <a:lnTo>
+                    <a:pt x="813" y="1978"/>
+                  </a:lnTo>
+                  <a:lnTo>
+                    <a:pt x="791" y="1939"/>
+                  </a:lnTo>
+                  <a:lnTo>
+                    <a:pt x="767" y="1897"/>
+                  </a:lnTo>
+                  <a:lnTo>
+                    <a:pt x="739" y="1848"/>
+                  </a:lnTo>
+                  <a:lnTo>
+                    <a:pt x="711" y="1799"/>
+                  </a:lnTo>
+                  <a:lnTo>
+                    <a:pt x="685" y="1746"/>
+                  </a:lnTo>
+                  <a:lnTo>
+                    <a:pt x="661" y="1694"/>
+                  </a:lnTo>
+                  <a:lnTo>
+                    <a:pt x="642" y="1639"/>
+                  </a:lnTo>
+                  <a:lnTo>
+                    <a:pt x="628" y="1583"/>
+                  </a:lnTo>
+                  <a:lnTo>
+                    <a:pt x="618" y="1511"/>
+                  </a:lnTo>
+                  <a:lnTo>
+                    <a:pt x="616" y="1439"/>
+                  </a:lnTo>
+                  <a:lnTo>
+                    <a:pt x="620" y="1368"/>
+                  </a:lnTo>
+                  <a:lnTo>
+                    <a:pt x="626" y="1299"/>
+                  </a:lnTo>
+                  <a:lnTo>
+                    <a:pt x="637" y="1229"/>
+                  </a:lnTo>
+                  <a:lnTo>
+                    <a:pt x="642" y="1183"/>
+                  </a:lnTo>
+                  <a:lnTo>
+                    <a:pt x="647" y="1139"/>
+                  </a:lnTo>
+                  <a:lnTo>
+                    <a:pt x="651" y="1096"/>
+                  </a:lnTo>
+                  <a:lnTo>
+                    <a:pt x="654" y="1055"/>
+                  </a:lnTo>
+                  <a:lnTo>
+                    <a:pt x="652" y="1018"/>
+                  </a:lnTo>
+                  <a:lnTo>
+                    <a:pt x="647" y="984"/>
+                  </a:lnTo>
+                  <a:lnTo>
+                    <a:pt x="638" y="953"/>
+                  </a:lnTo>
+                  <a:lnTo>
+                    <a:pt x="620" y="920"/>
+                  </a:lnTo>
+                  <a:lnTo>
+                    <a:pt x="594" y="886"/>
+                  </a:lnTo>
+                  <a:lnTo>
+                    <a:pt x="561" y="854"/>
+                  </a:lnTo>
+                  <a:lnTo>
+                    <a:pt x="523" y="822"/>
+                  </a:lnTo>
+                  <a:lnTo>
+                    <a:pt x="482" y="789"/>
+                  </a:lnTo>
+                  <a:lnTo>
+                    <a:pt x="438" y="755"/>
+                  </a:lnTo>
+                  <a:lnTo>
+                    <a:pt x="392" y="721"/>
+                  </a:lnTo>
+                  <a:lnTo>
+                    <a:pt x="348" y="686"/>
+                  </a:lnTo>
+                  <a:lnTo>
+                    <a:pt x="303" y="648"/>
+                  </a:lnTo>
+                  <a:lnTo>
+                    <a:pt x="261" y="607"/>
+                  </a:lnTo>
+                  <a:lnTo>
+                    <a:pt x="222" y="564"/>
+                  </a:lnTo>
+                  <a:lnTo>
+                    <a:pt x="186" y="516"/>
+                  </a:lnTo>
+                  <a:lnTo>
+                    <a:pt x="156" y="465"/>
+                  </a:lnTo>
+                  <a:lnTo>
+                    <a:pt x="129" y="411"/>
+                  </a:lnTo>
+                  <a:lnTo>
+                    <a:pt x="109" y="356"/>
+                  </a:lnTo>
+                  <a:lnTo>
+                    <a:pt x="90" y="301"/>
+                  </a:lnTo>
+                  <a:lnTo>
+                    <a:pt x="75" y="245"/>
+                  </a:lnTo>
+                  <a:lnTo>
+                    <a:pt x="60" y="189"/>
+                  </a:lnTo>
+                  <a:lnTo>
+                    <a:pt x="46" y="137"/>
+                  </a:lnTo>
+                  <a:lnTo>
+                    <a:pt x="33" y="88"/>
+                  </a:lnTo>
+                  <a:lnTo>
+                    <a:pt x="17" y="42"/>
+                  </a:lnTo>
+                  <a:lnTo>
+                    <a:pt x="0" y="0"/>
+                  </a:lnTo>
+                  <a:lnTo>
+                    <a:pt x="0" y="0"/>
+                  </a:lnTo>
+                  <a:close/>
+                </a:path>
+              </a:pathLst>
+            </a:custGeom>
+            <a:solidFill>
+              <a:schemeClr val="accent1"/>
+            </a:solidFill>
+            <a:ln w="0">
+              <a:noFill/>
+              <a:prstDash val="solid"/>
+              <a:round/>
+              <a:headEnd/>
+              <a:tailEnd/>
+            </a:ln>
+          </p:spPr>
+        </p:sp>
+      </p:grpSp>
     </p:spTree>
     <p:extLst>
       <p:ext uri="{BB962C8B-B14F-4D97-AF65-F5344CB8AC3E}">
-        <p14:creationId xmlns:p14="http://schemas.microsoft.com/office/powerpoint/2010/main" val="1024413428"/>
+        <p14:creationId xmlns:p14="http://schemas.microsoft.com/office/powerpoint/2010/main" val="866755889"/>
       </p:ext>
     </p:extLst>
   </p:cSld>
   <p:clrMapOvr>
-    <a:masterClrMapping/>
+    <a:overrideClrMapping bg1="dk1" tx1="lt1" bg2="dk2" tx2="lt2" accent1="accent1" accent2="accent2" accent3="accent3" accent4="accent4" accent5="accent5" accent6="accent6" hlink="hlink" folHlink="folHlink"/>
   </p:clrMapOvr>
 </p:sldLayout>
 </file>
@@ -1105,7 +3262,7 @@
               <a:rPr lang="en-US" altLang="zh-CN" smtClean="0"/>
               <a:t>Click to edit Master title style</a:t>
             </a:r>
-            <a:endParaRPr lang="en-US"/>
+            <a:endParaRPr lang="en-US" dirty="0"/>
           </a:p>
         </p:txBody>
       </p:sp>
@@ -1121,8 +3278,8 @@
         </p:nvSpPr>
         <p:spPr>
           <a:xfrm>
-            <a:off x="838200" y="1825625"/>
-            <a:ext cx="5181600" cy="4351338"/>
+            <a:off x="1257300" y="2286000"/>
+            <a:ext cx="4800600" cy="3619500"/>
           </a:xfrm>
         </p:spPr>
         <p:txBody>
@@ -1162,7 +3319,7 @@
               <a:rPr lang="en-US" altLang="zh-CN" smtClean="0"/>
               <a:t>Fifth level</a:t>
             </a:r>
-            <a:endParaRPr lang="en-US"/>
+            <a:endParaRPr lang="en-US" dirty="0"/>
           </a:p>
         </p:txBody>
       </p:sp>
@@ -1178,8 +3335,8 @@
         </p:nvSpPr>
         <p:spPr>
           <a:xfrm>
-            <a:off x="6172200" y="1825625"/>
-            <a:ext cx="5181600" cy="4351338"/>
+            <a:off x="6647796" y="2286000"/>
+            <a:ext cx="4800600" cy="3619500"/>
           </a:xfrm>
         </p:spPr>
         <p:txBody>
@@ -1219,7 +3376,7 @@
               <a:rPr lang="en-US" altLang="zh-CN" smtClean="0"/>
               <a:t>Fifth level</a:t>
             </a:r>
-            <a:endParaRPr lang="en-US"/>
+            <a:endParaRPr lang="en-US" dirty="0"/>
           </a:p>
         </p:txBody>
       </p:sp>
@@ -1291,13 +3448,18 @@
     </p:spTree>
     <p:extLst>
       <p:ext uri="{BB962C8B-B14F-4D97-AF65-F5344CB8AC3E}">
-        <p14:creationId xmlns:p14="http://schemas.microsoft.com/office/powerpoint/2010/main" val="940086397"/>
+        <p14:creationId xmlns:p14="http://schemas.microsoft.com/office/powerpoint/2010/main" val="1184648822"/>
       </p:ext>
     </p:extLst>
   </p:cSld>
   <p:clrMapOvr>
     <a:masterClrMapping/>
   </p:clrMapOvr>
+  <p:extLst mod="1">
+    <p:ext uri="{DCECCB84-F9BA-43D5-87BE-67443E8EF086}">
+      <p15:sldGuideLst xmlns:p15="http://schemas.microsoft.com/office/powerpoint/2012/main"/>
+    </p:ext>
+  </p:extLst>
 </p:sldLayout>
 </file>
 
@@ -1330,8 +3492,8 @@
         </p:nvSpPr>
         <p:spPr>
           <a:xfrm>
-            <a:off x="839788" y="365125"/>
-            <a:ext cx="10515600" cy="1325563"/>
+            <a:off x="1252728" y="381000"/>
+            <a:ext cx="10172700" cy="1493517"/>
           </a:xfrm>
         </p:spPr>
         <p:txBody>
@@ -1342,7 +3504,7 @@
               <a:rPr lang="en-US" altLang="zh-CN" smtClean="0"/>
               <a:t>Click to edit Master title style</a:t>
             </a:r>
-            <a:endParaRPr lang="en-US"/>
+            <a:endParaRPr lang="en-US" dirty="0"/>
           </a:p>
         </p:txBody>
       </p:sp>
@@ -1358,20 +3520,29 @@
         </p:nvSpPr>
         <p:spPr>
           <a:xfrm>
-            <a:off x="839788" y="1681163"/>
-            <a:ext cx="5157787" cy="823912"/>
+            <a:off x="1251678" y="2199633"/>
+            <a:ext cx="4800600" cy="632529"/>
           </a:xfrm>
         </p:spPr>
         <p:txBody>
-          <a:bodyPr anchor="b"/>
+          <a:bodyPr anchor="b">
+            <a:noAutofit/>
+          </a:bodyPr>
           <a:lstStyle>
             <a:lvl1pPr marL="0" indent="0">
+              <a:lnSpc>
+                <a:spcPct val="100000"/>
+              </a:lnSpc>
               <a:buNone/>
-              <a:defRPr sz="2400" b="1"/>
+              <a:defRPr sz="1900" b="1" cap="all" spc="200" baseline="0">
+                <a:solidFill>
+                  <a:schemeClr val="tx2"/>
+                </a:solidFill>
+              </a:defRPr>
             </a:lvl1pPr>
             <a:lvl2pPr marL="457200" indent="0">
               <a:buNone/>
-              <a:defRPr sz="2000" b="1"/>
+              <a:defRPr sz="1900" b="1"/>
             </a:lvl2pPr>
             <a:lvl3pPr marL="914400" indent="0">
               <a:buNone/>
@@ -1423,8 +3594,8 @@
         </p:nvSpPr>
         <p:spPr>
           <a:xfrm>
-            <a:off x="839788" y="2505075"/>
-            <a:ext cx="5157787" cy="3684588"/>
+            <a:off x="1257300" y="2909102"/>
+            <a:ext cx="4800600" cy="2996398"/>
           </a:xfrm>
         </p:spPr>
         <p:txBody>
@@ -1464,7 +3635,7 @@
               <a:rPr lang="en-US" altLang="zh-CN" smtClean="0"/>
               <a:t>Fifth level</a:t>
             </a:r>
-            <a:endParaRPr lang="en-US"/>
+            <a:endParaRPr lang="en-US" dirty="0"/>
           </a:p>
         </p:txBody>
       </p:sp>
@@ -1480,20 +3651,29 @@
         </p:nvSpPr>
         <p:spPr>
           <a:xfrm>
-            <a:off x="6172200" y="1681163"/>
-            <a:ext cx="5183188" cy="823912"/>
+            <a:off x="6633864" y="2199633"/>
+            <a:ext cx="4800600" cy="632529"/>
           </a:xfrm>
         </p:spPr>
         <p:txBody>
-          <a:bodyPr anchor="b"/>
+          <a:bodyPr anchor="b">
+            <a:noAutofit/>
+          </a:bodyPr>
           <a:lstStyle>
             <a:lvl1pPr marL="0" indent="0">
+              <a:lnSpc>
+                <a:spcPct val="100000"/>
+              </a:lnSpc>
               <a:buNone/>
-              <a:defRPr sz="2400" b="1"/>
+              <a:defRPr sz="1900" b="1" cap="all" spc="200" baseline="0">
+                <a:solidFill>
+                  <a:schemeClr val="tx2"/>
+                </a:solidFill>
+              </a:defRPr>
             </a:lvl1pPr>
             <a:lvl2pPr marL="457200" indent="0">
               <a:buNone/>
-              <a:defRPr sz="2000" b="1"/>
+              <a:defRPr sz="1900" b="1"/>
             </a:lvl2pPr>
             <a:lvl3pPr marL="914400" indent="0">
               <a:buNone/>
@@ -1545,8 +3725,8 @@
         </p:nvSpPr>
         <p:spPr>
           <a:xfrm>
-            <a:off x="6172200" y="2505075"/>
-            <a:ext cx="5183188" cy="3684588"/>
+            <a:off x="6633864" y="2909102"/>
+            <a:ext cx="4800600" cy="2996398"/>
           </a:xfrm>
         </p:spPr>
         <p:txBody>
@@ -1586,7 +3766,7 @@
               <a:rPr lang="en-US" altLang="zh-CN" smtClean="0"/>
               <a:t>Fifth level</a:t>
             </a:r>
-            <a:endParaRPr lang="en-US"/>
+            <a:endParaRPr lang="en-US" dirty="0"/>
           </a:p>
         </p:txBody>
       </p:sp>
@@ -1658,13 +3838,18 @@
     </p:spTree>
     <p:extLst>
       <p:ext uri="{BB962C8B-B14F-4D97-AF65-F5344CB8AC3E}">
-        <p14:creationId xmlns:p14="http://schemas.microsoft.com/office/powerpoint/2010/main" val="994883400"/>
+        <p14:creationId xmlns:p14="http://schemas.microsoft.com/office/powerpoint/2010/main" val="1071860017"/>
       </p:ext>
     </p:extLst>
   </p:cSld>
   <p:clrMapOvr>
     <a:masterClrMapping/>
   </p:clrMapOvr>
+  <p:extLst mod="1">
+    <p:ext uri="{DCECCB84-F9BA-43D5-87BE-67443E8EF086}">
+      <p15:sldGuideLst xmlns:p15="http://schemas.microsoft.com/office/powerpoint/2012/main"/>
+    </p:ext>
+  </p:extLst>
 </p:sldLayout>
 </file>
 
@@ -1704,7 +3889,7 @@
               <a:rPr lang="en-US" altLang="zh-CN" smtClean="0"/>
               <a:t>Click to edit Master title style</a:t>
             </a:r>
-            <a:endParaRPr lang="en-US"/>
+            <a:endParaRPr lang="en-US" dirty="0"/>
           </a:p>
         </p:txBody>
       </p:sp>
@@ -1776,7 +3961,7 @@
     </p:spTree>
     <p:extLst>
       <p:ext uri="{BB962C8B-B14F-4D97-AF65-F5344CB8AC3E}">
-        <p14:creationId xmlns:p14="http://schemas.microsoft.com/office/powerpoint/2010/main" val="697628258"/>
+        <p14:creationId xmlns:p14="http://schemas.microsoft.com/office/powerpoint/2010/main" val="1658474683"/>
       </p:ext>
     </p:extLst>
   </p:cSld>
@@ -1871,7 +4056,7 @@
     </p:spTree>
     <p:extLst>
       <p:ext uri="{BB962C8B-B14F-4D97-AF65-F5344CB8AC3E}">
-        <p14:creationId xmlns:p14="http://schemas.microsoft.com/office/powerpoint/2010/main" val="1924903233"/>
+        <p14:creationId xmlns:p14="http://schemas.microsoft.com/office/powerpoint/2010/main" val="1793742768"/>
       </p:ext>
     </p:extLst>
   </p:cSld>
@@ -1882,7 +4067,7 @@
 </file>
 
 <file path=ppt/slideLayouts/slideLayout8.xml><?xml version="1.0" encoding="utf-8"?>
-<p:sldLayout xmlns:a="http://schemas.openxmlformats.org/drawingml/2006/main" xmlns:r="http://schemas.openxmlformats.org/officeDocument/2006/relationships" xmlns:p="http://schemas.openxmlformats.org/presentationml/2006/main" type="objTx" preserve="1">
+<p:sldLayout xmlns:a="http://schemas.openxmlformats.org/drawingml/2006/main" xmlns:r="http://schemas.openxmlformats.org/officeDocument/2006/relationships" xmlns:p="http://schemas.openxmlformats.org/presentationml/2006/main" showMasterSp="0" type="objTx" preserve="1">
   <p:cSld name="Content with Caption">
     <p:spTree>
       <p:nvGrpSpPr>
@@ -1900,6 +4085,467 @@
       </p:grpSpPr>
       <p:sp>
         <p:nvSpPr>
+          <p:cNvPr id="17" name="Freeform 11" title="right scallop background shape"/>
+          <p:cNvSpPr/>
+          <p:nvPr/>
+        </p:nvSpPr>
+        <p:spPr bwMode="auto">
+          <a:xfrm>
+            <a:off x="7389812" y="0"/>
+            <a:ext cx="4802188" cy="6858000"/>
+          </a:xfrm>
+          <a:custGeom>
+            <a:avLst/>
+            <a:gdLst/>
+            <a:ahLst/>
+            <a:cxnLst/>
+            <a:rect l="0" t="0" r="r" b="b"/>
+            <a:pathLst>
+              <a:path w="3025" h="4320">
+                <a:moveTo>
+                  <a:pt x="0" y="0"/>
+                </a:moveTo>
+                <a:lnTo>
+                  <a:pt x="3025" y="0"/>
+                </a:lnTo>
+                <a:lnTo>
+                  <a:pt x="3025" y="4320"/>
+                </a:lnTo>
+                <a:lnTo>
+                  <a:pt x="0" y="4320"/>
+                </a:lnTo>
+                <a:lnTo>
+                  <a:pt x="3" y="4278"/>
+                </a:lnTo>
+                <a:lnTo>
+                  <a:pt x="8" y="4243"/>
+                </a:lnTo>
+                <a:lnTo>
+                  <a:pt x="14" y="4210"/>
+                </a:lnTo>
+                <a:lnTo>
+                  <a:pt x="24" y="4183"/>
+                </a:lnTo>
+                <a:lnTo>
+                  <a:pt x="34" y="4156"/>
+                </a:lnTo>
+                <a:lnTo>
+                  <a:pt x="46" y="4133"/>
+                </a:lnTo>
+                <a:lnTo>
+                  <a:pt x="58" y="4109"/>
+                </a:lnTo>
+                <a:lnTo>
+                  <a:pt x="69" y="4087"/>
+                </a:lnTo>
+                <a:lnTo>
+                  <a:pt x="80" y="4062"/>
+                </a:lnTo>
+                <a:lnTo>
+                  <a:pt x="90" y="4036"/>
+                </a:lnTo>
+                <a:lnTo>
+                  <a:pt x="99" y="4007"/>
+                </a:lnTo>
+                <a:lnTo>
+                  <a:pt x="106" y="3976"/>
+                </a:lnTo>
+                <a:lnTo>
+                  <a:pt x="111" y="3938"/>
+                </a:lnTo>
+                <a:lnTo>
+                  <a:pt x="113" y="3895"/>
+                </a:lnTo>
+                <a:lnTo>
+                  <a:pt x="111" y="3851"/>
+                </a:lnTo>
+                <a:lnTo>
+                  <a:pt x="106" y="3815"/>
+                </a:lnTo>
+                <a:lnTo>
+                  <a:pt x="99" y="3782"/>
+                </a:lnTo>
+                <a:lnTo>
+                  <a:pt x="90" y="3752"/>
+                </a:lnTo>
+                <a:lnTo>
+                  <a:pt x="80" y="3726"/>
+                </a:lnTo>
+                <a:lnTo>
+                  <a:pt x="68" y="3702"/>
+                </a:lnTo>
+                <a:lnTo>
+                  <a:pt x="56" y="3679"/>
+                </a:lnTo>
+                <a:lnTo>
+                  <a:pt x="44" y="3655"/>
+                </a:lnTo>
+                <a:lnTo>
+                  <a:pt x="33" y="3630"/>
+                </a:lnTo>
+                <a:lnTo>
+                  <a:pt x="22" y="3604"/>
+                </a:lnTo>
+                <a:lnTo>
+                  <a:pt x="13" y="3575"/>
+                </a:lnTo>
+                <a:lnTo>
+                  <a:pt x="7" y="3542"/>
+                </a:lnTo>
+                <a:lnTo>
+                  <a:pt x="1" y="3504"/>
+                </a:lnTo>
+                <a:lnTo>
+                  <a:pt x="0" y="3461"/>
+                </a:lnTo>
+                <a:lnTo>
+                  <a:pt x="1" y="3418"/>
+                </a:lnTo>
+                <a:lnTo>
+                  <a:pt x="7" y="3380"/>
+                </a:lnTo>
+                <a:lnTo>
+                  <a:pt x="13" y="3347"/>
+                </a:lnTo>
+                <a:lnTo>
+                  <a:pt x="22" y="3319"/>
+                </a:lnTo>
+                <a:lnTo>
+                  <a:pt x="33" y="3292"/>
+                </a:lnTo>
+                <a:lnTo>
+                  <a:pt x="44" y="3267"/>
+                </a:lnTo>
+                <a:lnTo>
+                  <a:pt x="56" y="3244"/>
+                </a:lnTo>
+                <a:lnTo>
+                  <a:pt x="68" y="3222"/>
+                </a:lnTo>
+                <a:lnTo>
+                  <a:pt x="80" y="3197"/>
+                </a:lnTo>
+                <a:lnTo>
+                  <a:pt x="90" y="3171"/>
+                </a:lnTo>
+                <a:lnTo>
+                  <a:pt x="99" y="3142"/>
+                </a:lnTo>
+                <a:lnTo>
+                  <a:pt x="106" y="3109"/>
+                </a:lnTo>
+                <a:lnTo>
+                  <a:pt x="111" y="3071"/>
+                </a:lnTo>
+                <a:lnTo>
+                  <a:pt x="113" y="3028"/>
+                </a:lnTo>
+                <a:lnTo>
+                  <a:pt x="111" y="2985"/>
+                </a:lnTo>
+                <a:lnTo>
+                  <a:pt x="106" y="2947"/>
+                </a:lnTo>
+                <a:lnTo>
+                  <a:pt x="99" y="2914"/>
+                </a:lnTo>
+                <a:lnTo>
+                  <a:pt x="90" y="2885"/>
+                </a:lnTo>
+                <a:lnTo>
+                  <a:pt x="80" y="2858"/>
+                </a:lnTo>
+                <a:lnTo>
+                  <a:pt x="68" y="2834"/>
+                </a:lnTo>
+                <a:lnTo>
+                  <a:pt x="44" y="2787"/>
+                </a:lnTo>
+                <a:lnTo>
+                  <a:pt x="33" y="2763"/>
+                </a:lnTo>
+                <a:lnTo>
+                  <a:pt x="22" y="2736"/>
+                </a:lnTo>
+                <a:lnTo>
+                  <a:pt x="13" y="2707"/>
+                </a:lnTo>
+                <a:lnTo>
+                  <a:pt x="7" y="2674"/>
+                </a:lnTo>
+                <a:lnTo>
+                  <a:pt x="1" y="2637"/>
+                </a:lnTo>
+                <a:lnTo>
+                  <a:pt x="0" y="2593"/>
+                </a:lnTo>
+                <a:lnTo>
+                  <a:pt x="1" y="2550"/>
+                </a:lnTo>
+                <a:lnTo>
+                  <a:pt x="7" y="2512"/>
+                </a:lnTo>
+                <a:lnTo>
+                  <a:pt x="13" y="2479"/>
+                </a:lnTo>
+                <a:lnTo>
+                  <a:pt x="22" y="2451"/>
+                </a:lnTo>
+                <a:lnTo>
+                  <a:pt x="33" y="2424"/>
+                </a:lnTo>
+                <a:lnTo>
+                  <a:pt x="44" y="2401"/>
+                </a:lnTo>
+                <a:lnTo>
+                  <a:pt x="68" y="2354"/>
+                </a:lnTo>
+                <a:lnTo>
+                  <a:pt x="80" y="2329"/>
+                </a:lnTo>
+                <a:lnTo>
+                  <a:pt x="90" y="2303"/>
+                </a:lnTo>
+                <a:lnTo>
+                  <a:pt x="99" y="2274"/>
+                </a:lnTo>
+                <a:lnTo>
+                  <a:pt x="106" y="2241"/>
+                </a:lnTo>
+                <a:lnTo>
+                  <a:pt x="111" y="2203"/>
+                </a:lnTo>
+                <a:lnTo>
+                  <a:pt x="113" y="2159"/>
+                </a:lnTo>
+                <a:lnTo>
+                  <a:pt x="111" y="2117"/>
+                </a:lnTo>
+                <a:lnTo>
+                  <a:pt x="106" y="2079"/>
+                </a:lnTo>
+                <a:lnTo>
+                  <a:pt x="99" y="2046"/>
+                </a:lnTo>
+                <a:lnTo>
+                  <a:pt x="90" y="2017"/>
+                </a:lnTo>
+                <a:lnTo>
+                  <a:pt x="80" y="1991"/>
+                </a:lnTo>
+                <a:lnTo>
+                  <a:pt x="68" y="1966"/>
+                </a:lnTo>
+                <a:lnTo>
+                  <a:pt x="56" y="1943"/>
+                </a:lnTo>
+                <a:lnTo>
+                  <a:pt x="44" y="1919"/>
+                </a:lnTo>
+                <a:lnTo>
+                  <a:pt x="33" y="1896"/>
+                </a:lnTo>
+                <a:lnTo>
+                  <a:pt x="22" y="1869"/>
+                </a:lnTo>
+                <a:lnTo>
+                  <a:pt x="13" y="1841"/>
+                </a:lnTo>
+                <a:lnTo>
+                  <a:pt x="7" y="1807"/>
+                </a:lnTo>
+                <a:lnTo>
+                  <a:pt x="1" y="1770"/>
+                </a:lnTo>
+                <a:lnTo>
+                  <a:pt x="0" y="1727"/>
+                </a:lnTo>
+                <a:lnTo>
+                  <a:pt x="1" y="1683"/>
+                </a:lnTo>
+                <a:lnTo>
+                  <a:pt x="7" y="1646"/>
+                </a:lnTo>
+                <a:lnTo>
+                  <a:pt x="13" y="1613"/>
+                </a:lnTo>
+                <a:lnTo>
+                  <a:pt x="22" y="1583"/>
+                </a:lnTo>
+                <a:lnTo>
+                  <a:pt x="33" y="1557"/>
+                </a:lnTo>
+                <a:lnTo>
+                  <a:pt x="44" y="1533"/>
+                </a:lnTo>
+                <a:lnTo>
+                  <a:pt x="56" y="1509"/>
+                </a:lnTo>
+                <a:lnTo>
+                  <a:pt x="68" y="1486"/>
+                </a:lnTo>
+                <a:lnTo>
+                  <a:pt x="80" y="1461"/>
+                </a:lnTo>
+                <a:lnTo>
+                  <a:pt x="90" y="1435"/>
+                </a:lnTo>
+                <a:lnTo>
+                  <a:pt x="99" y="1406"/>
+                </a:lnTo>
+                <a:lnTo>
+                  <a:pt x="106" y="1373"/>
+                </a:lnTo>
+                <a:lnTo>
+                  <a:pt x="111" y="1335"/>
+                </a:lnTo>
+                <a:lnTo>
+                  <a:pt x="113" y="1292"/>
+                </a:lnTo>
+                <a:lnTo>
+                  <a:pt x="111" y="1249"/>
+                </a:lnTo>
+                <a:lnTo>
+                  <a:pt x="106" y="1211"/>
+                </a:lnTo>
+                <a:lnTo>
+                  <a:pt x="99" y="1178"/>
+                </a:lnTo>
+                <a:lnTo>
+                  <a:pt x="90" y="1149"/>
+                </a:lnTo>
+                <a:lnTo>
+                  <a:pt x="80" y="1123"/>
+                </a:lnTo>
+                <a:lnTo>
+                  <a:pt x="68" y="1098"/>
+                </a:lnTo>
+                <a:lnTo>
+                  <a:pt x="56" y="1076"/>
+                </a:lnTo>
+                <a:lnTo>
+                  <a:pt x="44" y="1053"/>
+                </a:lnTo>
+                <a:lnTo>
+                  <a:pt x="33" y="1028"/>
+                </a:lnTo>
+                <a:lnTo>
+                  <a:pt x="22" y="1001"/>
+                </a:lnTo>
+                <a:lnTo>
+                  <a:pt x="13" y="973"/>
+                </a:lnTo>
+                <a:lnTo>
+                  <a:pt x="7" y="940"/>
+                </a:lnTo>
+                <a:lnTo>
+                  <a:pt x="1" y="902"/>
+                </a:lnTo>
+                <a:lnTo>
+                  <a:pt x="0" y="859"/>
+                </a:lnTo>
+                <a:lnTo>
+                  <a:pt x="1" y="816"/>
+                </a:lnTo>
+                <a:lnTo>
+                  <a:pt x="7" y="778"/>
+                </a:lnTo>
+                <a:lnTo>
+                  <a:pt x="13" y="745"/>
+                </a:lnTo>
+                <a:lnTo>
+                  <a:pt x="22" y="716"/>
+                </a:lnTo>
+                <a:lnTo>
+                  <a:pt x="33" y="690"/>
+                </a:lnTo>
+                <a:lnTo>
+                  <a:pt x="44" y="665"/>
+                </a:lnTo>
+                <a:lnTo>
+                  <a:pt x="56" y="641"/>
+                </a:lnTo>
+                <a:lnTo>
+                  <a:pt x="68" y="618"/>
+                </a:lnTo>
+                <a:lnTo>
+                  <a:pt x="80" y="594"/>
+                </a:lnTo>
+                <a:lnTo>
+                  <a:pt x="90" y="568"/>
+                </a:lnTo>
+                <a:lnTo>
+                  <a:pt x="99" y="538"/>
+                </a:lnTo>
+                <a:lnTo>
+                  <a:pt x="106" y="505"/>
+                </a:lnTo>
+                <a:lnTo>
+                  <a:pt x="111" y="469"/>
+                </a:lnTo>
+                <a:lnTo>
+                  <a:pt x="113" y="424"/>
+                </a:lnTo>
+                <a:lnTo>
+                  <a:pt x="111" y="382"/>
+                </a:lnTo>
+                <a:lnTo>
+                  <a:pt x="106" y="344"/>
+                </a:lnTo>
+                <a:lnTo>
+                  <a:pt x="99" y="313"/>
+                </a:lnTo>
+                <a:lnTo>
+                  <a:pt x="90" y="284"/>
+                </a:lnTo>
+                <a:lnTo>
+                  <a:pt x="80" y="258"/>
+                </a:lnTo>
+                <a:lnTo>
+                  <a:pt x="69" y="233"/>
+                </a:lnTo>
+                <a:lnTo>
+                  <a:pt x="58" y="211"/>
+                </a:lnTo>
+                <a:lnTo>
+                  <a:pt x="46" y="187"/>
+                </a:lnTo>
+                <a:lnTo>
+                  <a:pt x="34" y="164"/>
+                </a:lnTo>
+                <a:lnTo>
+                  <a:pt x="24" y="137"/>
+                </a:lnTo>
+                <a:lnTo>
+                  <a:pt x="14" y="110"/>
+                </a:lnTo>
+                <a:lnTo>
+                  <a:pt x="8" y="77"/>
+                </a:lnTo>
+                <a:lnTo>
+                  <a:pt x="3" y="42"/>
+                </a:lnTo>
+                <a:lnTo>
+                  <a:pt x="0" y="0"/>
+                </a:lnTo>
+                <a:close/>
+              </a:path>
+            </a:pathLst>
+          </a:custGeom>
+          <a:solidFill>
+            <a:schemeClr val="tx2"/>
+          </a:solidFill>
+          <a:ln w="0">
+            <a:noFill/>
+            <a:prstDash val="solid"/>
+            <a:round/>
+            <a:headEnd/>
+            <a:tailEnd/>
+          </a:ln>
+        </p:spPr>
+      </p:sp>
+      <p:sp>
+        <p:nvSpPr>
           <p:cNvPr id="2" name="Title 1"/>
           <p:cNvSpPr>
             <a:spLocks noGrp="1"/>
@@ -1910,15 +4556,25 @@
         </p:nvSpPr>
         <p:spPr>
           <a:xfrm>
-            <a:off x="839788" y="457200"/>
-            <a:ext cx="3932237" cy="1600200"/>
+            <a:off x="8337884" y="457199"/>
+            <a:ext cx="3092115" cy="1196671"/>
           </a:xfrm>
         </p:spPr>
         <p:txBody>
-          <a:bodyPr anchor="b"/>
+          <a:bodyPr anchor="b">
+            <a:normAutofit/>
+          </a:bodyPr>
           <a:lstStyle>
             <a:lvl1pPr>
-              <a:defRPr sz="3200"/>
+              <a:lnSpc>
+                <a:spcPct val="100000"/>
+              </a:lnSpc>
+              <a:defRPr sz="1900" b="1" i="0" cap="all" spc="300" baseline="0">
+                <a:solidFill>
+                  <a:schemeClr val="accent1"/>
+                </a:solidFill>
+                <a:latin typeface="+mn-lt"/>
+              </a:defRPr>
             </a:lvl1pPr>
           </a:lstStyle>
           <a:p>
@@ -1926,7 +4582,7 @@
               <a:rPr lang="en-US" altLang="zh-CN" smtClean="0"/>
               <a:t>Click to edit Master title style</a:t>
             </a:r>
-            <a:endParaRPr lang="en-US"/>
+            <a:endParaRPr lang="en-US" dirty="0"/>
           </a:p>
         </p:txBody>
       </p:sp>
@@ -1942,8 +4598,8 @@
         </p:nvSpPr>
         <p:spPr>
           <a:xfrm>
-            <a:off x="5183188" y="987425"/>
-            <a:ext cx="6172200" cy="4873625"/>
+            <a:off x="765051" y="920377"/>
+            <a:ext cx="6158418" cy="4985124"/>
           </a:xfrm>
         </p:spPr>
         <p:txBody>
@@ -2011,7 +4667,7 @@
               <a:rPr lang="en-US" altLang="zh-CN" smtClean="0"/>
               <a:t>Fifth level</a:t>
             </a:r>
-            <a:endParaRPr lang="en-US"/>
+            <a:endParaRPr lang="en-US" dirty="0"/>
           </a:p>
         </p:txBody>
       </p:sp>
@@ -2027,16 +4683,26 @@
         </p:nvSpPr>
         <p:spPr>
           <a:xfrm>
-            <a:off x="839788" y="2057400"/>
-            <a:ext cx="3932237" cy="3811588"/>
+            <a:off x="8337885" y="1741336"/>
+            <a:ext cx="3092115" cy="4164164"/>
           </a:xfrm>
         </p:spPr>
         <p:txBody>
           <a:bodyPr/>
           <a:lstStyle>
             <a:lvl1pPr marL="0" indent="0">
+              <a:lnSpc>
+                <a:spcPct val="120000"/>
+              </a:lnSpc>
+              <a:spcBef>
+                <a:spcPts val="1200"/>
+              </a:spcBef>
               <a:buNone/>
-              <a:defRPr sz="1600"/>
+              <a:defRPr sz="1600" baseline="0">
+                <a:solidFill>
+                  <a:schemeClr val="bg2"/>
+                </a:solidFill>
+              </a:defRPr>
             </a:lvl1pPr>
             <a:lvl2pPr marL="457200" indent="0">
               <a:buNone/>
@@ -2090,7 +4756,12 @@
             <p:ph type="dt" sz="half" idx="10"/>
           </p:nvPr>
         </p:nvSpPr>
-        <p:spPr/>
+        <p:spPr>
+          <a:xfrm>
+            <a:off x="765051" y="6375679"/>
+            <a:ext cx="1233355" cy="348462"/>
+          </a:xfrm>
+        </p:spPr>
         <p:txBody>
           <a:bodyPr/>
           <a:lstStyle/>
@@ -2113,7 +4784,12 @@
             <p:ph type="ftr" sz="quarter" idx="11"/>
           </p:nvPr>
         </p:nvSpPr>
-        <p:spPr/>
+        <p:spPr>
+          <a:xfrm>
+            <a:off x="2103620" y="6375679"/>
+            <a:ext cx="3482179" cy="345796"/>
+          </a:xfrm>
+        </p:spPr>
         <p:txBody>
           <a:bodyPr/>
           <a:lstStyle/>
@@ -2132,7 +4808,12 @@
             <p:ph type="sldNum" sz="quarter" idx="12"/>
           </p:nvPr>
         </p:nvSpPr>
-        <p:spPr/>
+        <p:spPr>
+          <a:xfrm>
+            <a:off x="5691014" y="6375679"/>
+            <a:ext cx="1232456" cy="345796"/>
+          </a:xfrm>
+        </p:spPr>
         <p:txBody>
           <a:bodyPr/>
           <a:lstStyle/>
@@ -2145,21 +4826,70 @@
           </a:p>
         </p:txBody>
       </p:sp>
+      <p:sp>
+        <p:nvSpPr>
+          <p:cNvPr id="8" name="Rectangle 7" title="left edge border"/>
+          <p:cNvSpPr/>
+          <p:nvPr/>
+        </p:nvSpPr>
+        <p:spPr>
+          <a:xfrm>
+            <a:off x="0" y="0"/>
+            <a:ext cx="283464" cy="6858000"/>
+          </a:xfrm>
+          <a:prstGeom prst="rect">
+            <a:avLst/>
+          </a:prstGeom>
+          <a:solidFill>
+            <a:schemeClr val="accent1"/>
+          </a:solidFill>
+          <a:ln>
+            <a:noFill/>
+          </a:ln>
+        </p:spPr>
+        <p:style>
+          <a:lnRef idx="2">
+            <a:schemeClr val="accent1">
+              <a:shade val="50000"/>
+            </a:schemeClr>
+          </a:lnRef>
+          <a:fillRef idx="1">
+            <a:schemeClr val="accent1"/>
+          </a:fillRef>
+          <a:effectRef idx="0">
+            <a:schemeClr val="accent1"/>
+          </a:effectRef>
+          <a:fontRef idx="minor">
+            <a:schemeClr val="lt1"/>
+          </a:fontRef>
+        </p:style>
+      </p:sp>
     </p:spTree>
     <p:extLst>
       <p:ext uri="{BB962C8B-B14F-4D97-AF65-F5344CB8AC3E}">
-        <p14:creationId xmlns:p14="http://schemas.microsoft.com/office/powerpoint/2010/main" val="7494976"/>
+        <p14:creationId xmlns:p14="http://schemas.microsoft.com/office/powerpoint/2010/main" val="1059265190"/>
       </p:ext>
     </p:extLst>
   </p:cSld>
   <p:clrMapOvr>
     <a:masterClrMapping/>
   </p:clrMapOvr>
+  <p:extLst mod="1">
+    <p:ext uri="{DCECCB84-F9BA-43D5-87BE-67443E8EF086}">
+      <p15:sldGuideLst xmlns:p15="http://schemas.microsoft.com/office/powerpoint/2012/main">
+        <p15:guide id="1" orient="horz" pos="696">
+          <p15:clr>
+            <a:srgbClr val="FBAE40"/>
+          </p15:clr>
+        </p15:guide>
+      </p15:sldGuideLst>
+    </p:ext>
+  </p:extLst>
 </p:sldLayout>
 </file>
 
 <file path=ppt/slideLayouts/slideLayout9.xml><?xml version="1.0" encoding="utf-8"?>
-<p:sldLayout xmlns:a="http://schemas.openxmlformats.org/drawingml/2006/main" xmlns:r="http://schemas.openxmlformats.org/officeDocument/2006/relationships" xmlns:p="http://schemas.openxmlformats.org/presentationml/2006/main" type="picTx" preserve="1">
+<p:sldLayout xmlns:a="http://schemas.openxmlformats.org/drawingml/2006/main" xmlns:r="http://schemas.openxmlformats.org/officeDocument/2006/relationships" xmlns:p="http://schemas.openxmlformats.org/presentationml/2006/main" showMasterSp="0" type="picTx" preserve="1">
   <p:cSld name="Picture with Caption">
     <p:spTree>
       <p:nvGrpSpPr>
@@ -2177,41 +4907,9 @@
       </p:grpSpPr>
       <p:sp>
         <p:nvSpPr>
-          <p:cNvPr id="2" name="Title 1"/>
-          <p:cNvSpPr>
-            <a:spLocks noGrp="1"/>
-          </p:cNvSpPr>
-          <p:nvPr>
-            <p:ph type="title"/>
-          </p:nvPr>
-        </p:nvSpPr>
-        <p:spPr>
-          <a:xfrm>
-            <a:off x="839788" y="457200"/>
-            <a:ext cx="3932237" cy="1600200"/>
-          </a:xfrm>
-        </p:spPr>
-        <p:txBody>
-          <a:bodyPr anchor="b"/>
-          <a:lstStyle>
-            <a:lvl1pPr>
-              <a:defRPr sz="3200"/>
-            </a:lvl1pPr>
-          </a:lstStyle>
-          <a:p>
-            <a:r>
-              <a:rPr lang="en-US" altLang="zh-CN" smtClean="0"/>
-              <a:t>Click to edit Master title style</a:t>
-            </a:r>
-            <a:endParaRPr lang="en-US"/>
-          </a:p>
-        </p:txBody>
-      </p:sp>
-      <p:sp>
-        <p:nvSpPr>
           <p:cNvPr id="3" name="Picture Placeholder 2"/>
           <p:cNvSpPr>
-            <a:spLocks noGrp="1"/>
+            <a:spLocks noGrp="1" noChangeAspect="1"/>
           </p:cNvSpPr>
           <p:nvPr>
             <p:ph type="pic" idx="1"/>
@@ -2219,12 +4917,12 @@
         </p:nvSpPr>
         <p:spPr>
           <a:xfrm>
-            <a:off x="5183188" y="987425"/>
-            <a:ext cx="6172200" cy="4873625"/>
+            <a:off x="283464" y="0"/>
+            <a:ext cx="7355585" cy="6857999"/>
           </a:xfrm>
         </p:spPr>
         <p:txBody>
-          <a:bodyPr/>
+          <a:bodyPr anchor="t"/>
           <a:lstStyle>
             <a:lvl1pPr marL="0" indent="0">
               <a:buNone/>
@@ -2264,7 +4962,552 @@
             </a:lvl9pPr>
           </a:lstStyle>
           <a:p>
-            <a:endParaRPr lang="en-US"/>
+            <a:r>
+              <a:rPr lang="en-US" altLang="zh-CN" smtClean="0"/>
+              <a:t>Drag picture to placeholder or click icon to add</a:t>
+            </a:r>
+            <a:endParaRPr lang="en-US" dirty="0"/>
+          </a:p>
+        </p:txBody>
+      </p:sp>
+      <p:sp>
+        <p:nvSpPr>
+          <p:cNvPr id="11" name="Freeform 11" title="right scallop background shape"/>
+          <p:cNvSpPr/>
+          <p:nvPr/>
+        </p:nvSpPr>
+        <p:spPr bwMode="auto">
+          <a:xfrm>
+            <a:off x="7389812" y="0"/>
+            <a:ext cx="4802188" cy="6858000"/>
+          </a:xfrm>
+          <a:custGeom>
+            <a:avLst/>
+            <a:gdLst/>
+            <a:ahLst/>
+            <a:cxnLst/>
+            <a:rect l="0" t="0" r="r" b="b"/>
+            <a:pathLst>
+              <a:path w="3025" h="4320">
+                <a:moveTo>
+                  <a:pt x="0" y="0"/>
+                </a:moveTo>
+                <a:lnTo>
+                  <a:pt x="3025" y="0"/>
+                </a:lnTo>
+                <a:lnTo>
+                  <a:pt x="3025" y="4320"/>
+                </a:lnTo>
+                <a:lnTo>
+                  <a:pt x="0" y="4320"/>
+                </a:lnTo>
+                <a:lnTo>
+                  <a:pt x="3" y="4278"/>
+                </a:lnTo>
+                <a:lnTo>
+                  <a:pt x="8" y="4243"/>
+                </a:lnTo>
+                <a:lnTo>
+                  <a:pt x="14" y="4210"/>
+                </a:lnTo>
+                <a:lnTo>
+                  <a:pt x="24" y="4183"/>
+                </a:lnTo>
+                <a:lnTo>
+                  <a:pt x="34" y="4156"/>
+                </a:lnTo>
+                <a:lnTo>
+                  <a:pt x="46" y="4133"/>
+                </a:lnTo>
+                <a:lnTo>
+                  <a:pt x="58" y="4109"/>
+                </a:lnTo>
+                <a:lnTo>
+                  <a:pt x="69" y="4087"/>
+                </a:lnTo>
+                <a:lnTo>
+                  <a:pt x="80" y="4062"/>
+                </a:lnTo>
+                <a:lnTo>
+                  <a:pt x="90" y="4036"/>
+                </a:lnTo>
+                <a:lnTo>
+                  <a:pt x="99" y="4007"/>
+                </a:lnTo>
+                <a:lnTo>
+                  <a:pt x="106" y="3976"/>
+                </a:lnTo>
+                <a:lnTo>
+                  <a:pt x="111" y="3938"/>
+                </a:lnTo>
+                <a:lnTo>
+                  <a:pt x="113" y="3895"/>
+                </a:lnTo>
+                <a:lnTo>
+                  <a:pt x="111" y="3851"/>
+                </a:lnTo>
+                <a:lnTo>
+                  <a:pt x="106" y="3815"/>
+                </a:lnTo>
+                <a:lnTo>
+                  <a:pt x="99" y="3782"/>
+                </a:lnTo>
+                <a:lnTo>
+                  <a:pt x="90" y="3752"/>
+                </a:lnTo>
+                <a:lnTo>
+                  <a:pt x="80" y="3726"/>
+                </a:lnTo>
+                <a:lnTo>
+                  <a:pt x="68" y="3702"/>
+                </a:lnTo>
+                <a:lnTo>
+                  <a:pt x="56" y="3679"/>
+                </a:lnTo>
+                <a:lnTo>
+                  <a:pt x="44" y="3655"/>
+                </a:lnTo>
+                <a:lnTo>
+                  <a:pt x="33" y="3630"/>
+                </a:lnTo>
+                <a:lnTo>
+                  <a:pt x="22" y="3604"/>
+                </a:lnTo>
+                <a:lnTo>
+                  <a:pt x="13" y="3575"/>
+                </a:lnTo>
+                <a:lnTo>
+                  <a:pt x="7" y="3542"/>
+                </a:lnTo>
+                <a:lnTo>
+                  <a:pt x="1" y="3504"/>
+                </a:lnTo>
+                <a:lnTo>
+                  <a:pt x="0" y="3461"/>
+                </a:lnTo>
+                <a:lnTo>
+                  <a:pt x="1" y="3418"/>
+                </a:lnTo>
+                <a:lnTo>
+                  <a:pt x="7" y="3380"/>
+                </a:lnTo>
+                <a:lnTo>
+                  <a:pt x="13" y="3347"/>
+                </a:lnTo>
+                <a:lnTo>
+                  <a:pt x="22" y="3319"/>
+                </a:lnTo>
+                <a:lnTo>
+                  <a:pt x="33" y="3292"/>
+                </a:lnTo>
+                <a:lnTo>
+                  <a:pt x="44" y="3267"/>
+                </a:lnTo>
+                <a:lnTo>
+                  <a:pt x="56" y="3244"/>
+                </a:lnTo>
+                <a:lnTo>
+                  <a:pt x="68" y="3222"/>
+                </a:lnTo>
+                <a:lnTo>
+                  <a:pt x="80" y="3197"/>
+                </a:lnTo>
+                <a:lnTo>
+                  <a:pt x="90" y="3171"/>
+                </a:lnTo>
+                <a:lnTo>
+                  <a:pt x="99" y="3142"/>
+                </a:lnTo>
+                <a:lnTo>
+                  <a:pt x="106" y="3109"/>
+                </a:lnTo>
+                <a:lnTo>
+                  <a:pt x="111" y="3071"/>
+                </a:lnTo>
+                <a:lnTo>
+                  <a:pt x="113" y="3028"/>
+                </a:lnTo>
+                <a:lnTo>
+                  <a:pt x="111" y="2985"/>
+                </a:lnTo>
+                <a:lnTo>
+                  <a:pt x="106" y="2947"/>
+                </a:lnTo>
+                <a:lnTo>
+                  <a:pt x="99" y="2914"/>
+                </a:lnTo>
+                <a:lnTo>
+                  <a:pt x="90" y="2885"/>
+                </a:lnTo>
+                <a:lnTo>
+                  <a:pt x="80" y="2858"/>
+                </a:lnTo>
+                <a:lnTo>
+                  <a:pt x="68" y="2834"/>
+                </a:lnTo>
+                <a:lnTo>
+                  <a:pt x="44" y="2787"/>
+                </a:lnTo>
+                <a:lnTo>
+                  <a:pt x="33" y="2763"/>
+                </a:lnTo>
+                <a:lnTo>
+                  <a:pt x="22" y="2736"/>
+                </a:lnTo>
+                <a:lnTo>
+                  <a:pt x="13" y="2707"/>
+                </a:lnTo>
+                <a:lnTo>
+                  <a:pt x="7" y="2674"/>
+                </a:lnTo>
+                <a:lnTo>
+                  <a:pt x="1" y="2637"/>
+                </a:lnTo>
+                <a:lnTo>
+                  <a:pt x="0" y="2593"/>
+                </a:lnTo>
+                <a:lnTo>
+                  <a:pt x="1" y="2550"/>
+                </a:lnTo>
+                <a:lnTo>
+                  <a:pt x="7" y="2512"/>
+                </a:lnTo>
+                <a:lnTo>
+                  <a:pt x="13" y="2479"/>
+                </a:lnTo>
+                <a:lnTo>
+                  <a:pt x="22" y="2451"/>
+                </a:lnTo>
+                <a:lnTo>
+                  <a:pt x="33" y="2424"/>
+                </a:lnTo>
+                <a:lnTo>
+                  <a:pt x="44" y="2401"/>
+                </a:lnTo>
+                <a:lnTo>
+                  <a:pt x="68" y="2354"/>
+                </a:lnTo>
+                <a:lnTo>
+                  <a:pt x="80" y="2329"/>
+                </a:lnTo>
+                <a:lnTo>
+                  <a:pt x="90" y="2303"/>
+                </a:lnTo>
+                <a:lnTo>
+                  <a:pt x="99" y="2274"/>
+                </a:lnTo>
+                <a:lnTo>
+                  <a:pt x="106" y="2241"/>
+                </a:lnTo>
+                <a:lnTo>
+                  <a:pt x="111" y="2203"/>
+                </a:lnTo>
+                <a:lnTo>
+                  <a:pt x="113" y="2159"/>
+                </a:lnTo>
+                <a:lnTo>
+                  <a:pt x="111" y="2117"/>
+                </a:lnTo>
+                <a:lnTo>
+                  <a:pt x="106" y="2079"/>
+                </a:lnTo>
+                <a:lnTo>
+                  <a:pt x="99" y="2046"/>
+                </a:lnTo>
+                <a:lnTo>
+                  <a:pt x="90" y="2017"/>
+                </a:lnTo>
+                <a:lnTo>
+                  <a:pt x="80" y="1991"/>
+                </a:lnTo>
+                <a:lnTo>
+                  <a:pt x="68" y="1966"/>
+                </a:lnTo>
+                <a:lnTo>
+                  <a:pt x="56" y="1943"/>
+                </a:lnTo>
+                <a:lnTo>
+                  <a:pt x="44" y="1919"/>
+                </a:lnTo>
+                <a:lnTo>
+                  <a:pt x="33" y="1896"/>
+                </a:lnTo>
+                <a:lnTo>
+                  <a:pt x="22" y="1869"/>
+                </a:lnTo>
+                <a:lnTo>
+                  <a:pt x="13" y="1841"/>
+                </a:lnTo>
+                <a:lnTo>
+                  <a:pt x="7" y="1807"/>
+                </a:lnTo>
+                <a:lnTo>
+                  <a:pt x="1" y="1770"/>
+                </a:lnTo>
+                <a:lnTo>
+                  <a:pt x="0" y="1727"/>
+                </a:lnTo>
+                <a:lnTo>
+                  <a:pt x="1" y="1683"/>
+                </a:lnTo>
+                <a:lnTo>
+                  <a:pt x="7" y="1646"/>
+                </a:lnTo>
+                <a:lnTo>
+                  <a:pt x="13" y="1613"/>
+                </a:lnTo>
+                <a:lnTo>
+                  <a:pt x="22" y="1583"/>
+                </a:lnTo>
+                <a:lnTo>
+                  <a:pt x="33" y="1557"/>
+                </a:lnTo>
+                <a:lnTo>
+                  <a:pt x="44" y="1533"/>
+                </a:lnTo>
+                <a:lnTo>
+                  <a:pt x="56" y="1509"/>
+                </a:lnTo>
+                <a:lnTo>
+                  <a:pt x="68" y="1486"/>
+                </a:lnTo>
+                <a:lnTo>
+                  <a:pt x="80" y="1461"/>
+                </a:lnTo>
+                <a:lnTo>
+                  <a:pt x="90" y="1435"/>
+                </a:lnTo>
+                <a:lnTo>
+                  <a:pt x="99" y="1406"/>
+                </a:lnTo>
+                <a:lnTo>
+                  <a:pt x="106" y="1373"/>
+                </a:lnTo>
+                <a:lnTo>
+                  <a:pt x="111" y="1335"/>
+                </a:lnTo>
+                <a:lnTo>
+                  <a:pt x="113" y="1292"/>
+                </a:lnTo>
+                <a:lnTo>
+                  <a:pt x="111" y="1249"/>
+                </a:lnTo>
+                <a:lnTo>
+                  <a:pt x="106" y="1211"/>
+                </a:lnTo>
+                <a:lnTo>
+                  <a:pt x="99" y="1178"/>
+                </a:lnTo>
+                <a:lnTo>
+                  <a:pt x="90" y="1149"/>
+                </a:lnTo>
+                <a:lnTo>
+                  <a:pt x="80" y="1123"/>
+                </a:lnTo>
+                <a:lnTo>
+                  <a:pt x="68" y="1098"/>
+                </a:lnTo>
+                <a:lnTo>
+                  <a:pt x="56" y="1076"/>
+                </a:lnTo>
+                <a:lnTo>
+                  <a:pt x="44" y="1053"/>
+                </a:lnTo>
+                <a:lnTo>
+                  <a:pt x="33" y="1028"/>
+                </a:lnTo>
+                <a:lnTo>
+                  <a:pt x="22" y="1001"/>
+                </a:lnTo>
+                <a:lnTo>
+                  <a:pt x="13" y="973"/>
+                </a:lnTo>
+                <a:lnTo>
+                  <a:pt x="7" y="940"/>
+                </a:lnTo>
+                <a:lnTo>
+                  <a:pt x="1" y="902"/>
+                </a:lnTo>
+                <a:lnTo>
+                  <a:pt x="0" y="859"/>
+                </a:lnTo>
+                <a:lnTo>
+                  <a:pt x="1" y="816"/>
+                </a:lnTo>
+                <a:lnTo>
+                  <a:pt x="7" y="778"/>
+                </a:lnTo>
+                <a:lnTo>
+                  <a:pt x="13" y="745"/>
+                </a:lnTo>
+                <a:lnTo>
+                  <a:pt x="22" y="716"/>
+                </a:lnTo>
+                <a:lnTo>
+                  <a:pt x="33" y="690"/>
+                </a:lnTo>
+                <a:lnTo>
+                  <a:pt x="44" y="665"/>
+                </a:lnTo>
+                <a:lnTo>
+                  <a:pt x="56" y="641"/>
+                </a:lnTo>
+                <a:lnTo>
+                  <a:pt x="68" y="618"/>
+                </a:lnTo>
+                <a:lnTo>
+                  <a:pt x="80" y="594"/>
+                </a:lnTo>
+                <a:lnTo>
+                  <a:pt x="90" y="568"/>
+                </a:lnTo>
+                <a:lnTo>
+                  <a:pt x="99" y="538"/>
+                </a:lnTo>
+                <a:lnTo>
+                  <a:pt x="106" y="505"/>
+                </a:lnTo>
+                <a:lnTo>
+                  <a:pt x="111" y="469"/>
+                </a:lnTo>
+                <a:lnTo>
+                  <a:pt x="113" y="424"/>
+                </a:lnTo>
+                <a:lnTo>
+                  <a:pt x="111" y="382"/>
+                </a:lnTo>
+                <a:lnTo>
+                  <a:pt x="106" y="344"/>
+                </a:lnTo>
+                <a:lnTo>
+                  <a:pt x="99" y="313"/>
+                </a:lnTo>
+                <a:lnTo>
+                  <a:pt x="90" y="284"/>
+                </a:lnTo>
+                <a:lnTo>
+                  <a:pt x="80" y="258"/>
+                </a:lnTo>
+                <a:lnTo>
+                  <a:pt x="69" y="233"/>
+                </a:lnTo>
+                <a:lnTo>
+                  <a:pt x="58" y="211"/>
+                </a:lnTo>
+                <a:lnTo>
+                  <a:pt x="46" y="187"/>
+                </a:lnTo>
+                <a:lnTo>
+                  <a:pt x="34" y="164"/>
+                </a:lnTo>
+                <a:lnTo>
+                  <a:pt x="24" y="137"/>
+                </a:lnTo>
+                <a:lnTo>
+                  <a:pt x="14" y="110"/>
+                </a:lnTo>
+                <a:lnTo>
+                  <a:pt x="8" y="77"/>
+                </a:lnTo>
+                <a:lnTo>
+                  <a:pt x="3" y="42"/>
+                </a:lnTo>
+                <a:lnTo>
+                  <a:pt x="0" y="0"/>
+                </a:lnTo>
+                <a:close/>
+              </a:path>
+            </a:pathLst>
+          </a:custGeom>
+          <a:solidFill>
+            <a:schemeClr val="tx2"/>
+          </a:solidFill>
+          <a:ln w="0">
+            <a:noFill/>
+            <a:prstDash val="solid"/>
+            <a:round/>
+            <a:headEnd/>
+            <a:tailEnd/>
+          </a:ln>
+        </p:spPr>
+      </p:sp>
+      <p:sp>
+        <p:nvSpPr>
+          <p:cNvPr id="12" name="Rectangle 11" title="left edge border"/>
+          <p:cNvSpPr/>
+          <p:nvPr/>
+        </p:nvSpPr>
+        <p:spPr>
+          <a:xfrm>
+            <a:off x="0" y="0"/>
+            <a:ext cx="283464" cy="6858000"/>
+          </a:xfrm>
+          <a:prstGeom prst="rect">
+            <a:avLst/>
+          </a:prstGeom>
+          <a:solidFill>
+            <a:schemeClr val="accent1"/>
+          </a:solidFill>
+          <a:ln>
+            <a:noFill/>
+          </a:ln>
+        </p:spPr>
+        <p:style>
+          <a:lnRef idx="2">
+            <a:schemeClr val="accent1">
+              <a:shade val="50000"/>
+            </a:schemeClr>
+          </a:lnRef>
+          <a:fillRef idx="1">
+            <a:schemeClr val="accent1"/>
+          </a:fillRef>
+          <a:effectRef idx="0">
+            <a:schemeClr val="accent1"/>
+          </a:effectRef>
+          <a:fontRef idx="minor">
+            <a:schemeClr val="lt1"/>
+          </a:fontRef>
+        </p:style>
+      </p:sp>
+      <p:sp>
+        <p:nvSpPr>
+          <p:cNvPr id="2" name="Title 1"/>
+          <p:cNvSpPr>
+            <a:spLocks noGrp="1"/>
+          </p:cNvSpPr>
+          <p:nvPr>
+            <p:ph type="title"/>
+          </p:nvPr>
+        </p:nvSpPr>
+        <p:spPr>
+          <a:xfrm>
+            <a:off x="8337883" y="457200"/>
+            <a:ext cx="3092117" cy="1196670"/>
+          </a:xfrm>
+        </p:spPr>
+        <p:txBody>
+          <a:bodyPr anchor="b">
+            <a:normAutofit/>
+          </a:bodyPr>
+          <a:lstStyle>
+            <a:lvl1pPr>
+              <a:lnSpc>
+                <a:spcPct val="100000"/>
+              </a:lnSpc>
+              <a:defRPr sz="1900" b="1" i="0" spc="300" baseline="0">
+                <a:solidFill>
+                  <a:schemeClr val="accent1"/>
+                </a:solidFill>
+                <a:latin typeface="+mn-lt"/>
+              </a:defRPr>
+            </a:lvl1pPr>
+          </a:lstStyle>
+          <a:p>
+            <a:r>
+              <a:rPr lang="en-US" altLang="zh-CN" smtClean="0"/>
+              <a:t>Click to edit Master title style</a:t>
+            </a:r>
+            <a:endParaRPr lang="en-US" dirty="0"/>
           </a:p>
         </p:txBody>
       </p:sp>
@@ -2280,16 +5523,26 @@
         </p:nvSpPr>
         <p:spPr>
           <a:xfrm>
-            <a:off x="839788" y="2057400"/>
-            <a:ext cx="3932237" cy="3811588"/>
+            <a:off x="8337883" y="1741336"/>
+            <a:ext cx="3092117" cy="4164164"/>
           </a:xfrm>
         </p:spPr>
         <p:txBody>
           <a:bodyPr/>
           <a:lstStyle>
             <a:lvl1pPr marL="0" indent="0">
+              <a:lnSpc>
+                <a:spcPct val="120000"/>
+              </a:lnSpc>
+              <a:spcBef>
+                <a:spcPts val="1200"/>
+              </a:spcBef>
               <a:buNone/>
-              <a:defRPr sz="1600"/>
+              <a:defRPr sz="1600" baseline="0">
+                <a:solidFill>
+                  <a:schemeClr val="bg2"/>
+                </a:solidFill>
+              </a:defRPr>
             </a:lvl1pPr>
             <a:lvl2pPr marL="457200" indent="0">
               <a:buNone/>
@@ -2343,7 +5596,12 @@
             <p:ph type="dt" sz="half" idx="10"/>
           </p:nvPr>
         </p:nvSpPr>
-        <p:spPr/>
+        <p:spPr>
+          <a:xfrm>
+            <a:off x="765950" y="6375679"/>
+            <a:ext cx="1232456" cy="348462"/>
+          </a:xfrm>
+        </p:spPr>
         <p:txBody>
           <a:bodyPr/>
           <a:lstStyle/>
@@ -2366,7 +5624,12 @@
             <p:ph type="ftr" sz="quarter" idx="11"/>
           </p:nvPr>
         </p:nvSpPr>
-        <p:spPr/>
+        <p:spPr>
+          <a:xfrm>
+            <a:off x="2103621" y="6375679"/>
+            <a:ext cx="3482178" cy="345796"/>
+          </a:xfrm>
+        </p:spPr>
         <p:txBody>
           <a:bodyPr/>
           <a:lstStyle/>
@@ -2385,7 +5648,12 @@
             <p:ph type="sldNum" sz="quarter" idx="12"/>
           </p:nvPr>
         </p:nvSpPr>
-        <p:spPr/>
+        <p:spPr>
+          <a:xfrm>
+            <a:off x="5687568" y="6375679"/>
+            <a:ext cx="1234440" cy="345796"/>
+          </a:xfrm>
+        </p:spPr>
         <p:txBody>
           <a:bodyPr/>
           <a:lstStyle/>
@@ -2401,7 +5669,7 @@
     </p:spTree>
     <p:extLst>
       <p:ext uri="{BB962C8B-B14F-4D97-AF65-F5344CB8AC3E}">
-        <p14:creationId xmlns:p14="http://schemas.microsoft.com/office/powerpoint/2010/main" val="1414010106"/>
+        <p14:creationId xmlns:p14="http://schemas.microsoft.com/office/powerpoint/2010/main" val="430614700"/>
       </p:ext>
     </p:extLst>
   </p:cSld>
@@ -2415,9 +5683,12 @@
 <p:sldMaster xmlns:a="http://schemas.openxmlformats.org/drawingml/2006/main" xmlns:r="http://schemas.openxmlformats.org/officeDocument/2006/relationships" xmlns:p="http://schemas.openxmlformats.org/presentationml/2006/main">
   <p:cSld>
     <p:bg>
-      <p:bgRef idx="1001">
-        <a:schemeClr val="bg1"/>
-      </p:bgRef>
+      <p:bgPr>
+        <a:solidFill>
+          <a:schemeClr val="bg2"/>
+        </a:solidFill>
+        <a:effectLst/>
+      </p:bgPr>
     </p:bg>
     <p:spTree>
       <p:nvGrpSpPr>
@@ -2445,15 +5716,15 @@
         </p:nvSpPr>
         <p:spPr>
           <a:xfrm>
-            <a:off x="838200" y="365125"/>
-            <a:ext cx="10515600" cy="1325563"/>
+            <a:off x="1251678" y="382385"/>
+            <a:ext cx="10178322" cy="1492132"/>
           </a:xfrm>
           <a:prstGeom prst="rect">
             <a:avLst/>
           </a:prstGeom>
         </p:spPr>
         <p:txBody>
-          <a:bodyPr vert="horz" lIns="91440" tIns="45720" rIns="91440" bIns="45720" rtlCol="0" anchor="ctr">
+          <a:bodyPr vert="horz" lIns="91440" tIns="45720" rIns="91440" bIns="45720" rtlCol="0" anchor="t">
             <a:normAutofit/>
           </a:bodyPr>
           <a:lstStyle/>
@@ -2462,7 +5733,7 @@
               <a:rPr lang="en-US" altLang="zh-CN" smtClean="0"/>
               <a:t>Click to edit Master title style</a:t>
             </a:r>
-            <a:endParaRPr lang="en-US"/>
+            <a:endParaRPr lang="en-US" dirty="0"/>
           </a:p>
         </p:txBody>
       </p:sp>
@@ -2478,8 +5749,8 @@
         </p:nvSpPr>
         <p:spPr>
           <a:xfrm>
-            <a:off x="838200" y="1825625"/>
-            <a:ext cx="10515600" cy="4351338"/>
+            <a:off x="1251678" y="2286001"/>
+            <a:ext cx="10178322" cy="3593591"/>
           </a:xfrm>
           <a:prstGeom prst="rect">
             <a:avLst/>
@@ -2524,7 +5795,7 @@
               <a:rPr lang="en-US" altLang="zh-CN" smtClean="0"/>
               <a:t>Fifth level</a:t>
             </a:r>
-            <a:endParaRPr lang="en-US"/>
+            <a:endParaRPr lang="en-US" dirty="0"/>
           </a:p>
         </p:txBody>
       </p:sp>
@@ -2540,8 +5811,8 @@
         </p:nvSpPr>
         <p:spPr>
           <a:xfrm>
-            <a:off x="838200" y="6356350"/>
-            <a:ext cx="2743200" cy="365125"/>
+            <a:off x="1251678" y="6375679"/>
+            <a:ext cx="2329722" cy="348462"/>
           </a:xfrm>
           <a:prstGeom prst="rect">
             <a:avLst/>
@@ -2554,7 +5825,8 @@
               <a:defRPr sz="1200">
                 <a:solidFill>
                   <a:schemeClr val="tx1">
-                    <a:tint val="75000"/>
+                    <a:lumMod val="65000"/>
+                    <a:lumOff val="35000"/>
                   </a:schemeClr>
                 </a:solidFill>
               </a:defRPr>
@@ -2581,8 +5853,8 @@
         </p:nvSpPr>
         <p:spPr>
           <a:xfrm>
-            <a:off x="4038600" y="6356350"/>
-            <a:ext cx="4114800" cy="365125"/>
+            <a:off x="4038600" y="6375679"/>
+            <a:ext cx="4114800" cy="345796"/>
           </a:xfrm>
           <a:prstGeom prst="rect">
             <a:avLst/>
@@ -2595,7 +5867,8 @@
               <a:defRPr sz="1200">
                 <a:solidFill>
                   <a:schemeClr val="tx1">
-                    <a:tint val="75000"/>
+                    <a:lumMod val="65000"/>
+                    <a:lumOff val="35000"/>
                   </a:schemeClr>
                 </a:solidFill>
               </a:defRPr>
@@ -2618,8 +5891,8 @@
         </p:nvSpPr>
         <p:spPr>
           <a:xfrm>
-            <a:off x="8610600" y="6356350"/>
-            <a:ext cx="2743200" cy="365125"/>
+            <a:off x="8610601" y="6375679"/>
+            <a:ext cx="2819399" cy="345796"/>
           </a:xfrm>
           <a:prstGeom prst="rect">
             <a:avLst/>
@@ -2632,7 +5905,8 @@
               <a:defRPr sz="1200">
                 <a:solidFill>
                   <a:schemeClr val="tx1">
-                    <a:tint val="75000"/>
+                    <a:lumMod val="65000"/>
+                    <a:lumOff val="35000"/>
                   </a:schemeClr>
                 </a:solidFill>
               </a:defRPr>
@@ -2648,26 +5922,528 @@
           </a:p>
         </p:txBody>
       </p:sp>
+      <p:sp>
+        <p:nvSpPr>
+          <p:cNvPr id="11" name="Freeform 6" title="Left scallop edge"/>
+          <p:cNvSpPr/>
+          <p:nvPr/>
+        </p:nvSpPr>
+        <p:spPr bwMode="auto">
+          <a:xfrm>
+            <a:off x="0" y="0"/>
+            <a:ext cx="885825" cy="6858000"/>
+          </a:xfrm>
+          <a:custGeom>
+            <a:avLst/>
+            <a:gdLst/>
+            <a:ahLst/>
+            <a:cxnLst/>
+            <a:rect l="0" t="0" r="r" b="b"/>
+            <a:pathLst>
+              <a:path w="558" h="4320">
+                <a:moveTo>
+                  <a:pt x="0" y="0"/>
+                </a:moveTo>
+                <a:lnTo>
+                  <a:pt x="447" y="0"/>
+                </a:lnTo>
+                <a:lnTo>
+                  <a:pt x="448" y="43"/>
+                </a:lnTo>
+                <a:lnTo>
+                  <a:pt x="453" y="81"/>
+                </a:lnTo>
+                <a:lnTo>
+                  <a:pt x="460" y="114"/>
+                </a:lnTo>
+                <a:lnTo>
+                  <a:pt x="469" y="143"/>
+                </a:lnTo>
+                <a:lnTo>
+                  <a:pt x="479" y="169"/>
+                </a:lnTo>
+                <a:lnTo>
+                  <a:pt x="491" y="192"/>
+                </a:lnTo>
+                <a:lnTo>
+                  <a:pt x="503" y="216"/>
+                </a:lnTo>
+                <a:lnTo>
+                  <a:pt x="515" y="240"/>
+                </a:lnTo>
+                <a:lnTo>
+                  <a:pt x="525" y="263"/>
+                </a:lnTo>
+                <a:lnTo>
+                  <a:pt x="535" y="289"/>
+                </a:lnTo>
+                <a:lnTo>
+                  <a:pt x="545" y="318"/>
+                </a:lnTo>
+                <a:lnTo>
+                  <a:pt x="552" y="351"/>
+                </a:lnTo>
+                <a:lnTo>
+                  <a:pt x="556" y="389"/>
+                </a:lnTo>
+                <a:lnTo>
+                  <a:pt x="558" y="432"/>
+                </a:lnTo>
+                <a:lnTo>
+                  <a:pt x="556" y="475"/>
+                </a:lnTo>
+                <a:lnTo>
+                  <a:pt x="552" y="513"/>
+                </a:lnTo>
+                <a:lnTo>
+                  <a:pt x="545" y="546"/>
+                </a:lnTo>
+                <a:lnTo>
+                  <a:pt x="535" y="575"/>
+                </a:lnTo>
+                <a:lnTo>
+                  <a:pt x="525" y="601"/>
+                </a:lnTo>
+                <a:lnTo>
+                  <a:pt x="515" y="624"/>
+                </a:lnTo>
+                <a:lnTo>
+                  <a:pt x="503" y="648"/>
+                </a:lnTo>
+                <a:lnTo>
+                  <a:pt x="491" y="672"/>
+                </a:lnTo>
+                <a:lnTo>
+                  <a:pt x="479" y="695"/>
+                </a:lnTo>
+                <a:lnTo>
+                  <a:pt x="469" y="721"/>
+                </a:lnTo>
+                <a:lnTo>
+                  <a:pt x="460" y="750"/>
+                </a:lnTo>
+                <a:lnTo>
+                  <a:pt x="453" y="783"/>
+                </a:lnTo>
+                <a:lnTo>
+                  <a:pt x="448" y="821"/>
+                </a:lnTo>
+                <a:lnTo>
+                  <a:pt x="447" y="864"/>
+                </a:lnTo>
+                <a:lnTo>
+                  <a:pt x="448" y="907"/>
+                </a:lnTo>
+                <a:lnTo>
+                  <a:pt x="453" y="945"/>
+                </a:lnTo>
+                <a:lnTo>
+                  <a:pt x="460" y="978"/>
+                </a:lnTo>
+                <a:lnTo>
+                  <a:pt x="469" y="1007"/>
+                </a:lnTo>
+                <a:lnTo>
+                  <a:pt x="479" y="1033"/>
+                </a:lnTo>
+                <a:lnTo>
+                  <a:pt x="491" y="1056"/>
+                </a:lnTo>
+                <a:lnTo>
+                  <a:pt x="503" y="1080"/>
+                </a:lnTo>
+                <a:lnTo>
+                  <a:pt x="515" y="1104"/>
+                </a:lnTo>
+                <a:lnTo>
+                  <a:pt x="525" y="1127"/>
+                </a:lnTo>
+                <a:lnTo>
+                  <a:pt x="535" y="1153"/>
+                </a:lnTo>
+                <a:lnTo>
+                  <a:pt x="545" y="1182"/>
+                </a:lnTo>
+                <a:lnTo>
+                  <a:pt x="552" y="1215"/>
+                </a:lnTo>
+                <a:lnTo>
+                  <a:pt x="556" y="1253"/>
+                </a:lnTo>
+                <a:lnTo>
+                  <a:pt x="558" y="1296"/>
+                </a:lnTo>
+                <a:lnTo>
+                  <a:pt x="556" y="1339"/>
+                </a:lnTo>
+                <a:lnTo>
+                  <a:pt x="552" y="1377"/>
+                </a:lnTo>
+                <a:lnTo>
+                  <a:pt x="545" y="1410"/>
+                </a:lnTo>
+                <a:lnTo>
+                  <a:pt x="535" y="1439"/>
+                </a:lnTo>
+                <a:lnTo>
+                  <a:pt x="525" y="1465"/>
+                </a:lnTo>
+                <a:lnTo>
+                  <a:pt x="515" y="1488"/>
+                </a:lnTo>
+                <a:lnTo>
+                  <a:pt x="503" y="1512"/>
+                </a:lnTo>
+                <a:lnTo>
+                  <a:pt x="491" y="1536"/>
+                </a:lnTo>
+                <a:lnTo>
+                  <a:pt x="479" y="1559"/>
+                </a:lnTo>
+                <a:lnTo>
+                  <a:pt x="469" y="1585"/>
+                </a:lnTo>
+                <a:lnTo>
+                  <a:pt x="460" y="1614"/>
+                </a:lnTo>
+                <a:lnTo>
+                  <a:pt x="453" y="1647"/>
+                </a:lnTo>
+                <a:lnTo>
+                  <a:pt x="448" y="1685"/>
+                </a:lnTo>
+                <a:lnTo>
+                  <a:pt x="447" y="1728"/>
+                </a:lnTo>
+                <a:lnTo>
+                  <a:pt x="448" y="1771"/>
+                </a:lnTo>
+                <a:lnTo>
+                  <a:pt x="453" y="1809"/>
+                </a:lnTo>
+                <a:lnTo>
+                  <a:pt x="460" y="1842"/>
+                </a:lnTo>
+                <a:lnTo>
+                  <a:pt x="469" y="1871"/>
+                </a:lnTo>
+                <a:lnTo>
+                  <a:pt x="479" y="1897"/>
+                </a:lnTo>
+                <a:lnTo>
+                  <a:pt x="491" y="1920"/>
+                </a:lnTo>
+                <a:lnTo>
+                  <a:pt x="503" y="1944"/>
+                </a:lnTo>
+                <a:lnTo>
+                  <a:pt x="515" y="1968"/>
+                </a:lnTo>
+                <a:lnTo>
+                  <a:pt x="525" y="1991"/>
+                </a:lnTo>
+                <a:lnTo>
+                  <a:pt x="535" y="2017"/>
+                </a:lnTo>
+                <a:lnTo>
+                  <a:pt x="545" y="2046"/>
+                </a:lnTo>
+                <a:lnTo>
+                  <a:pt x="552" y="2079"/>
+                </a:lnTo>
+                <a:lnTo>
+                  <a:pt x="556" y="2117"/>
+                </a:lnTo>
+                <a:lnTo>
+                  <a:pt x="558" y="2159"/>
+                </a:lnTo>
+                <a:lnTo>
+                  <a:pt x="556" y="2203"/>
+                </a:lnTo>
+                <a:lnTo>
+                  <a:pt x="552" y="2241"/>
+                </a:lnTo>
+                <a:lnTo>
+                  <a:pt x="545" y="2274"/>
+                </a:lnTo>
+                <a:lnTo>
+                  <a:pt x="535" y="2303"/>
+                </a:lnTo>
+                <a:lnTo>
+                  <a:pt x="525" y="2329"/>
+                </a:lnTo>
+                <a:lnTo>
+                  <a:pt x="515" y="2352"/>
+                </a:lnTo>
+                <a:lnTo>
+                  <a:pt x="503" y="2376"/>
+                </a:lnTo>
+                <a:lnTo>
+                  <a:pt x="491" y="2400"/>
+                </a:lnTo>
+                <a:lnTo>
+                  <a:pt x="479" y="2423"/>
+                </a:lnTo>
+                <a:lnTo>
+                  <a:pt x="469" y="2449"/>
+                </a:lnTo>
+                <a:lnTo>
+                  <a:pt x="460" y="2478"/>
+                </a:lnTo>
+                <a:lnTo>
+                  <a:pt x="453" y="2511"/>
+                </a:lnTo>
+                <a:lnTo>
+                  <a:pt x="448" y="2549"/>
+                </a:lnTo>
+                <a:lnTo>
+                  <a:pt x="447" y="2592"/>
+                </a:lnTo>
+                <a:lnTo>
+                  <a:pt x="448" y="2635"/>
+                </a:lnTo>
+                <a:lnTo>
+                  <a:pt x="453" y="2673"/>
+                </a:lnTo>
+                <a:lnTo>
+                  <a:pt x="460" y="2706"/>
+                </a:lnTo>
+                <a:lnTo>
+                  <a:pt x="469" y="2735"/>
+                </a:lnTo>
+                <a:lnTo>
+                  <a:pt x="479" y="2761"/>
+                </a:lnTo>
+                <a:lnTo>
+                  <a:pt x="491" y="2784"/>
+                </a:lnTo>
+                <a:lnTo>
+                  <a:pt x="515" y="2832"/>
+                </a:lnTo>
+                <a:lnTo>
+                  <a:pt x="525" y="2855"/>
+                </a:lnTo>
+                <a:lnTo>
+                  <a:pt x="535" y="2881"/>
+                </a:lnTo>
+                <a:lnTo>
+                  <a:pt x="545" y="2910"/>
+                </a:lnTo>
+                <a:lnTo>
+                  <a:pt x="552" y="2943"/>
+                </a:lnTo>
+                <a:lnTo>
+                  <a:pt x="556" y="2981"/>
+                </a:lnTo>
+                <a:lnTo>
+                  <a:pt x="558" y="3024"/>
+                </a:lnTo>
+                <a:lnTo>
+                  <a:pt x="556" y="3067"/>
+                </a:lnTo>
+                <a:lnTo>
+                  <a:pt x="552" y="3105"/>
+                </a:lnTo>
+                <a:lnTo>
+                  <a:pt x="545" y="3138"/>
+                </a:lnTo>
+                <a:lnTo>
+                  <a:pt x="535" y="3167"/>
+                </a:lnTo>
+                <a:lnTo>
+                  <a:pt x="525" y="3193"/>
+                </a:lnTo>
+                <a:lnTo>
+                  <a:pt x="515" y="3216"/>
+                </a:lnTo>
+                <a:lnTo>
+                  <a:pt x="503" y="3240"/>
+                </a:lnTo>
+                <a:lnTo>
+                  <a:pt x="491" y="3264"/>
+                </a:lnTo>
+                <a:lnTo>
+                  <a:pt x="479" y="3287"/>
+                </a:lnTo>
+                <a:lnTo>
+                  <a:pt x="469" y="3313"/>
+                </a:lnTo>
+                <a:lnTo>
+                  <a:pt x="460" y="3342"/>
+                </a:lnTo>
+                <a:lnTo>
+                  <a:pt x="453" y="3375"/>
+                </a:lnTo>
+                <a:lnTo>
+                  <a:pt x="448" y="3413"/>
+                </a:lnTo>
+                <a:lnTo>
+                  <a:pt x="447" y="3456"/>
+                </a:lnTo>
+                <a:lnTo>
+                  <a:pt x="448" y="3499"/>
+                </a:lnTo>
+                <a:lnTo>
+                  <a:pt x="453" y="3537"/>
+                </a:lnTo>
+                <a:lnTo>
+                  <a:pt x="460" y="3570"/>
+                </a:lnTo>
+                <a:lnTo>
+                  <a:pt x="469" y="3599"/>
+                </a:lnTo>
+                <a:lnTo>
+                  <a:pt x="479" y="3625"/>
+                </a:lnTo>
+                <a:lnTo>
+                  <a:pt x="491" y="3648"/>
+                </a:lnTo>
+                <a:lnTo>
+                  <a:pt x="503" y="3672"/>
+                </a:lnTo>
+                <a:lnTo>
+                  <a:pt x="515" y="3696"/>
+                </a:lnTo>
+                <a:lnTo>
+                  <a:pt x="525" y="3719"/>
+                </a:lnTo>
+                <a:lnTo>
+                  <a:pt x="535" y="3745"/>
+                </a:lnTo>
+                <a:lnTo>
+                  <a:pt x="545" y="3774"/>
+                </a:lnTo>
+                <a:lnTo>
+                  <a:pt x="552" y="3807"/>
+                </a:lnTo>
+                <a:lnTo>
+                  <a:pt x="556" y="3845"/>
+                </a:lnTo>
+                <a:lnTo>
+                  <a:pt x="558" y="3888"/>
+                </a:lnTo>
+                <a:lnTo>
+                  <a:pt x="556" y="3931"/>
+                </a:lnTo>
+                <a:lnTo>
+                  <a:pt x="552" y="3969"/>
+                </a:lnTo>
+                <a:lnTo>
+                  <a:pt x="545" y="4002"/>
+                </a:lnTo>
+                <a:lnTo>
+                  <a:pt x="535" y="4031"/>
+                </a:lnTo>
+                <a:lnTo>
+                  <a:pt x="525" y="4057"/>
+                </a:lnTo>
+                <a:lnTo>
+                  <a:pt x="515" y="4080"/>
+                </a:lnTo>
+                <a:lnTo>
+                  <a:pt x="503" y="4104"/>
+                </a:lnTo>
+                <a:lnTo>
+                  <a:pt x="491" y="4128"/>
+                </a:lnTo>
+                <a:lnTo>
+                  <a:pt x="479" y="4151"/>
+                </a:lnTo>
+                <a:lnTo>
+                  <a:pt x="469" y="4177"/>
+                </a:lnTo>
+                <a:lnTo>
+                  <a:pt x="460" y="4206"/>
+                </a:lnTo>
+                <a:lnTo>
+                  <a:pt x="453" y="4239"/>
+                </a:lnTo>
+                <a:lnTo>
+                  <a:pt x="448" y="4277"/>
+                </a:lnTo>
+                <a:lnTo>
+                  <a:pt x="447" y="4320"/>
+                </a:lnTo>
+                <a:lnTo>
+                  <a:pt x="0" y="4320"/>
+                </a:lnTo>
+                <a:lnTo>
+                  <a:pt x="0" y="0"/>
+                </a:lnTo>
+                <a:close/>
+              </a:path>
+            </a:pathLst>
+          </a:custGeom>
+          <a:solidFill>
+            <a:schemeClr val="tx2"/>
+          </a:solidFill>
+          <a:ln w="0">
+            <a:noFill/>
+            <a:prstDash val="solid"/>
+            <a:round/>
+            <a:headEnd/>
+            <a:tailEnd/>
+          </a:ln>
+        </p:spPr>
+      </p:sp>
+      <p:sp>
+        <p:nvSpPr>
+          <p:cNvPr id="12" name="Rectangle 11" title="right edge border"/>
+          <p:cNvSpPr/>
+          <p:nvPr/>
+        </p:nvSpPr>
+        <p:spPr>
+          <a:xfrm>
+            <a:off x="11908536" y="0"/>
+            <a:ext cx="283464" cy="6858000"/>
+          </a:xfrm>
+          <a:prstGeom prst="rect">
+            <a:avLst/>
+          </a:prstGeom>
+          <a:solidFill>
+            <a:schemeClr val="accent1"/>
+          </a:solidFill>
+          <a:ln>
+            <a:noFill/>
+          </a:ln>
+        </p:spPr>
+        <p:style>
+          <a:lnRef idx="2">
+            <a:schemeClr val="accent1">
+              <a:shade val="50000"/>
+            </a:schemeClr>
+          </a:lnRef>
+          <a:fillRef idx="1">
+            <a:schemeClr val="accent1"/>
+          </a:fillRef>
+          <a:effectRef idx="0">
+            <a:schemeClr val="accent1"/>
+          </a:effectRef>
+          <a:fontRef idx="minor">
+            <a:schemeClr val="lt1"/>
+          </a:fontRef>
+        </p:style>
+      </p:sp>
     </p:spTree>
     <p:extLst>
       <p:ext uri="{BB962C8B-B14F-4D97-AF65-F5344CB8AC3E}">
-        <p14:creationId xmlns:p14="http://schemas.microsoft.com/office/powerpoint/2010/main" val="1796213737"/>
+        <p14:creationId xmlns:p14="http://schemas.microsoft.com/office/powerpoint/2010/main" val="1374623284"/>
       </p:ext>
     </p:extLst>
   </p:cSld>
   <p:clrMap bg1="lt1" tx1="dk1" bg2="lt2" tx2="dk2" accent1="accent1" accent2="accent2" accent3="accent3" accent4="accent4" accent5="accent5" accent6="accent6" hlink="hlink" folHlink="folHlink"/>
   <p:sldLayoutIdLst>
-    <p:sldLayoutId id="2147484016" r:id="rId1"/>
-    <p:sldLayoutId id="2147484017" r:id="rId2"/>
-    <p:sldLayoutId id="2147484018" r:id="rId3"/>
-    <p:sldLayoutId id="2147484019" r:id="rId4"/>
-    <p:sldLayoutId id="2147484020" r:id="rId5"/>
-    <p:sldLayoutId id="2147484021" r:id="rId6"/>
-    <p:sldLayoutId id="2147484022" r:id="rId7"/>
-    <p:sldLayoutId id="2147484023" r:id="rId8"/>
-    <p:sldLayoutId id="2147484024" r:id="rId9"/>
-    <p:sldLayoutId id="2147484025" r:id="rId10"/>
-    <p:sldLayoutId id="2147484026" r:id="rId11"/>
+    <p:sldLayoutId id="2147484088" r:id="rId1"/>
+    <p:sldLayoutId id="2147484089" r:id="rId2"/>
+    <p:sldLayoutId id="2147484090" r:id="rId3"/>
+    <p:sldLayoutId id="2147484091" r:id="rId4"/>
+    <p:sldLayoutId id="2147484092" r:id="rId5"/>
+    <p:sldLayoutId id="2147484093" r:id="rId6"/>
+    <p:sldLayoutId id="2147484094" r:id="rId7"/>
+    <p:sldLayoutId id="2147484095" r:id="rId8"/>
+    <p:sldLayoutId id="2147484096" r:id="rId9"/>
+    <p:sldLayoutId id="2147484097" r:id="rId10"/>
+    <p:sldLayoutId id="2147484098" r:id="rId11"/>
   </p:sldLayoutIdLst>
   <p:hf sldNum="0" hdr="0" ftr="0" dt="0"/>
   <p:txStyles>
@@ -2680,9 +6456,9 @@
           <a:spcPct val="0"/>
         </a:spcBef>
         <a:buNone/>
-        <a:defRPr sz="4400" kern="1200">
+        <a:defRPr sz="5100" kern="1200" cap="all" spc="200" baseline="0">
           <a:solidFill>
-            <a:schemeClr val="tx1"/>
+            <a:schemeClr val="tx2"/>
           </a:solidFill>
           <a:latin typeface="+mj-lt"/>
           <a:ea typeface="+mj-ea"/>
@@ -2693,16 +6469,22 @@
     <p:bodyStyle>
       <a:lvl1pPr marL="228600" indent="-228600" algn="l" defTabSz="914400" rtl="0" eaLnBrk="1" latinLnBrk="0" hangingPunct="1">
         <a:lnSpc>
-          <a:spcPct val="90000"/>
+          <a:spcPct val="110000"/>
         </a:lnSpc>
         <a:spcBef>
-          <a:spcPts val="1000"/>
+          <a:spcPts val="700"/>
         </a:spcBef>
-        <a:buFont typeface="Arial"/>
+        <a:buClr>
+          <a:schemeClr val="tx2"/>
+        </a:buClr>
+        <a:buFont typeface="Arial" panose="020B0604020202020204" pitchFamily="34" charset="0"/>
         <a:buChar char="•"/>
-        <a:defRPr sz="2800" kern="1200">
+        <a:defRPr sz="2000" kern="1200">
           <a:solidFill>
-            <a:schemeClr val="tx1"/>
+            <a:schemeClr val="tx1">
+              <a:lumMod val="65000"/>
+              <a:lumOff val="35000"/>
+            </a:schemeClr>
           </a:solidFill>
           <a:latin typeface="+mn-lt"/>
           <a:ea typeface="+mn-ea"/>
@@ -2711,16 +6493,22 @@
       </a:lvl1pPr>
       <a:lvl2pPr marL="685800" indent="-228600" algn="l" defTabSz="914400" rtl="0" eaLnBrk="1" latinLnBrk="0" hangingPunct="1">
         <a:lnSpc>
-          <a:spcPct val="90000"/>
+          <a:spcPct val="110000"/>
         </a:lnSpc>
         <a:spcBef>
-          <a:spcPts val="500"/>
+          <a:spcPts val="700"/>
         </a:spcBef>
-        <a:buFont typeface="Arial"/>
-        <a:buChar char="•"/>
-        <a:defRPr sz="2400" kern="1200">
+        <a:buClr>
+          <a:schemeClr val="tx2"/>
+        </a:buClr>
+        <a:buFont typeface="Gill Sans MT" panose="020B0502020104020203" pitchFamily="34" charset="0"/>
+        <a:buChar char="–"/>
+        <a:defRPr sz="1800" kern="1200">
           <a:solidFill>
-            <a:schemeClr val="tx1"/>
+            <a:schemeClr val="tx1">
+              <a:lumMod val="65000"/>
+              <a:lumOff val="35000"/>
+            </a:schemeClr>
           </a:solidFill>
           <a:latin typeface="+mn-lt"/>
           <a:ea typeface="+mn-ea"/>
@@ -2729,16 +6517,22 @@
       </a:lvl2pPr>
       <a:lvl3pPr marL="1143000" indent="-228600" algn="l" defTabSz="914400" rtl="0" eaLnBrk="1" latinLnBrk="0" hangingPunct="1">
         <a:lnSpc>
-          <a:spcPct val="90000"/>
+          <a:spcPct val="110000"/>
         </a:lnSpc>
         <a:spcBef>
-          <a:spcPts val="500"/>
+          <a:spcPts val="700"/>
         </a:spcBef>
-        <a:buFont typeface="Arial"/>
+        <a:buClr>
+          <a:schemeClr val="tx2"/>
+        </a:buClr>
+        <a:buFont typeface="Arial" panose="020B0604020202020204" pitchFamily="34" charset="0"/>
         <a:buChar char="•"/>
-        <a:defRPr sz="2000" kern="1200">
+        <a:defRPr sz="1600" kern="1200">
           <a:solidFill>
-            <a:schemeClr val="tx1"/>
+            <a:schemeClr val="tx1">
+              <a:lumMod val="65000"/>
+              <a:lumOff val="35000"/>
+            </a:schemeClr>
           </a:solidFill>
           <a:latin typeface="+mn-lt"/>
           <a:ea typeface="+mn-ea"/>
@@ -2747,16 +6541,22 @@
       </a:lvl3pPr>
       <a:lvl4pPr marL="1600200" indent="-228600" algn="l" defTabSz="914400" rtl="0" eaLnBrk="1" latinLnBrk="0" hangingPunct="1">
         <a:lnSpc>
-          <a:spcPct val="90000"/>
+          <a:spcPct val="110000"/>
         </a:lnSpc>
         <a:spcBef>
-          <a:spcPts val="500"/>
+          <a:spcPts val="700"/>
         </a:spcBef>
-        <a:buFont typeface="Arial"/>
-        <a:buChar char="•"/>
-        <a:defRPr sz="1800" kern="1200">
+        <a:buClr>
+          <a:schemeClr val="tx2"/>
+        </a:buClr>
+        <a:buFont typeface="Gill Sans MT" panose="020B0502020104020203" pitchFamily="34" charset="0"/>
+        <a:buChar char="–"/>
+        <a:defRPr sz="1400" kern="1200">
           <a:solidFill>
-            <a:schemeClr val="tx1"/>
+            <a:schemeClr val="tx1">
+              <a:lumMod val="65000"/>
+              <a:lumOff val="35000"/>
+            </a:schemeClr>
           </a:solidFill>
           <a:latin typeface="+mn-lt"/>
           <a:ea typeface="+mn-ea"/>
@@ -2765,88 +6565,118 @@
       </a:lvl4pPr>
       <a:lvl5pPr marL="2057400" indent="-228600" algn="l" defTabSz="914400" rtl="0" eaLnBrk="1" latinLnBrk="0" hangingPunct="1">
         <a:lnSpc>
-          <a:spcPct val="90000"/>
+          <a:spcPct val="110000"/>
         </a:lnSpc>
         <a:spcBef>
-          <a:spcPts val="500"/>
+          <a:spcPts val="700"/>
         </a:spcBef>
-        <a:buFont typeface="Arial"/>
+        <a:buClr>
+          <a:schemeClr val="tx2"/>
+        </a:buClr>
+        <a:buFont typeface="Arial" panose="020B0604020202020204" pitchFamily="34" charset="0"/>
         <a:buChar char="•"/>
-        <a:defRPr sz="1800" kern="1200">
+        <a:defRPr sz="1400" kern="1200">
           <a:solidFill>
-            <a:schemeClr val="tx1"/>
+            <a:schemeClr val="tx1">
+              <a:lumMod val="65000"/>
+              <a:lumOff val="35000"/>
+            </a:schemeClr>
           </a:solidFill>
           <a:latin typeface="+mn-lt"/>
           <a:ea typeface="+mn-ea"/>
           <a:cs typeface="+mn-cs"/>
         </a:defRPr>
       </a:lvl5pPr>
-      <a:lvl6pPr marL="2514600" indent="-228600" algn="l" defTabSz="914400" rtl="0" eaLnBrk="1" latinLnBrk="0" hangingPunct="1">
+      <a:lvl6pPr marL="2057400" indent="-228600" algn="l" defTabSz="914400" rtl="0" eaLnBrk="1" latinLnBrk="0" hangingPunct="1">
         <a:lnSpc>
-          <a:spcPct val="90000"/>
+          <a:spcPct val="110000"/>
         </a:lnSpc>
         <a:spcBef>
-          <a:spcPts val="500"/>
+          <a:spcPts val="700"/>
         </a:spcBef>
-        <a:buFont typeface="Arial"/>
-        <a:buChar char="•"/>
-        <a:defRPr sz="1800" kern="1200">
+        <a:buClr>
+          <a:schemeClr val="tx2"/>
+        </a:buClr>
+        <a:buFont typeface="Gill Sans MT" panose="020B0502020104020203" pitchFamily="34" charset="0"/>
+        <a:buChar char="–"/>
+        <a:defRPr sz="1400" kern="1200">
           <a:solidFill>
-            <a:schemeClr val="tx1"/>
+            <a:schemeClr val="tx1">
+              <a:lumMod val="65000"/>
+              <a:lumOff val="35000"/>
+            </a:schemeClr>
           </a:solidFill>
           <a:latin typeface="+mn-lt"/>
           <a:ea typeface="+mn-ea"/>
           <a:cs typeface="+mn-cs"/>
         </a:defRPr>
       </a:lvl6pPr>
-      <a:lvl7pPr marL="2971800" indent="-228600" algn="l" defTabSz="914400" rtl="0" eaLnBrk="1" latinLnBrk="0" hangingPunct="1">
+      <a:lvl7pPr marL="2057400" indent="-228600" algn="l" defTabSz="914400" rtl="0" eaLnBrk="1" latinLnBrk="0" hangingPunct="1">
         <a:lnSpc>
-          <a:spcPct val="90000"/>
+          <a:spcPct val="110000"/>
         </a:lnSpc>
         <a:spcBef>
-          <a:spcPts val="500"/>
+          <a:spcPts val="700"/>
         </a:spcBef>
-        <a:buFont typeface="Arial"/>
+        <a:buClr>
+          <a:schemeClr val="tx2"/>
+        </a:buClr>
+        <a:buFont typeface="Arial" panose="020B0604020202020204" pitchFamily="34" charset="0"/>
         <a:buChar char="•"/>
-        <a:defRPr sz="1800" kern="1200">
+        <a:defRPr sz="1400" kern="1200">
           <a:solidFill>
-            <a:schemeClr val="tx1"/>
+            <a:schemeClr val="tx1">
+              <a:lumMod val="65000"/>
+              <a:lumOff val="35000"/>
+            </a:schemeClr>
           </a:solidFill>
           <a:latin typeface="+mn-lt"/>
           <a:ea typeface="+mn-ea"/>
           <a:cs typeface="+mn-cs"/>
         </a:defRPr>
       </a:lvl7pPr>
-      <a:lvl8pPr marL="3429000" indent="-228600" algn="l" defTabSz="914400" rtl="0" eaLnBrk="1" latinLnBrk="0" hangingPunct="1">
+      <a:lvl8pPr marL="2057400" indent="-228600" algn="l" defTabSz="914400" rtl="0" eaLnBrk="1" latinLnBrk="0" hangingPunct="1">
         <a:lnSpc>
-          <a:spcPct val="90000"/>
+          <a:spcPct val="110000"/>
         </a:lnSpc>
         <a:spcBef>
-          <a:spcPts val="500"/>
+          <a:spcPts val="700"/>
         </a:spcBef>
-        <a:buFont typeface="Arial"/>
-        <a:buChar char="•"/>
-        <a:defRPr sz="1800" kern="1200">
+        <a:buClr>
+          <a:schemeClr val="tx2"/>
+        </a:buClr>
+        <a:buFont typeface="Gill Sans MT" panose="020B0502020104020203" pitchFamily="34" charset="0"/>
+        <a:buChar char="–"/>
+        <a:defRPr sz="1400" kern="1200" baseline="0">
           <a:solidFill>
-            <a:schemeClr val="tx1"/>
+            <a:schemeClr val="tx1">
+              <a:lumMod val="65000"/>
+              <a:lumOff val="35000"/>
+            </a:schemeClr>
           </a:solidFill>
           <a:latin typeface="+mn-lt"/>
           <a:ea typeface="+mn-ea"/>
           <a:cs typeface="+mn-cs"/>
         </a:defRPr>
       </a:lvl8pPr>
-      <a:lvl9pPr marL="3886200" indent="-228600" algn="l" defTabSz="914400" rtl="0" eaLnBrk="1" latinLnBrk="0" hangingPunct="1">
+      <a:lvl9pPr marL="2057400" indent="-228600" algn="l" defTabSz="914400" rtl="0" eaLnBrk="1" latinLnBrk="0" hangingPunct="1">
         <a:lnSpc>
-          <a:spcPct val="90000"/>
+          <a:spcPct val="110000"/>
         </a:lnSpc>
         <a:spcBef>
-          <a:spcPts val="500"/>
+          <a:spcPts val="700"/>
         </a:spcBef>
-        <a:buFont typeface="Arial"/>
+        <a:buClr>
+          <a:schemeClr val="tx2"/>
+        </a:buClr>
+        <a:buFont typeface="Arial" panose="020B0604020202020204" pitchFamily="34" charset="0"/>
         <a:buChar char="•"/>
-        <a:defRPr sz="1800" kern="1200">
+        <a:defRPr sz="1400" kern="1200" baseline="0">
           <a:solidFill>
-            <a:schemeClr val="tx1"/>
+            <a:schemeClr val="tx1">
+              <a:lumMod val="65000"/>
+              <a:lumOff val="35000"/>
+            </a:schemeClr>
           </a:solidFill>
           <a:latin typeface="+mn-lt"/>
           <a:ea typeface="+mn-ea"/>
@@ -2950,9 +6780,40 @@
       </a:lvl9pPr>
     </p:otherStyle>
   </p:txStyles>
-  <p:extLst>
+  <p:extLst mod="1">
     <p:ext uri="{27BBF7A9-308A-43DC-89C8-2F10F3537804}">
-      <p15:sldGuideLst xmlns:p15="http://schemas.microsoft.com/office/powerpoint/2012/main"/>
+      <p15:sldGuideLst xmlns:p15="http://schemas.microsoft.com/office/powerpoint/2012/main">
+        <p15:guide id="1" pos="792">
+          <p15:clr>
+            <a:srgbClr val="F26B43"/>
+          </p15:clr>
+        </p15:guide>
+        <p15:guide id="2" pos="7200">
+          <p15:clr>
+            <a:srgbClr val="F26B43"/>
+          </p15:clr>
+        </p15:guide>
+        <p15:guide id="3" orient="horz" pos="4008">
+          <p15:clr>
+            <a:srgbClr val="F26B43"/>
+          </p15:clr>
+        </p15:guide>
+        <p15:guide id="4" orient="horz" pos="1440">
+          <p15:clr>
+            <a:srgbClr val="F26B43"/>
+          </p15:clr>
+        </p15:guide>
+        <p15:guide id="5" orient="horz" pos="3720">
+          <p15:clr>
+            <a:srgbClr val="F26B43"/>
+          </p15:clr>
+        </p15:guide>
+        <p15:guide id="6" orient="horz" pos="240">
+          <p15:clr>
+            <a:srgbClr val="F26B43"/>
+          </p15:clr>
+        </p15:guide>
+      </p15:sldGuideLst>
     </p:ext>
   </p:extLst>
 </p:sldMaster>
@@ -2975,6 +6836,32 @@
           <a:chExt cx="0" cy="0"/>
         </a:xfrm>
       </p:grpSpPr>
+      <p:pic>
+        <p:nvPicPr>
+          <p:cNvPr id="5" name="Picture 4"/>
+          <p:cNvPicPr>
+            <a:picLocks noChangeAspect="1"/>
+          </p:cNvPicPr>
+          <p:nvPr/>
+        </p:nvPicPr>
+        <p:blipFill>
+          <a:blip r:embed="rId2">
+            <a:alphaModFix amt="13000"/>
+          </a:blip>
+          <a:stretch>
+            <a:fillRect/>
+          </a:stretch>
+        </p:blipFill>
+        <p:spPr>
+          <a:xfrm>
+            <a:off x="6760395" y="781909"/>
+            <a:ext cx="4532993" cy="2561048"/>
+          </a:xfrm>
+          <a:prstGeom prst="rect">
+            <a:avLst/>
+          </a:prstGeom>
+        </p:spPr>
+      </p:pic>
       <p:sp>
         <p:nvSpPr>
           <p:cNvPr id="2" name="Title 1"/>
@@ -2987,7 +6874,7 @@
         </p:nvSpPr>
         <p:spPr>
           <a:xfrm>
-            <a:off x="1664413" y="2522212"/>
+            <a:off x="1584403" y="2522212"/>
             <a:ext cx="9667982" cy="1641490"/>
           </a:xfrm>
         </p:spPr>
@@ -2998,7 +6885,7 @@
           <a:lstStyle/>
           <a:p>
             <a:r>
-              <a:rPr lang="en-US" altLang="zh-CN" sz="5400" dirty="0" err="1" smtClean="0"/>
+              <a:rPr lang="en-US" altLang="zh-CN" sz="5400" dirty="0" smtClean="0"/>
               <a:t>Variational</a:t>
             </a:r>
             <a:r>
@@ -3007,34 +6894,15 @@
             </a:r>
             <a:r>
               <a:rPr lang="en-US" altLang="zh-CN" sz="5400" dirty="0" smtClean="0"/>
-              <a:t>Nested</a:t>
+              <a:t>Conversation</a:t>
             </a:r>
             <a:r>
               <a:rPr lang="zh-CN" altLang="en-US" sz="5400" dirty="0" smtClean="0"/>
               <a:t> </a:t>
             </a:r>
-            <a:br>
-              <a:rPr lang="zh-CN" altLang="en-US" sz="5400" dirty="0" smtClean="0"/>
-            </a:br>
             <a:r>
               <a:rPr lang="en-US" altLang="zh-CN" sz="5400" dirty="0" smtClean="0"/>
-              <a:t>Recurrent</a:t>
-            </a:r>
-            <a:r>
-              <a:rPr lang="zh-CN" altLang="en-US" sz="5400" dirty="0" smtClean="0"/>
-              <a:t> </a:t>
-            </a:r>
-            <a:r>
-              <a:rPr lang="en-US" altLang="zh-CN" sz="5400" dirty="0" smtClean="0"/>
-              <a:t>Neural</a:t>
-            </a:r>
-            <a:r>
-              <a:rPr lang="zh-CN" altLang="en-US" sz="5400" dirty="0" smtClean="0"/>
-              <a:t> </a:t>
-            </a:r>
-            <a:r>
-              <a:rPr lang="en-US" altLang="zh-CN" sz="5400" dirty="0" smtClean="0"/>
-              <a:t>Network</a:t>
+              <a:t>model</a:t>
             </a:r>
             <a:endParaRPr lang="en-US" sz="5400" dirty="0"/>
           </a:p>
@@ -3052,7 +6920,7 @@
         </p:nvSpPr>
         <p:spPr>
           <a:xfrm>
-            <a:off x="2188395" y="4464937"/>
+            <a:off x="2188395" y="4876417"/>
             <a:ext cx="9144000" cy="754025"/>
           </a:xfrm>
         </p:spPr>
@@ -3112,10 +6980,656 @@
           </a:p>
         </p:txBody>
       </p:sp>
+      <p:pic>
+        <p:nvPicPr>
+          <p:cNvPr id="4" name="Picture 3"/>
+          <p:cNvPicPr>
+            <a:picLocks noChangeAspect="1"/>
+          </p:cNvPicPr>
+          <p:nvPr/>
+        </p:nvPicPr>
+        <p:blipFill>
+          <a:blip r:embed="rId3">
+            <a:alphaModFix amt="63000"/>
+          </a:blip>
+          <a:stretch>
+            <a:fillRect/>
+          </a:stretch>
+        </p:blipFill>
+        <p:spPr>
+          <a:xfrm>
+            <a:off x="892995" y="1216621"/>
+            <a:ext cx="5867400" cy="2618783"/>
+          </a:xfrm>
+          <a:prstGeom prst="rect">
+            <a:avLst/>
+          </a:prstGeom>
+          <a:scene3d>
+            <a:camera prst="orthographicFront">
+              <a:rot lat="0" lon="0" rev="1200000"/>
+            </a:camera>
+            <a:lightRig rig="threePt" dir="t"/>
+          </a:scene3d>
+        </p:spPr>
+      </p:pic>
     </p:spTree>
     <p:extLst>
       <p:ext uri="{BB962C8B-B14F-4D97-AF65-F5344CB8AC3E}">
         <p14:creationId xmlns:p14="http://schemas.microsoft.com/office/powerpoint/2010/main" val="1485129222"/>
+      </p:ext>
+    </p:extLst>
+  </p:cSld>
+  <p:clrMapOvr>
+    <a:masterClrMapping/>
+  </p:clrMapOvr>
+  <p:timing>
+    <p:tnLst>
+      <p:par>
+        <p:cTn id="1" dur="indefinite" restart="never" nodeType="tmRoot"/>
+      </p:par>
+    </p:tnLst>
+  </p:timing>
+</p:sld>
+</file>
+
+<file path=ppt/slides/slide10.xml><?xml version="1.0" encoding="utf-8"?>
+<p:sld xmlns:a="http://schemas.openxmlformats.org/drawingml/2006/main" xmlns:r="http://schemas.openxmlformats.org/officeDocument/2006/relationships" xmlns:p="http://schemas.openxmlformats.org/presentationml/2006/main">
+  <p:cSld>
+    <p:spTree>
+      <p:nvGrpSpPr>
+        <p:cNvPr id="1" name=""/>
+        <p:cNvGrpSpPr/>
+        <p:nvPr/>
+      </p:nvGrpSpPr>
+      <p:grpSpPr>
+        <a:xfrm>
+          <a:off x="0" y="0"/>
+          <a:ext cx="0" cy="0"/>
+          <a:chOff x="0" y="0"/>
+          <a:chExt cx="0" cy="0"/>
+        </a:xfrm>
+      </p:grpSpPr>
+      <p:sp>
+        <p:nvSpPr>
+          <p:cNvPr id="2" name="Title 1"/>
+          <p:cNvSpPr>
+            <a:spLocks noGrp="1"/>
+          </p:cNvSpPr>
+          <p:nvPr>
+            <p:ph type="title"/>
+          </p:nvPr>
+        </p:nvSpPr>
+        <p:spPr/>
+        <p:txBody>
+          <a:bodyPr/>
+          <a:lstStyle/>
+          <a:p>
+            <a:endParaRPr lang="en-US"/>
+          </a:p>
+        </p:txBody>
+      </p:sp>
+      <p:sp>
+        <p:nvSpPr>
+          <p:cNvPr id="3" name="Content Placeholder 2"/>
+          <p:cNvSpPr>
+            <a:spLocks noGrp="1"/>
+          </p:cNvSpPr>
+          <p:nvPr>
+            <p:ph idx="1"/>
+          </p:nvPr>
+        </p:nvSpPr>
+        <p:spPr/>
+        <p:txBody>
+          <a:bodyPr/>
+          <a:lstStyle/>
+          <a:p>
+            <a:endParaRPr lang="en-US"/>
+          </a:p>
+        </p:txBody>
+      </p:sp>
+    </p:spTree>
+    <p:extLst>
+      <p:ext uri="{BB962C8B-B14F-4D97-AF65-F5344CB8AC3E}">
+        <p14:creationId xmlns:p14="http://schemas.microsoft.com/office/powerpoint/2010/main" val="1365563805"/>
+      </p:ext>
+    </p:extLst>
+  </p:cSld>
+  <p:clrMapOvr>
+    <a:masterClrMapping/>
+  </p:clrMapOvr>
+  <p:timing>
+    <p:tnLst>
+      <p:par>
+        <p:cTn id="1" dur="indefinite" restart="never" nodeType="tmRoot"/>
+      </p:par>
+    </p:tnLst>
+  </p:timing>
+</p:sld>
+</file>
+
+<file path=ppt/slides/slide11.xml><?xml version="1.0" encoding="utf-8"?>
+<p:sld xmlns:a="http://schemas.openxmlformats.org/drawingml/2006/main" xmlns:r="http://schemas.openxmlformats.org/officeDocument/2006/relationships" xmlns:p="http://schemas.openxmlformats.org/presentationml/2006/main">
+  <p:cSld>
+    <p:spTree>
+      <p:nvGrpSpPr>
+        <p:cNvPr id="1" name=""/>
+        <p:cNvGrpSpPr/>
+        <p:nvPr/>
+      </p:nvGrpSpPr>
+      <p:grpSpPr>
+        <a:xfrm>
+          <a:off x="0" y="0"/>
+          <a:ext cx="0" cy="0"/>
+          <a:chOff x="0" y="0"/>
+          <a:chExt cx="0" cy="0"/>
+        </a:xfrm>
+      </p:grpSpPr>
+      <p:sp>
+        <p:nvSpPr>
+          <p:cNvPr id="2" name="Title 1"/>
+          <p:cNvSpPr>
+            <a:spLocks noGrp="1"/>
+          </p:cNvSpPr>
+          <p:nvPr>
+            <p:ph type="title"/>
+          </p:nvPr>
+        </p:nvSpPr>
+        <p:spPr>
+          <a:xfrm>
+            <a:off x="4529268" y="2923705"/>
+            <a:ext cx="3569704" cy="1492132"/>
+          </a:xfrm>
+        </p:spPr>
+        <p:txBody>
+          <a:bodyPr/>
+          <a:lstStyle/>
+          <a:p>
+            <a:r>
+              <a:rPr lang="en-US" altLang="zh-CN" dirty="0" err="1" smtClean="0"/>
+              <a:t>DeMo</a:t>
+            </a:r>
+            <a:r>
+              <a:rPr lang="zh-CN" altLang="en-US" dirty="0" smtClean="0"/>
+              <a:t> </a:t>
+            </a:r>
+            <a:r>
+              <a:rPr lang="en-US" altLang="zh-CN" dirty="0" smtClean="0"/>
+              <a:t>time!</a:t>
+            </a:r>
+            <a:endParaRPr lang="en-US" dirty="0"/>
+          </a:p>
+        </p:txBody>
+      </p:sp>
+    </p:spTree>
+    <p:extLst>
+      <p:ext uri="{BB962C8B-B14F-4D97-AF65-F5344CB8AC3E}">
+        <p14:creationId xmlns:p14="http://schemas.microsoft.com/office/powerpoint/2010/main" val="888186204"/>
+      </p:ext>
+    </p:extLst>
+  </p:cSld>
+  <p:clrMapOvr>
+    <a:masterClrMapping/>
+  </p:clrMapOvr>
+  <p:timing>
+    <p:tnLst>
+      <p:par>
+        <p:cTn id="1" dur="indefinite" restart="never" nodeType="tmRoot"/>
+      </p:par>
+    </p:tnLst>
+  </p:timing>
+</p:sld>
+</file>
+
+<file path=ppt/slides/slide12.xml><?xml version="1.0" encoding="utf-8"?>
+<p:sld xmlns:a="http://schemas.openxmlformats.org/drawingml/2006/main" xmlns:r="http://schemas.openxmlformats.org/officeDocument/2006/relationships" xmlns:p="http://schemas.openxmlformats.org/presentationml/2006/main">
+  <p:cSld>
+    <p:spTree>
+      <p:nvGrpSpPr>
+        <p:cNvPr id="1" name=""/>
+        <p:cNvGrpSpPr/>
+        <p:nvPr/>
+      </p:nvGrpSpPr>
+      <p:grpSpPr>
+        <a:xfrm>
+          <a:off x="0" y="0"/>
+          <a:ext cx="0" cy="0"/>
+          <a:chOff x="0" y="0"/>
+          <a:chExt cx="0" cy="0"/>
+        </a:xfrm>
+      </p:grpSpPr>
+      <p:sp>
+        <p:nvSpPr>
+          <p:cNvPr id="2" name="Title 1"/>
+          <p:cNvSpPr>
+            <a:spLocks noGrp="1"/>
+          </p:cNvSpPr>
+          <p:nvPr>
+            <p:ph type="title"/>
+          </p:nvPr>
+        </p:nvSpPr>
+        <p:spPr/>
+        <p:txBody>
+          <a:bodyPr/>
+          <a:lstStyle/>
+          <a:p>
+            <a:r>
+              <a:rPr lang="en-US" altLang="zh-CN" dirty="0" smtClean="0"/>
+              <a:t>existing</a:t>
+            </a:r>
+            <a:r>
+              <a:rPr lang="zh-CN" altLang="en-US" dirty="0" smtClean="0"/>
+              <a:t> </a:t>
+            </a:r>
+            <a:r>
+              <a:rPr lang="en-US" altLang="zh-CN" dirty="0" smtClean="0"/>
+              <a:t>PROBLEM</a:t>
+            </a:r>
+            <a:endParaRPr lang="en-US" dirty="0"/>
+          </a:p>
+        </p:txBody>
+      </p:sp>
+      <p:sp>
+        <p:nvSpPr>
+          <p:cNvPr id="3" name="Content Placeholder 2"/>
+          <p:cNvSpPr>
+            <a:spLocks noGrp="1"/>
+          </p:cNvSpPr>
+          <p:nvPr>
+            <p:ph idx="1"/>
+          </p:nvPr>
+        </p:nvSpPr>
+        <p:spPr/>
+        <p:txBody>
+          <a:bodyPr/>
+          <a:lstStyle/>
+          <a:p>
+            <a:r>
+              <a:rPr lang="en-US" altLang="zh-CN" dirty="0" smtClean="0"/>
+              <a:t>KL</a:t>
+            </a:r>
+            <a:r>
+              <a:rPr lang="zh-CN" altLang="en-US" dirty="0" smtClean="0"/>
+              <a:t> </a:t>
+            </a:r>
+            <a:r>
+              <a:rPr lang="en-US" altLang="zh-CN" dirty="0" smtClean="0"/>
+              <a:t>loss</a:t>
+            </a:r>
+            <a:r>
+              <a:rPr lang="zh-CN" altLang="en-US" dirty="0" smtClean="0"/>
+              <a:t> </a:t>
+            </a:r>
+            <a:r>
+              <a:rPr lang="en-US" altLang="zh-CN" dirty="0" smtClean="0"/>
+              <a:t>is</a:t>
+            </a:r>
+            <a:r>
+              <a:rPr lang="zh-CN" altLang="en-US" dirty="0" smtClean="0"/>
+              <a:t> </a:t>
+            </a:r>
+            <a:r>
+              <a:rPr lang="en-US" altLang="zh-CN" dirty="0" smtClean="0"/>
+              <a:t>so</a:t>
+            </a:r>
+            <a:r>
+              <a:rPr lang="zh-CN" altLang="en-US" dirty="0" smtClean="0"/>
+              <a:t> </a:t>
+            </a:r>
+            <a:r>
+              <a:rPr lang="en-US" altLang="zh-CN" dirty="0" smtClean="0"/>
+              <a:t>easy</a:t>
+            </a:r>
+            <a:r>
+              <a:rPr lang="zh-CN" altLang="en-US" dirty="0" smtClean="0"/>
+              <a:t> </a:t>
+            </a:r>
+            <a:r>
+              <a:rPr lang="en-US" altLang="zh-CN" dirty="0" smtClean="0"/>
+              <a:t>to</a:t>
+            </a:r>
+            <a:r>
+              <a:rPr lang="zh-CN" altLang="en-US" dirty="0" smtClean="0"/>
+              <a:t> </a:t>
+            </a:r>
+            <a:r>
+              <a:rPr lang="en-US" altLang="zh-CN" dirty="0" smtClean="0"/>
+              <a:t>be</a:t>
+            </a:r>
+            <a:r>
+              <a:rPr lang="zh-CN" altLang="en-US" dirty="0" smtClean="0"/>
+              <a:t> </a:t>
+            </a:r>
+            <a:r>
+              <a:rPr lang="en-US" altLang="zh-CN" dirty="0" smtClean="0"/>
+              <a:t>pushed</a:t>
+            </a:r>
+            <a:r>
+              <a:rPr lang="zh-CN" altLang="en-US" dirty="0" smtClean="0"/>
+              <a:t> </a:t>
+            </a:r>
+            <a:r>
+              <a:rPr lang="en-US" altLang="zh-CN" dirty="0" smtClean="0"/>
+              <a:t>to</a:t>
+            </a:r>
+            <a:r>
+              <a:rPr lang="zh-CN" altLang="en-US" dirty="0" smtClean="0"/>
+              <a:t> </a:t>
+            </a:r>
+            <a:r>
+              <a:rPr lang="en-US" altLang="zh-CN" dirty="0" smtClean="0"/>
+              <a:t>zero.</a:t>
+            </a:r>
+            <a:endParaRPr lang="zh-CN" altLang="en-US" dirty="0" smtClean="0"/>
+          </a:p>
+          <a:p>
+            <a:pPr lvl="1"/>
+            <a:r>
+              <a:rPr lang="en-US" altLang="zh-CN" dirty="0" smtClean="0"/>
+              <a:t>Solution?</a:t>
+            </a:r>
+            <a:endParaRPr lang="zh-CN" altLang="en-US" dirty="0" smtClean="0"/>
+          </a:p>
+          <a:p>
+            <a:pPr lvl="2"/>
+            <a:r>
+              <a:rPr lang="en-US" altLang="zh-CN" dirty="0" smtClean="0"/>
+              <a:t>Annealing</a:t>
+            </a:r>
+            <a:r>
+              <a:rPr lang="zh-CN" altLang="en-US" dirty="0" smtClean="0"/>
+              <a:t> </a:t>
+            </a:r>
+            <a:r>
+              <a:rPr lang="en-US" altLang="zh-CN" dirty="0" smtClean="0"/>
+              <a:t>term!</a:t>
+            </a:r>
+            <a:endParaRPr lang="zh-CN" altLang="en-US" dirty="0"/>
+          </a:p>
+          <a:p>
+            <a:pPr lvl="2"/>
+            <a:r>
+              <a:rPr lang="en-US" altLang="zh-CN" dirty="0" smtClean="0"/>
+              <a:t>Convolutional</a:t>
+            </a:r>
+            <a:r>
+              <a:rPr lang="zh-CN" altLang="en-US" dirty="0" smtClean="0"/>
+              <a:t> </a:t>
+            </a:r>
+            <a:r>
+              <a:rPr lang="en-US" altLang="zh-CN" dirty="0" smtClean="0"/>
+              <a:t>layer</a:t>
+            </a:r>
+            <a:r>
+              <a:rPr lang="zh-CN" altLang="en-US" dirty="0" smtClean="0"/>
+              <a:t> </a:t>
+            </a:r>
+            <a:r>
+              <a:rPr lang="en-US" altLang="zh-CN" dirty="0" smtClean="0"/>
+              <a:t>instead</a:t>
+            </a:r>
+            <a:r>
+              <a:rPr lang="zh-CN" altLang="en-US" dirty="0" smtClean="0"/>
+              <a:t> </a:t>
+            </a:r>
+            <a:r>
+              <a:rPr lang="en-US" altLang="zh-CN" dirty="0" smtClean="0"/>
+              <a:t>of</a:t>
+            </a:r>
+            <a:r>
+              <a:rPr lang="zh-CN" altLang="en-US" dirty="0" smtClean="0"/>
+              <a:t> </a:t>
+            </a:r>
+            <a:r>
+              <a:rPr lang="en-US" altLang="zh-CN" dirty="0" smtClean="0"/>
+              <a:t>LSTM</a:t>
+            </a:r>
+            <a:r>
+              <a:rPr lang="zh-CN" altLang="en-US" dirty="0" smtClean="0"/>
+              <a:t> </a:t>
+            </a:r>
+            <a:r>
+              <a:rPr lang="en-US" altLang="zh-CN" dirty="0" smtClean="0"/>
+              <a:t>in</a:t>
+            </a:r>
+            <a:r>
+              <a:rPr lang="zh-CN" altLang="en-US" dirty="0" smtClean="0"/>
+              <a:t> </a:t>
+            </a:r>
+            <a:r>
+              <a:rPr lang="en-US" altLang="zh-CN" dirty="0" smtClean="0"/>
+              <a:t>the</a:t>
+            </a:r>
+            <a:r>
+              <a:rPr lang="zh-CN" altLang="en-US" dirty="0" smtClean="0"/>
+              <a:t> </a:t>
+            </a:r>
+            <a:r>
+              <a:rPr lang="en-US" altLang="zh-CN" dirty="0" smtClean="0"/>
+              <a:t>decoder</a:t>
+            </a:r>
+            <a:r>
+              <a:rPr lang="zh-CN" altLang="en-US" dirty="0" smtClean="0"/>
+              <a:t> </a:t>
+            </a:r>
+            <a:r>
+              <a:rPr lang="en-US" altLang="zh-CN" dirty="0" smtClean="0"/>
+              <a:t>phase</a:t>
+            </a:r>
+            <a:endParaRPr lang="zh-CN" altLang="en-US" dirty="0" smtClean="0"/>
+          </a:p>
+          <a:p>
+            <a:endParaRPr lang="zh-CN" altLang="en-US" dirty="0"/>
+          </a:p>
+        </p:txBody>
+      </p:sp>
+    </p:spTree>
+    <p:extLst>
+      <p:ext uri="{BB962C8B-B14F-4D97-AF65-F5344CB8AC3E}">
+        <p14:creationId xmlns:p14="http://schemas.microsoft.com/office/powerpoint/2010/main" val="1744841840"/>
+      </p:ext>
+    </p:extLst>
+  </p:cSld>
+  <p:clrMapOvr>
+    <a:masterClrMapping/>
+  </p:clrMapOvr>
+  <p:timing>
+    <p:tnLst>
+      <p:par>
+        <p:cTn id="1" dur="indefinite" restart="never" nodeType="tmRoot"/>
+      </p:par>
+    </p:tnLst>
+  </p:timing>
+</p:sld>
+</file>
+
+<file path=ppt/slides/slide13.xml><?xml version="1.0" encoding="utf-8"?>
+<p:sld xmlns:a="http://schemas.openxmlformats.org/drawingml/2006/main" xmlns:r="http://schemas.openxmlformats.org/officeDocument/2006/relationships" xmlns:p="http://schemas.openxmlformats.org/presentationml/2006/main">
+  <p:cSld>
+    <p:spTree>
+      <p:nvGrpSpPr>
+        <p:cNvPr id="1" name=""/>
+        <p:cNvGrpSpPr/>
+        <p:nvPr/>
+      </p:nvGrpSpPr>
+      <p:grpSpPr>
+        <a:xfrm>
+          <a:off x="0" y="0"/>
+          <a:ext cx="0" cy="0"/>
+          <a:chOff x="0" y="0"/>
+          <a:chExt cx="0" cy="0"/>
+        </a:xfrm>
+      </p:grpSpPr>
+      <p:sp>
+        <p:nvSpPr>
+          <p:cNvPr id="2" name="Title 1"/>
+          <p:cNvSpPr>
+            <a:spLocks noGrp="1"/>
+          </p:cNvSpPr>
+          <p:nvPr>
+            <p:ph type="title"/>
+          </p:nvPr>
+        </p:nvSpPr>
+        <p:spPr/>
+        <p:txBody>
+          <a:bodyPr/>
+          <a:lstStyle/>
+          <a:p>
+            <a:r>
+              <a:rPr lang="en-US" altLang="zh-CN" dirty="0" smtClean="0"/>
+              <a:t>SOLUTION</a:t>
+            </a:r>
+            <a:r>
+              <a:rPr lang="zh-CN" altLang="en-US" dirty="0" smtClean="0"/>
+              <a:t> </a:t>
+            </a:r>
+            <a:r>
+              <a:rPr lang="en-US" altLang="zh-CN" dirty="0" smtClean="0"/>
+              <a:t>FOR</a:t>
+            </a:r>
+            <a:r>
+              <a:rPr lang="zh-CN" altLang="en-US" dirty="0" smtClean="0"/>
+              <a:t> </a:t>
+            </a:r>
+            <a:r>
+              <a:rPr lang="en-US" altLang="zh-CN" dirty="0" smtClean="0"/>
+              <a:t>THE</a:t>
+            </a:r>
+            <a:r>
+              <a:rPr lang="zh-CN" altLang="en-US" dirty="0" smtClean="0"/>
+              <a:t> </a:t>
+            </a:r>
+            <a:r>
+              <a:rPr lang="en-US" altLang="zh-CN" dirty="0" smtClean="0"/>
+              <a:t>FUTURE!</a:t>
+            </a:r>
+            <a:endParaRPr lang="en-US" dirty="0"/>
+          </a:p>
+        </p:txBody>
+      </p:sp>
+      <p:sp>
+        <p:nvSpPr>
+          <p:cNvPr id="3" name="Content Placeholder 2"/>
+          <p:cNvSpPr>
+            <a:spLocks noGrp="1"/>
+          </p:cNvSpPr>
+          <p:nvPr>
+            <p:ph idx="1"/>
+          </p:nvPr>
+        </p:nvSpPr>
+        <p:spPr/>
+        <p:txBody>
+          <a:bodyPr/>
+          <a:lstStyle/>
+          <a:p>
+            <a:endParaRPr lang="en-US" dirty="0"/>
+          </a:p>
+        </p:txBody>
+      </p:sp>
+    </p:spTree>
+    <p:extLst>
+      <p:ext uri="{BB962C8B-B14F-4D97-AF65-F5344CB8AC3E}">
+        <p14:creationId xmlns:p14="http://schemas.microsoft.com/office/powerpoint/2010/main" val="1608031826"/>
+      </p:ext>
+    </p:extLst>
+  </p:cSld>
+  <p:clrMapOvr>
+    <a:masterClrMapping/>
+  </p:clrMapOvr>
+  <p:timing>
+    <p:tnLst>
+      <p:par>
+        <p:cTn id="1" dur="indefinite" restart="never" nodeType="tmRoot"/>
+      </p:par>
+    </p:tnLst>
+  </p:timing>
+</p:sld>
+</file>
+
+<file path=ppt/slides/slide14.xml><?xml version="1.0" encoding="utf-8"?>
+<p:sld xmlns:a="http://schemas.openxmlformats.org/drawingml/2006/main" xmlns:r="http://schemas.openxmlformats.org/officeDocument/2006/relationships" xmlns:p="http://schemas.openxmlformats.org/presentationml/2006/main">
+  <p:cSld>
+    <p:spTree>
+      <p:nvGrpSpPr>
+        <p:cNvPr id="1" name=""/>
+        <p:cNvGrpSpPr/>
+        <p:nvPr/>
+      </p:nvGrpSpPr>
+      <p:grpSpPr>
+        <a:xfrm>
+          <a:off x="0" y="0"/>
+          <a:ext cx="0" cy="0"/>
+          <a:chOff x="0" y="0"/>
+          <a:chExt cx="0" cy="0"/>
+        </a:xfrm>
+      </p:grpSpPr>
+      <p:pic>
+        <p:nvPicPr>
+          <p:cNvPr id="4" name="Picture 3"/>
+          <p:cNvPicPr>
+            <a:picLocks noChangeAspect="1"/>
+          </p:cNvPicPr>
+          <p:nvPr/>
+        </p:nvPicPr>
+        <p:blipFill>
+          <a:blip r:embed="rId2">
+            <a:alphaModFix amt="65000"/>
+          </a:blip>
+          <a:stretch>
+            <a:fillRect/>
+          </a:stretch>
+        </p:blipFill>
+        <p:spPr>
+          <a:xfrm>
+            <a:off x="1542143" y="581891"/>
+            <a:ext cx="9169401" cy="5893017"/>
+          </a:xfrm>
+          <a:prstGeom prst="rect">
+            <a:avLst/>
+          </a:prstGeom>
+        </p:spPr>
+      </p:pic>
+      <p:sp>
+        <p:nvSpPr>
+          <p:cNvPr id="2" name="Title 1"/>
+          <p:cNvSpPr>
+            <a:spLocks noGrp="1"/>
+          </p:cNvSpPr>
+          <p:nvPr>
+            <p:ph type="title"/>
+          </p:nvPr>
+        </p:nvSpPr>
+        <p:spPr>
+          <a:xfrm>
+            <a:off x="6405568" y="2821466"/>
+            <a:ext cx="3450951" cy="706933"/>
+          </a:xfrm>
+        </p:spPr>
+        <p:txBody>
+          <a:bodyPr>
+            <a:normAutofit fontScale="90000"/>
+          </a:bodyPr>
+          <a:lstStyle/>
+          <a:p>
+            <a:r>
+              <a:rPr lang="en-US" altLang="zh-CN" sz="4500" dirty="0" smtClean="0"/>
+              <a:t>Thank</a:t>
+            </a:r>
+            <a:r>
+              <a:rPr lang="zh-CN" altLang="en-US" sz="4500" dirty="0" smtClean="0"/>
+              <a:t> </a:t>
+            </a:r>
+            <a:r>
+              <a:rPr lang="en-US" altLang="zh-CN" sz="4500" dirty="0" smtClean="0"/>
+              <a:t>you!</a:t>
+            </a:r>
+            <a:endParaRPr lang="en-US" sz="4500" dirty="0"/>
+          </a:p>
+        </p:txBody>
+      </p:sp>
+    </p:spTree>
+    <p:extLst>
+      <p:ext uri="{BB962C8B-B14F-4D97-AF65-F5344CB8AC3E}">
+        <p14:creationId xmlns:p14="http://schemas.microsoft.com/office/powerpoint/2010/main" val="431367640"/>
       </p:ext>
     </p:extLst>
   </p:cSld>
@@ -3164,6 +7678,10 @@
           <a:bodyPr/>
           <a:lstStyle/>
           <a:p>
+            <a:r>
+              <a:rPr lang="en-US" altLang="zh-CN" dirty="0" smtClean="0"/>
+              <a:t>introduction</a:t>
+            </a:r>
             <a:endParaRPr lang="en-US" dirty="0"/>
           </a:p>
         </p:txBody>
@@ -3178,12 +7696,96 @@
             <p:ph idx="1"/>
           </p:nvPr>
         </p:nvSpPr>
-        <p:spPr/>
+        <p:spPr>
+          <a:xfrm>
+            <a:off x="1370431" y="2107871"/>
+            <a:ext cx="5410379" cy="3342903"/>
+          </a:xfrm>
+        </p:spPr>
         <p:txBody>
           <a:bodyPr/>
           <a:lstStyle/>
           <a:p>
-            <a:endParaRPr lang="en-US"/>
+            <a:r>
+              <a:rPr lang="en-US" altLang="zh-CN" dirty="0" smtClean="0"/>
+              <a:t>BACKGROUND</a:t>
+            </a:r>
+            <a:endParaRPr lang="zh-CN" altLang="en-US" dirty="0" smtClean="0"/>
+          </a:p>
+          <a:p>
+            <a:r>
+              <a:rPr lang="en-US" altLang="zh-CN" dirty="0" smtClean="0"/>
+              <a:t>METHOD</a:t>
+            </a:r>
+            <a:endParaRPr lang="zh-CN" altLang="en-US" dirty="0" smtClean="0"/>
+          </a:p>
+          <a:p>
+            <a:r>
+              <a:rPr lang="en-US" altLang="zh-CN" dirty="0" smtClean="0"/>
+              <a:t>RESULT</a:t>
+            </a:r>
+            <a:endParaRPr lang="zh-CN" altLang="en-US" dirty="0" smtClean="0"/>
+          </a:p>
+          <a:p>
+            <a:r>
+              <a:rPr lang="en-US" altLang="zh-CN" dirty="0" smtClean="0"/>
+              <a:t>DEMO</a:t>
+            </a:r>
+            <a:r>
+              <a:rPr lang="zh-CN" altLang="en-US" dirty="0" smtClean="0"/>
+              <a:t> </a:t>
+            </a:r>
+            <a:r>
+              <a:rPr lang="en-US" altLang="zh-CN" dirty="0" smtClean="0"/>
+              <a:t>TIME</a:t>
+            </a:r>
+            <a:endParaRPr lang="zh-CN" altLang="en-US" dirty="0" smtClean="0"/>
+          </a:p>
+          <a:p>
+            <a:r>
+              <a:rPr lang="en-US" altLang="zh-CN" dirty="0" smtClean="0"/>
+              <a:t>EXISTING</a:t>
+            </a:r>
+            <a:r>
+              <a:rPr lang="zh-CN" altLang="en-US" dirty="0" smtClean="0"/>
+              <a:t> </a:t>
+            </a:r>
+            <a:r>
+              <a:rPr lang="en-US" altLang="zh-CN" dirty="0" smtClean="0"/>
+              <a:t>PROBLEM</a:t>
+            </a:r>
+            <a:endParaRPr lang="zh-CN" altLang="en-US" dirty="0" smtClean="0"/>
+          </a:p>
+          <a:p>
+            <a:r>
+              <a:rPr lang="en-US" altLang="zh-CN" dirty="0" smtClean="0"/>
+              <a:t>SOLUTIONS</a:t>
+            </a:r>
+            <a:r>
+              <a:rPr lang="zh-CN" altLang="en-US" dirty="0" smtClean="0"/>
+              <a:t> </a:t>
+            </a:r>
+            <a:r>
+              <a:rPr lang="en-US" altLang="zh-CN" dirty="0" smtClean="0"/>
+              <a:t>FOR</a:t>
+            </a:r>
+            <a:r>
+              <a:rPr lang="zh-CN" altLang="en-US" dirty="0" smtClean="0"/>
+              <a:t> </a:t>
+            </a:r>
+            <a:r>
+              <a:rPr lang="en-US" altLang="zh-CN" dirty="0" smtClean="0"/>
+              <a:t>THE</a:t>
+            </a:r>
+            <a:r>
+              <a:rPr lang="zh-CN" altLang="en-US" dirty="0" smtClean="0"/>
+              <a:t> </a:t>
+            </a:r>
+            <a:r>
+              <a:rPr lang="en-US" altLang="zh-CN" dirty="0" smtClean="0"/>
+              <a:t>FUTURE</a:t>
+            </a:r>
+            <a:endParaRPr lang="en-US" dirty="0"/>
           </a:p>
         </p:txBody>
       </p:sp>
@@ -3197,6 +7799,13 @@
   <p:clrMapOvr>
     <a:masterClrMapping/>
   </p:clrMapOvr>
+  <p:timing>
+    <p:tnLst>
+      <p:par>
+        <p:cTn id="1" dur="indefinite" restart="never" nodeType="tmRoot"/>
+      </p:par>
+    </p:tnLst>
+  </p:timing>
 </p:sld>
 </file>
 
@@ -3219,6 +7828,86 @@
       </p:grpSpPr>
       <p:sp>
         <p:nvSpPr>
+          <p:cNvPr id="2" name="Rectangle 1"/>
+          <p:cNvSpPr/>
+          <p:nvPr/>
+        </p:nvSpPr>
+        <p:spPr>
+          <a:xfrm>
+            <a:off x="4414329" y="2876199"/>
+            <a:ext cx="3991798" cy="877163"/>
+          </a:xfrm>
+          <a:prstGeom prst="rect">
+            <a:avLst/>
+          </a:prstGeom>
+        </p:spPr>
+        <p:txBody>
+          <a:bodyPr wrap="none">
+            <a:spAutoFit/>
+          </a:bodyPr>
+          <a:lstStyle/>
+          <a:p>
+            <a:r>
+              <a:rPr lang="en-US" altLang="zh-CN" sz="5100" cap="all" spc="200" dirty="0">
+                <a:solidFill>
+                  <a:schemeClr val="tx2"/>
+                </a:solidFill>
+                <a:latin typeface="+mj-lt"/>
+                <a:ea typeface="+mj-ea"/>
+                <a:cs typeface="+mj-cs"/>
+              </a:rPr>
+              <a:t>BACKGROUND</a:t>
+            </a:r>
+            <a:endParaRPr lang="en-US" sz="5100" cap="all" spc="200" dirty="0">
+              <a:solidFill>
+                <a:schemeClr val="tx2"/>
+              </a:solidFill>
+              <a:latin typeface="+mj-lt"/>
+              <a:ea typeface="+mj-ea"/>
+              <a:cs typeface="+mj-cs"/>
+            </a:endParaRPr>
+          </a:p>
+        </p:txBody>
+      </p:sp>
+    </p:spTree>
+    <p:extLst>
+      <p:ext uri="{BB962C8B-B14F-4D97-AF65-F5344CB8AC3E}">
+        <p14:creationId xmlns:p14="http://schemas.microsoft.com/office/powerpoint/2010/main" val="294017892"/>
+      </p:ext>
+    </p:extLst>
+  </p:cSld>
+  <p:clrMapOvr>
+    <a:masterClrMapping/>
+  </p:clrMapOvr>
+  <p:timing>
+    <p:tnLst>
+      <p:par>
+        <p:cTn id="1" dur="indefinite" restart="never" nodeType="tmRoot"/>
+      </p:par>
+    </p:tnLst>
+  </p:timing>
+</p:sld>
+</file>
+
+<file path=ppt/slides/slide4.xml><?xml version="1.0" encoding="utf-8"?>
+<p:sld xmlns:a="http://schemas.openxmlformats.org/drawingml/2006/main" xmlns:r="http://schemas.openxmlformats.org/officeDocument/2006/relationships" xmlns:p="http://schemas.openxmlformats.org/presentationml/2006/main">
+  <p:cSld>
+    <p:spTree>
+      <p:nvGrpSpPr>
+        <p:cNvPr id="1" name=""/>
+        <p:cNvGrpSpPr/>
+        <p:nvPr/>
+      </p:nvGrpSpPr>
+      <p:grpSpPr>
+        <a:xfrm>
+          <a:off x="0" y="0"/>
+          <a:ext cx="0" cy="0"/>
+          <a:chOff x="0" y="0"/>
+          <a:chExt cx="0" cy="0"/>
+        </a:xfrm>
+      </p:grpSpPr>
+      <p:sp>
+        <p:nvSpPr>
           <p:cNvPr id="2" name="Title 1"/>
           <p:cNvSpPr>
             <a:spLocks noGrp="1"/>
@@ -3227,16 +7916,67 @@
             <p:ph type="title"/>
           </p:nvPr>
         </p:nvSpPr>
-        <p:spPr/>
+        <p:spPr>
+          <a:xfrm>
+            <a:off x="1228818" y="496685"/>
+            <a:ext cx="10178322" cy="692035"/>
+          </a:xfrm>
+        </p:spPr>
         <p:txBody>
-          <a:bodyPr/>
+          <a:bodyPr>
+            <a:normAutofit/>
+          </a:bodyPr>
           <a:lstStyle/>
           <a:p>
             <a:r>
-              <a:rPr lang="en-US" altLang="zh-CN" dirty="0" err="1" smtClean="0"/>
-              <a:t>Chatbot</a:t>
-            </a:r>
-            <a:endParaRPr lang="en-US" dirty="0"/>
+              <a:rPr lang="en-US" altLang="zh-CN" sz="4200" dirty="0" smtClean="0">
+                <a:solidFill>
+                  <a:srgbClr val="FF3A68"/>
+                </a:solidFill>
+              </a:rPr>
+              <a:t>N</a:t>
+            </a:r>
+            <a:r>
+              <a:rPr lang="en-US" altLang="zh-CN" sz="4200" dirty="0" smtClean="0"/>
+              <a:t>eural</a:t>
+            </a:r>
+            <a:r>
+              <a:rPr lang="zh-CN" altLang="en-US" sz="4200" dirty="0" smtClean="0"/>
+              <a:t> </a:t>
+            </a:r>
+            <a:r>
+              <a:rPr lang="en-US" altLang="zh-CN" sz="4200" dirty="0">
+                <a:solidFill>
+                  <a:srgbClr val="FF3A68"/>
+                </a:solidFill>
+              </a:rPr>
+              <a:t>C</a:t>
+            </a:r>
+            <a:r>
+              <a:rPr lang="en-US" altLang="zh-CN" sz="4200" dirty="0" smtClean="0"/>
+              <a:t>onversational</a:t>
+            </a:r>
+            <a:r>
+              <a:rPr lang="zh-CN" altLang="en-US" sz="4200" dirty="0" smtClean="0"/>
+              <a:t> </a:t>
+            </a:r>
+            <a:r>
+              <a:rPr lang="en-US" altLang="zh-CN" sz="4200" dirty="0" smtClean="0">
+                <a:solidFill>
+                  <a:srgbClr val="FF3A68"/>
+                </a:solidFill>
+              </a:rPr>
+              <a:t>M</a:t>
+            </a:r>
+            <a:r>
+              <a:rPr lang="en-US" altLang="zh-CN" sz="4200" dirty="0" smtClean="0"/>
+              <a:t>odel</a:t>
+            </a:r>
+            <a:endParaRPr lang="en-US" sz="4200" dirty="0">
+              <a:latin typeface="Damascus" charset="-78"/>
+              <a:ea typeface="Damascus" charset="-78"/>
+              <a:cs typeface="Damascus" charset="-78"/>
+            </a:endParaRPr>
           </a:p>
         </p:txBody>
       </p:sp>
@@ -3250,7 +7990,12 @@
             <p:ph idx="1"/>
           </p:nvPr>
         </p:nvSpPr>
-        <p:spPr/>
+        <p:spPr>
+          <a:xfrm>
+            <a:off x="1411698" y="1874517"/>
+            <a:ext cx="3743232" cy="502923"/>
+          </a:xfrm>
+        </p:spPr>
         <p:txBody>
           <a:bodyPr/>
           <a:lstStyle/>
@@ -3284,6 +8029,184 @@
               <a:t>model</a:t>
             </a:r>
             <a:endParaRPr lang="zh-CN" altLang="en-US" dirty="0" smtClean="0"/>
+          </a:p>
+        </p:txBody>
+      </p:sp>
+      <p:pic>
+        <p:nvPicPr>
+          <p:cNvPr id="4" name="Picture 3"/>
+          <p:cNvPicPr>
+            <a:picLocks noChangeAspect="1"/>
+          </p:cNvPicPr>
+          <p:nvPr/>
+        </p:nvPicPr>
+        <p:blipFill>
+          <a:blip r:embed="rId2"/>
+          <a:stretch>
+            <a:fillRect/>
+          </a:stretch>
+        </p:blipFill>
+        <p:spPr>
+          <a:xfrm>
+            <a:off x="5891148" y="2019337"/>
+            <a:ext cx="5378832" cy="3695660"/>
+          </a:xfrm>
+          <a:prstGeom prst="rect">
+            <a:avLst/>
+          </a:prstGeom>
+        </p:spPr>
+      </p:pic>
+      <p:sp>
+        <p:nvSpPr>
+          <p:cNvPr id="5" name="Rectangle 4"/>
+          <p:cNvSpPr/>
+          <p:nvPr/>
+        </p:nvSpPr>
+        <p:spPr>
+          <a:xfrm>
+            <a:off x="7566497" y="1871355"/>
+            <a:ext cx="1239698" cy="707886"/>
+          </a:xfrm>
+          <a:prstGeom prst="rect">
+            <a:avLst/>
+          </a:prstGeom>
+        </p:spPr>
+        <p:txBody>
+          <a:bodyPr wrap="none">
+            <a:spAutoFit/>
+          </a:bodyPr>
+          <a:lstStyle/>
+          <a:p>
+            <a:r>
+              <a:rPr lang="en-US" altLang="zh-CN" sz="4000" dirty="0" smtClean="0">
+                <a:latin typeface="Gill Sans MT Ext Condensed Bold" charset="0"/>
+                <a:ea typeface="Gill Sans MT Ext Condensed Bold" charset="0"/>
+                <a:cs typeface="Gill Sans MT Ext Condensed Bold" charset="0"/>
+              </a:rPr>
+              <a:t>Chatbot:</a:t>
+            </a:r>
+            <a:r>
+              <a:rPr lang="zh-CN" altLang="en-US" sz="4000" dirty="0" smtClean="0">
+                <a:latin typeface="Gill Sans MT Ext Condensed Bold" charset="0"/>
+                <a:ea typeface="Gill Sans MT Ext Condensed Bold" charset="0"/>
+                <a:cs typeface="Gill Sans MT Ext Condensed Bold" charset="0"/>
+              </a:rPr>
+              <a:t> </a:t>
+            </a:r>
+            <a:endParaRPr lang="en-US" sz="4000" dirty="0">
+              <a:latin typeface="Gill Sans MT Ext Condensed Bold" charset="0"/>
+              <a:ea typeface="Gill Sans MT Ext Condensed Bold" charset="0"/>
+              <a:cs typeface="Gill Sans MT Ext Condensed Bold" charset="0"/>
+            </a:endParaRPr>
+          </a:p>
+        </p:txBody>
+      </p:sp>
+      <p:sp>
+        <p:nvSpPr>
+          <p:cNvPr id="6" name="TextBox 5"/>
+          <p:cNvSpPr txBox="1"/>
+          <p:nvPr/>
+        </p:nvSpPr>
+        <p:spPr>
+          <a:xfrm>
+            <a:off x="1258332" y="3260813"/>
+            <a:ext cx="4264707" cy="1384995"/>
+          </a:xfrm>
+          <a:prstGeom prst="rect">
+            <a:avLst/>
+          </a:prstGeom>
+          <a:noFill/>
+        </p:spPr>
+        <p:txBody>
+          <a:bodyPr wrap="square" rtlCol="0">
+            <a:spAutoFit/>
+          </a:bodyPr>
+          <a:lstStyle/>
+          <a:p>
+            <a:pPr algn="ctr"/>
+            <a:r>
+              <a:rPr lang="en-US" altLang="zh-CN" sz="2800" dirty="0" smtClean="0">
+                <a:latin typeface="STHupo" charset="0"/>
+                <a:ea typeface="STHupo" charset="0"/>
+                <a:cs typeface="STHupo" charset="0"/>
+              </a:rPr>
+              <a:t>Auto-encoder</a:t>
+            </a:r>
+            <a:r>
+              <a:rPr lang="zh-CN" altLang="en-US" sz="2800" dirty="0" smtClean="0">
+                <a:latin typeface="STHupo" charset="0"/>
+                <a:ea typeface="STHupo" charset="0"/>
+                <a:cs typeface="STHupo" charset="0"/>
+              </a:rPr>
+              <a:t> </a:t>
+            </a:r>
+          </a:p>
+          <a:p>
+            <a:pPr algn="ctr"/>
+            <a:r>
+              <a:rPr lang="en-US" altLang="zh-CN" sz="2800" dirty="0">
+                <a:latin typeface="STHupo" charset="0"/>
+                <a:ea typeface="STHupo" charset="0"/>
+                <a:cs typeface="STHupo" charset="0"/>
+              </a:rPr>
+              <a:t>+</a:t>
+            </a:r>
+            <a:r>
+              <a:rPr lang="zh-CN" altLang="en-US" sz="2800" dirty="0">
+                <a:latin typeface="STHupo" charset="0"/>
+                <a:ea typeface="STHupo" charset="0"/>
+                <a:cs typeface="STHupo" charset="0"/>
+              </a:rPr>
+              <a:t> </a:t>
+            </a:r>
+          </a:p>
+          <a:p>
+            <a:pPr algn="ctr"/>
+            <a:r>
+              <a:rPr lang="en-US" altLang="zh-CN" sz="2800" dirty="0">
+                <a:latin typeface="STHupo" charset="0"/>
+                <a:ea typeface="STHupo" charset="0"/>
+                <a:cs typeface="STHupo" charset="0"/>
+              </a:rPr>
+              <a:t>Recurrent</a:t>
+            </a:r>
+            <a:r>
+              <a:rPr lang="zh-CN" altLang="en-US" sz="2800" dirty="0">
+                <a:latin typeface="STHupo" charset="0"/>
+                <a:ea typeface="STHupo" charset="0"/>
+                <a:cs typeface="STHupo" charset="0"/>
+              </a:rPr>
+              <a:t> </a:t>
+            </a:r>
+            <a:r>
+              <a:rPr lang="en-US" altLang="zh-CN" sz="2800" dirty="0">
+                <a:latin typeface="STHupo" charset="0"/>
+                <a:ea typeface="STHupo" charset="0"/>
+                <a:cs typeface="STHupo" charset="0"/>
+              </a:rPr>
+              <a:t>Neural</a:t>
+            </a:r>
+            <a:r>
+              <a:rPr lang="zh-CN" altLang="en-US" sz="2800" dirty="0">
+                <a:latin typeface="STHupo" charset="0"/>
+                <a:ea typeface="STHupo" charset="0"/>
+                <a:cs typeface="STHupo" charset="0"/>
+              </a:rPr>
+              <a:t> </a:t>
+            </a:r>
+            <a:r>
+              <a:rPr lang="en-US" altLang="zh-CN" sz="2800" dirty="0">
+                <a:latin typeface="STHupo" charset="0"/>
+                <a:ea typeface="STHupo" charset="0"/>
+                <a:cs typeface="STHupo" charset="0"/>
+              </a:rPr>
+              <a:t>Network</a:t>
+            </a:r>
+            <a:endParaRPr lang="en-US" sz="2800" dirty="0">
+              <a:latin typeface="STHupo" charset="0"/>
+              <a:ea typeface="STHupo" charset="0"/>
+              <a:cs typeface="STHupo" charset="0"/>
+            </a:endParaRPr>
           </a:p>
         </p:txBody>
       </p:sp>
@@ -3297,10 +8220,17 @@
   <p:clrMapOvr>
     <a:masterClrMapping/>
   </p:clrMapOvr>
+  <p:timing>
+    <p:tnLst>
+      <p:par>
+        <p:cTn id="1" dur="indefinite" restart="never" nodeType="tmRoot"/>
+      </p:par>
+    </p:tnLst>
+  </p:timing>
 </p:sld>
 </file>
 
-<file path=ppt/slides/slide4.xml><?xml version="1.0" encoding="utf-8"?>
+<file path=ppt/slides/slide5.xml><?xml version="1.0" encoding="utf-8"?>
 <p:sld xmlns:a="http://schemas.openxmlformats.org/drawingml/2006/main" xmlns:r="http://schemas.openxmlformats.org/officeDocument/2006/relationships" xmlns:p="http://schemas.openxmlformats.org/presentationml/2006/main">
   <p:cSld>
     <p:spTree>
@@ -3333,7 +8263,7 @@
         </p:blipFill>
         <p:spPr>
           <a:xfrm>
-            <a:off x="1766258" y="1108710"/>
+            <a:off x="1766258" y="1634490"/>
             <a:ext cx="8809491" cy="3931920"/>
           </a:xfrm>
           <a:prstGeom prst="rect">
@@ -3341,6 +8271,90 @@
           </a:prstGeom>
         </p:spPr>
       </p:pic>
+      <p:sp>
+        <p:nvSpPr>
+          <p:cNvPr id="6" name="Title 1"/>
+          <p:cNvSpPr>
+            <a:spLocks noGrp="1"/>
+          </p:cNvSpPr>
+          <p:nvPr>
+            <p:ph type="title"/>
+          </p:nvPr>
+        </p:nvSpPr>
+        <p:spPr>
+          <a:xfrm>
+            <a:off x="1228818" y="496685"/>
+            <a:ext cx="10178322" cy="692035"/>
+          </a:xfrm>
+        </p:spPr>
+        <p:txBody>
+          <a:bodyPr>
+            <a:normAutofit/>
+          </a:bodyPr>
+          <a:lstStyle/>
+          <a:p>
+            <a:r>
+              <a:rPr lang="en-US" altLang="zh-CN" sz="4200" dirty="0" smtClean="0">
+                <a:solidFill>
+                  <a:schemeClr val="tx2">
+                    <a:lumMod val="50000"/>
+                    <a:lumOff val="50000"/>
+                  </a:schemeClr>
+                </a:solidFill>
+              </a:rPr>
+              <a:t>V</a:t>
+            </a:r>
+            <a:r>
+              <a:rPr lang="en-US" altLang="zh-CN" sz="4200" dirty="0" smtClean="0">
+                <a:solidFill>
+                  <a:schemeClr val="tx1"/>
+                </a:solidFill>
+              </a:rPr>
+              <a:t>ariational</a:t>
+            </a:r>
+            <a:r>
+              <a:rPr lang="zh-CN" altLang="en-US" sz="4200" dirty="0" smtClean="0">
+                <a:solidFill>
+                  <a:schemeClr val="tx1"/>
+                </a:solidFill>
+              </a:rPr>
+              <a:t> </a:t>
+            </a:r>
+            <a:r>
+              <a:rPr lang="en-US" altLang="zh-CN" sz="4200" dirty="0" smtClean="0">
+                <a:solidFill>
+                  <a:schemeClr val="tx1"/>
+                </a:solidFill>
+              </a:rPr>
+              <a:t>Recurrent</a:t>
+            </a:r>
+            <a:r>
+              <a:rPr lang="zh-CN" altLang="en-US" sz="4200" dirty="0" smtClean="0">
+                <a:solidFill>
+                  <a:schemeClr val="tx1"/>
+                </a:solidFill>
+              </a:rPr>
+              <a:t> </a:t>
+            </a:r>
+            <a:r>
+              <a:rPr lang="en-US" altLang="zh-CN" sz="4200" dirty="0" err="1" smtClean="0">
+                <a:solidFill>
+                  <a:schemeClr val="tx1"/>
+                </a:solidFill>
+              </a:rPr>
+              <a:t>Autoencoder</a:t>
+            </a:r>
+            <a:endParaRPr lang="en-US" sz="4200" dirty="0">
+              <a:solidFill>
+                <a:schemeClr val="tx1"/>
+              </a:solidFill>
+              <a:latin typeface="Damascus" charset="-78"/>
+              <a:ea typeface="Damascus" charset="-78"/>
+              <a:cs typeface="Damascus" charset="-78"/>
+            </a:endParaRPr>
+          </a:p>
+        </p:txBody>
+      </p:sp>
     </p:spTree>
     <p:extLst>
       <p:ext uri="{BB962C8B-B14F-4D97-AF65-F5344CB8AC3E}">
@@ -3361,10 +8375,388 @@
 </p:sld>
 </file>
 
+<file path=ppt/slides/slide6.xml><?xml version="1.0" encoding="utf-8"?>
+<p:sld xmlns:a="http://schemas.openxmlformats.org/drawingml/2006/main" xmlns:r="http://schemas.openxmlformats.org/officeDocument/2006/relationships" xmlns:p="http://schemas.openxmlformats.org/presentationml/2006/main">
+  <p:cSld>
+    <p:spTree>
+      <p:nvGrpSpPr>
+        <p:cNvPr id="1" name=""/>
+        <p:cNvGrpSpPr/>
+        <p:nvPr/>
+      </p:nvGrpSpPr>
+      <p:grpSpPr>
+        <a:xfrm>
+          <a:off x="0" y="0"/>
+          <a:ext cx="0" cy="0"/>
+          <a:chOff x="0" y="0"/>
+          <a:chExt cx="0" cy="0"/>
+        </a:xfrm>
+      </p:grpSpPr>
+      <p:sp>
+        <p:nvSpPr>
+          <p:cNvPr id="2" name="Rectangle 1"/>
+          <p:cNvSpPr/>
+          <p:nvPr/>
+        </p:nvSpPr>
+        <p:spPr>
+          <a:xfrm>
+            <a:off x="5150600" y="2816823"/>
+            <a:ext cx="2455609" cy="877163"/>
+          </a:xfrm>
+          <a:prstGeom prst="rect">
+            <a:avLst/>
+          </a:prstGeom>
+        </p:spPr>
+        <p:txBody>
+          <a:bodyPr wrap="none">
+            <a:spAutoFit/>
+          </a:bodyPr>
+          <a:lstStyle/>
+          <a:p>
+            <a:r>
+              <a:rPr lang="en-US" altLang="zh-CN" sz="5100" cap="all" spc="200" dirty="0" smtClean="0">
+                <a:solidFill>
+                  <a:schemeClr val="tx2"/>
+                </a:solidFill>
+                <a:latin typeface="+mj-lt"/>
+                <a:ea typeface="+mj-ea"/>
+                <a:cs typeface="+mj-cs"/>
+              </a:rPr>
+              <a:t>METHOD</a:t>
+            </a:r>
+            <a:endParaRPr lang="en-US" sz="5100" cap="all" spc="200" dirty="0">
+              <a:solidFill>
+                <a:schemeClr val="tx2"/>
+              </a:solidFill>
+              <a:latin typeface="+mj-lt"/>
+              <a:ea typeface="+mj-ea"/>
+              <a:cs typeface="+mj-cs"/>
+            </a:endParaRPr>
+          </a:p>
+        </p:txBody>
+      </p:sp>
+    </p:spTree>
+    <p:extLst>
+      <p:ext uri="{BB962C8B-B14F-4D97-AF65-F5344CB8AC3E}">
+        <p14:creationId xmlns:p14="http://schemas.microsoft.com/office/powerpoint/2010/main" val="684076327"/>
+      </p:ext>
+    </p:extLst>
+  </p:cSld>
+  <p:clrMapOvr>
+    <a:masterClrMapping/>
+  </p:clrMapOvr>
+  <p:timing>
+    <p:tnLst>
+      <p:par>
+        <p:cTn id="1" dur="indefinite" restart="never" nodeType="tmRoot"/>
+      </p:par>
+    </p:tnLst>
+  </p:timing>
+</p:sld>
+</file>
+
+<file path=ppt/slides/slide7.xml><?xml version="1.0" encoding="utf-8"?>
+<p:sld xmlns:a="http://schemas.openxmlformats.org/drawingml/2006/main" xmlns:r="http://schemas.openxmlformats.org/officeDocument/2006/relationships" xmlns:p="http://schemas.openxmlformats.org/presentationml/2006/main">
+  <p:cSld>
+    <p:spTree>
+      <p:nvGrpSpPr>
+        <p:cNvPr id="1" name=""/>
+        <p:cNvGrpSpPr/>
+        <p:nvPr/>
+      </p:nvGrpSpPr>
+      <p:grpSpPr>
+        <a:xfrm>
+          <a:off x="0" y="0"/>
+          <a:ext cx="0" cy="0"/>
+          <a:chOff x="0" y="0"/>
+          <a:chExt cx="0" cy="0"/>
+        </a:xfrm>
+      </p:grpSpPr>
+      <p:sp>
+        <p:nvSpPr>
+          <p:cNvPr id="2" name="Title 1"/>
+          <p:cNvSpPr>
+            <a:spLocks noGrp="1"/>
+          </p:cNvSpPr>
+          <p:nvPr>
+            <p:ph type="title"/>
+          </p:nvPr>
+        </p:nvSpPr>
+        <p:spPr>
+          <a:xfrm>
+            <a:off x="1251678" y="382385"/>
+            <a:ext cx="10178322" cy="669175"/>
+          </a:xfrm>
+        </p:spPr>
+        <p:txBody>
+          <a:bodyPr>
+            <a:normAutofit/>
+          </a:bodyPr>
+          <a:lstStyle/>
+          <a:p>
+            <a:r>
+              <a:rPr lang="en-US" altLang="zh-CN" sz="4200" dirty="0" smtClean="0">
+                <a:solidFill>
+                  <a:schemeClr val="tx2">
+                    <a:lumMod val="50000"/>
+                    <a:lumOff val="50000"/>
+                  </a:schemeClr>
+                </a:solidFill>
+              </a:rPr>
+              <a:t>V</a:t>
+            </a:r>
+            <a:r>
+              <a:rPr lang="en-US" altLang="zh-CN" sz="4200" dirty="0" smtClean="0">
+                <a:solidFill>
+                  <a:schemeClr val="tx1"/>
+                </a:solidFill>
+              </a:rPr>
+              <a:t>ariational</a:t>
+            </a:r>
+            <a:r>
+              <a:rPr lang="zh-CN" altLang="en-US" sz="4200" dirty="0" smtClean="0">
+                <a:solidFill>
+                  <a:schemeClr val="tx1"/>
+                </a:solidFill>
+              </a:rPr>
+              <a:t> </a:t>
+            </a:r>
+            <a:r>
+              <a:rPr lang="en-US" altLang="zh-CN" sz="4200" dirty="0" smtClean="0">
+                <a:solidFill>
+                  <a:srgbClr val="92D050"/>
+                </a:solidFill>
+              </a:rPr>
+              <a:t>N</a:t>
+            </a:r>
+            <a:r>
+              <a:rPr lang="en-US" altLang="zh-CN" sz="4200" dirty="0" smtClean="0">
+                <a:solidFill>
+                  <a:schemeClr val="tx1"/>
+                </a:solidFill>
+              </a:rPr>
+              <a:t>ested</a:t>
+            </a:r>
+            <a:r>
+              <a:rPr lang="zh-CN" altLang="en-US" sz="4200" dirty="0" smtClean="0">
+                <a:solidFill>
+                  <a:srgbClr val="7030A0"/>
+                </a:solidFill>
+              </a:rPr>
+              <a:t> </a:t>
+            </a:r>
+            <a:r>
+              <a:rPr lang="en-US" altLang="zh-CN" sz="4200" dirty="0" smtClean="0"/>
+              <a:t>Recurrent</a:t>
+            </a:r>
+            <a:r>
+              <a:rPr lang="zh-CN" altLang="en-US" sz="4200" dirty="0" smtClean="0"/>
+              <a:t> </a:t>
+            </a:r>
+            <a:r>
+              <a:rPr lang="en-US" altLang="zh-CN" sz="4200" dirty="0" smtClean="0"/>
+              <a:t>Model</a:t>
+            </a:r>
+            <a:endParaRPr lang="en-US" sz="4200" dirty="0"/>
+          </a:p>
+        </p:txBody>
+      </p:sp>
+      <p:pic>
+        <p:nvPicPr>
+          <p:cNvPr id="4" name="Picture 3"/>
+          <p:cNvPicPr>
+            <a:picLocks noChangeAspect="1"/>
+          </p:cNvPicPr>
+          <p:nvPr/>
+        </p:nvPicPr>
+        <p:blipFill>
+          <a:blip r:embed="rId2"/>
+          <a:stretch>
+            <a:fillRect/>
+          </a:stretch>
+        </p:blipFill>
+        <p:spPr>
+          <a:xfrm>
+            <a:off x="1590773" y="1051560"/>
+            <a:ext cx="9186116" cy="5455391"/>
+          </a:xfrm>
+          <a:prstGeom prst="rect">
+            <a:avLst/>
+          </a:prstGeom>
+        </p:spPr>
+      </p:pic>
+    </p:spTree>
+    <p:extLst>
+      <p:ext uri="{BB962C8B-B14F-4D97-AF65-F5344CB8AC3E}">
+        <p14:creationId xmlns:p14="http://schemas.microsoft.com/office/powerpoint/2010/main" val="31545744"/>
+      </p:ext>
+    </p:extLst>
+  </p:cSld>
+  <p:clrMapOvr>
+    <a:masterClrMapping/>
+  </p:clrMapOvr>
+  <p:timing>
+    <p:tnLst>
+      <p:par>
+        <p:cTn id="1" dur="indefinite" restart="never" nodeType="tmRoot"/>
+      </p:par>
+    </p:tnLst>
+  </p:timing>
+</p:sld>
+</file>
+
+<file path=ppt/slides/slide8.xml><?xml version="1.0" encoding="utf-8"?>
+<p:sld xmlns:a="http://schemas.openxmlformats.org/drawingml/2006/main" xmlns:r="http://schemas.openxmlformats.org/officeDocument/2006/relationships" xmlns:p="http://schemas.openxmlformats.org/presentationml/2006/main">
+  <p:cSld>
+    <p:spTree>
+      <p:nvGrpSpPr>
+        <p:cNvPr id="1" name=""/>
+        <p:cNvGrpSpPr/>
+        <p:nvPr/>
+      </p:nvGrpSpPr>
+      <p:grpSpPr>
+        <a:xfrm>
+          <a:off x="0" y="0"/>
+          <a:ext cx="0" cy="0"/>
+          <a:chOff x="0" y="0"/>
+          <a:chExt cx="0" cy="0"/>
+        </a:xfrm>
+      </p:grpSpPr>
+      <p:sp>
+        <p:nvSpPr>
+          <p:cNvPr id="2" name="Title 1"/>
+          <p:cNvSpPr>
+            <a:spLocks noGrp="1"/>
+          </p:cNvSpPr>
+          <p:nvPr>
+            <p:ph type="title"/>
+          </p:nvPr>
+        </p:nvSpPr>
+        <p:spPr/>
+        <p:txBody>
+          <a:bodyPr/>
+          <a:lstStyle/>
+          <a:p>
+            <a:endParaRPr lang="en-US"/>
+          </a:p>
+        </p:txBody>
+      </p:sp>
+      <p:sp>
+        <p:nvSpPr>
+          <p:cNvPr id="3" name="Content Placeholder 2"/>
+          <p:cNvSpPr>
+            <a:spLocks noGrp="1"/>
+          </p:cNvSpPr>
+          <p:nvPr>
+            <p:ph idx="1"/>
+          </p:nvPr>
+        </p:nvSpPr>
+        <p:spPr/>
+        <p:txBody>
+          <a:bodyPr/>
+          <a:lstStyle/>
+          <a:p>
+            <a:endParaRPr lang="en-US"/>
+          </a:p>
+        </p:txBody>
+      </p:sp>
+    </p:spTree>
+    <p:extLst>
+      <p:ext uri="{BB962C8B-B14F-4D97-AF65-F5344CB8AC3E}">
+        <p14:creationId xmlns:p14="http://schemas.microsoft.com/office/powerpoint/2010/main" val="1753722163"/>
+      </p:ext>
+    </p:extLst>
+  </p:cSld>
+  <p:clrMapOvr>
+    <a:masterClrMapping/>
+  </p:clrMapOvr>
+  <p:timing>
+    <p:tnLst>
+      <p:par>
+        <p:cTn id="1" dur="indefinite" restart="never" nodeType="tmRoot"/>
+      </p:par>
+    </p:tnLst>
+  </p:timing>
+</p:sld>
+</file>
+
+<file path=ppt/slides/slide9.xml><?xml version="1.0" encoding="utf-8"?>
+<p:sld xmlns:a="http://schemas.openxmlformats.org/drawingml/2006/main" xmlns:r="http://schemas.openxmlformats.org/officeDocument/2006/relationships" xmlns:p="http://schemas.openxmlformats.org/presentationml/2006/main">
+  <p:cSld>
+    <p:spTree>
+      <p:nvGrpSpPr>
+        <p:cNvPr id="1" name=""/>
+        <p:cNvGrpSpPr/>
+        <p:nvPr/>
+      </p:nvGrpSpPr>
+      <p:grpSpPr>
+        <a:xfrm>
+          <a:off x="0" y="0"/>
+          <a:ext cx="0" cy="0"/>
+          <a:chOff x="0" y="0"/>
+          <a:chExt cx="0" cy="0"/>
+        </a:xfrm>
+      </p:grpSpPr>
+      <p:sp>
+        <p:nvSpPr>
+          <p:cNvPr id="2" name="Title 1"/>
+          <p:cNvSpPr>
+            <a:spLocks noGrp="1"/>
+          </p:cNvSpPr>
+          <p:nvPr>
+            <p:ph type="title"/>
+          </p:nvPr>
+        </p:nvSpPr>
+        <p:spPr>
+          <a:xfrm>
+            <a:off x="3769247" y="2899953"/>
+            <a:ext cx="5184748" cy="1492132"/>
+          </a:xfrm>
+        </p:spPr>
+        <p:txBody>
+          <a:bodyPr/>
+          <a:lstStyle/>
+          <a:p>
+            <a:r>
+              <a:rPr lang="en-US" altLang="zh-CN" dirty="0" smtClean="0"/>
+              <a:t>Result</a:t>
+            </a:r>
+            <a:r>
+              <a:rPr lang="zh-CN" altLang="en-US" dirty="0" smtClean="0"/>
+              <a:t> </a:t>
+            </a:r>
+            <a:r>
+              <a:rPr lang="en-US" altLang="zh-CN" dirty="0" smtClean="0"/>
+              <a:t>ANALYSIS</a:t>
+            </a:r>
+            <a:endParaRPr lang="en-US" dirty="0"/>
+          </a:p>
+        </p:txBody>
+      </p:sp>
+    </p:spTree>
+    <p:extLst>
+      <p:ext uri="{BB962C8B-B14F-4D97-AF65-F5344CB8AC3E}">
+        <p14:creationId xmlns:p14="http://schemas.microsoft.com/office/powerpoint/2010/main" val="2024463662"/>
+      </p:ext>
+    </p:extLst>
+  </p:cSld>
+  <p:clrMapOvr>
+    <a:masterClrMapping/>
+  </p:clrMapOvr>
+  <p:timing>
+    <p:tnLst>
+      <p:par>
+        <p:cTn id="1" dur="indefinite" restart="never" nodeType="tmRoot"/>
+      </p:par>
+    </p:tnLst>
+  </p:timing>
+</p:sld>
+</file>
+
 <file path=ppt/theme/theme1.xml><?xml version="1.0" encoding="utf-8"?>
-<a:theme xmlns:a="http://schemas.openxmlformats.org/drawingml/2006/main" name="Office Theme">
+<a:theme xmlns:a="http://schemas.openxmlformats.org/drawingml/2006/main" name="Badge">
   <a:themeElements>
-    <a:clrScheme name="Office">
+    <a:clrScheme name="Badge">
       <a:dk1>
         <a:sysClr val="windowText" lastClr="000000"/>
       </a:dk1>
@@ -3372,109 +8764,49 @@
         <a:sysClr val="window" lastClr="FFFFFF"/>
       </a:lt1>
       <a:dk2>
-        <a:srgbClr val="44546A"/>
+        <a:srgbClr val="2A1A00"/>
       </a:dk2>
       <a:lt2>
-        <a:srgbClr val="E7E6E6"/>
+        <a:srgbClr val="F3F3F2"/>
       </a:lt2>
       <a:accent1>
-        <a:srgbClr val="5B9BD5"/>
+        <a:srgbClr val="F8B323"/>
       </a:accent1>
       <a:accent2>
-        <a:srgbClr val="ED7D31"/>
+        <a:srgbClr val="656A59"/>
       </a:accent2>
       <a:accent3>
-        <a:srgbClr val="A5A5A5"/>
+        <a:srgbClr val="46B2B5"/>
       </a:accent3>
       <a:accent4>
-        <a:srgbClr val="FFC000"/>
+        <a:srgbClr val="8CAA7E"/>
       </a:accent4>
       <a:accent5>
-        <a:srgbClr val="4472C4"/>
+        <a:srgbClr val="D36F68"/>
       </a:accent5>
       <a:accent6>
-        <a:srgbClr val="70AD47"/>
+        <a:srgbClr val="826276"/>
       </a:accent6>
       <a:hlink>
-        <a:srgbClr val="0563C1"/>
+        <a:srgbClr val="46B2B5"/>
       </a:hlink>
       <a:folHlink>
-        <a:srgbClr val="954F72"/>
+        <a:srgbClr val="A46694"/>
       </a:folHlink>
     </a:clrScheme>
-    <a:fontScheme name="Office">
+    <a:fontScheme name="Badge">
       <a:majorFont>
-        <a:latin typeface="Calibri Light" panose="020F0302020204030204"/>
+        <a:latin typeface="Impact" panose="020B0806030902050204"/>
         <a:ea typeface=""/>
         <a:cs typeface=""/>
-        <a:font script="Jpan" typeface="ＭＳ Ｐゴシック"/>
-        <a:font script="Hang" typeface="맑은 고딕"/>
-        <a:font script="Hans" typeface="宋体"/>
-        <a:font script="Hant" typeface="新細明體"/>
-        <a:font script="Arab" typeface="Times New Roman"/>
-        <a:font script="Hebr" typeface="Times New Roman"/>
-        <a:font script="Thai" typeface="Angsana New"/>
-        <a:font script="Ethi" typeface="Nyala"/>
-        <a:font script="Beng" typeface="Vrinda"/>
-        <a:font script="Gujr" typeface="Shruti"/>
-        <a:font script="Khmr" typeface="MoolBoran"/>
-        <a:font script="Knda" typeface="Tunga"/>
-        <a:font script="Guru" typeface="Raavi"/>
-        <a:font script="Cans" typeface="Euphemia"/>
-        <a:font script="Cher" typeface="Plantagenet Cherokee"/>
-        <a:font script="Yiii" typeface="Microsoft Yi Baiti"/>
-        <a:font script="Tibt" typeface="Microsoft Himalaya"/>
-        <a:font script="Thaa" typeface="MV Boli"/>
-        <a:font script="Deva" typeface="Mangal"/>
-        <a:font script="Telu" typeface="Gautami"/>
-        <a:font script="Taml" typeface="Latha"/>
-        <a:font script="Syrc" typeface="Estrangelo Edessa"/>
-        <a:font script="Orya" typeface="Kalinga"/>
-        <a:font script="Mlym" typeface="Kartika"/>
-        <a:font script="Laoo" typeface="DokChampa"/>
-        <a:font script="Sinh" typeface="Iskoola Pota"/>
-        <a:font script="Mong" typeface="Mongolian Baiti"/>
-        <a:font script="Viet" typeface="Times New Roman"/>
-        <a:font script="Uigh" typeface="Microsoft Uighur"/>
-        <a:font script="Geor" typeface="Sylfaen"/>
       </a:majorFont>
       <a:minorFont>
-        <a:latin typeface="Calibri" panose="020F0502020204030204"/>
+        <a:latin typeface="Gill Sans MT" panose="020B0502020104020203"/>
         <a:ea typeface=""/>
         <a:cs typeface=""/>
-        <a:font script="Jpan" typeface="ＭＳ Ｐゴシック"/>
-        <a:font script="Hang" typeface="맑은 고딕"/>
-        <a:font script="Hans" typeface="宋体"/>
-        <a:font script="Hant" typeface="新細明體"/>
-        <a:font script="Arab" typeface="Arial"/>
-        <a:font script="Hebr" typeface="Arial"/>
-        <a:font script="Thai" typeface="Cordia New"/>
-        <a:font script="Ethi" typeface="Nyala"/>
-        <a:font script="Beng" typeface="Vrinda"/>
-        <a:font script="Gujr" typeface="Shruti"/>
-        <a:font script="Khmr" typeface="DaunPenh"/>
-        <a:font script="Knda" typeface="Tunga"/>
-        <a:font script="Guru" typeface="Raavi"/>
-        <a:font script="Cans" typeface="Euphemia"/>
-        <a:font script="Cher" typeface="Plantagenet Cherokee"/>
-        <a:font script="Yiii" typeface="Microsoft Yi Baiti"/>
-        <a:font script="Tibt" typeface="Microsoft Himalaya"/>
-        <a:font script="Thaa" typeface="MV Boli"/>
-        <a:font script="Deva" typeface="Mangal"/>
-        <a:font script="Telu" typeface="Gautami"/>
-        <a:font script="Taml" typeface="Latha"/>
-        <a:font script="Syrc" typeface="Estrangelo Edessa"/>
-        <a:font script="Orya" typeface="Kalinga"/>
-        <a:font script="Mlym" typeface="Kartika"/>
-        <a:font script="Laoo" typeface="DokChampa"/>
-        <a:font script="Sinh" typeface="Iskoola Pota"/>
-        <a:font script="Mong" typeface="Mongolian Baiti"/>
-        <a:font script="Viet" typeface="Arial"/>
-        <a:font script="Uigh" typeface="Microsoft Uighur"/>
-        <a:font script="Geor" typeface="Sylfaen"/>
       </a:minorFont>
     </a:fontScheme>
-    <a:fmtScheme name="Office">
+    <a:fmtScheme name="Badge">
       <a:fillStyleLst>
         <a:solidFill>
           <a:schemeClr val="phClr"/>
@@ -3483,23 +8815,23 @@
           <a:gsLst>
             <a:gs pos="0">
               <a:schemeClr val="phClr">
+                <a:tint val="67000"/>
+                <a:satMod val="105000"/>
                 <a:lumMod val="110000"/>
-                <a:satMod val="105000"/>
-                <a:tint val="67000"/>
               </a:schemeClr>
             </a:gs>
             <a:gs pos="50000">
               <a:schemeClr val="phClr">
+                <a:tint val="73000"/>
+                <a:satMod val="103000"/>
                 <a:lumMod val="105000"/>
-                <a:satMod val="103000"/>
-                <a:tint val="73000"/>
               </a:schemeClr>
             </a:gs>
             <a:gs pos="100000">
               <a:schemeClr val="phClr">
+                <a:tint val="81000"/>
+                <a:satMod val="109000"/>
                 <a:lumMod val="105000"/>
-                <a:satMod val="109000"/>
-                <a:tint val="81000"/>
               </a:schemeClr>
             </a:gs>
           </a:gsLst>
@@ -3509,23 +8841,23 @@
           <a:gsLst>
             <a:gs pos="0">
               <a:schemeClr val="phClr">
+                <a:tint val="94000"/>
                 <a:satMod val="103000"/>
                 <a:lumMod val="102000"/>
-                <a:tint val="94000"/>
               </a:schemeClr>
             </a:gs>
             <a:gs pos="50000">
               <a:schemeClr val="phClr">
+                <a:shade val="100000"/>
                 <a:satMod val="110000"/>
                 <a:lumMod val="100000"/>
-                <a:shade val="100000"/>
               </a:schemeClr>
             </a:gs>
             <a:gs pos="100000">
               <a:schemeClr val="phClr">
+                <a:shade val="78000"/>
+                <a:satMod val="120000"/>
                 <a:lumMod val="99000"/>
-                <a:satMod val="120000"/>
-                <a:shade val="78000"/>
               </a:schemeClr>
             </a:gs>
           </a:gsLst>
@@ -3533,26 +8865,23 @@
         </a:gradFill>
       </a:fillStyleLst>
       <a:lnStyleLst>
-        <a:ln w="6350" cap="flat" cmpd="sng" algn="ctr">
+        <a:ln w="6350" cap="flat" cmpd="sng" algn="in">
           <a:solidFill>
             <a:schemeClr val="phClr"/>
           </a:solidFill>
           <a:prstDash val="solid"/>
-          <a:miter lim="800000"/>
         </a:ln>
-        <a:ln w="12700" cap="flat" cmpd="sng" algn="ctr">
+        <a:ln w="12700" cap="flat" cmpd="sng" algn="in">
           <a:solidFill>
             <a:schemeClr val="phClr"/>
           </a:solidFill>
           <a:prstDash val="solid"/>
-          <a:miter lim="800000"/>
         </a:ln>
-        <a:ln w="19050" cap="flat" cmpd="sng" algn="ctr">
+        <a:ln w="50800" cap="flat" cmpd="sng" algn="in">
           <a:solidFill>
             <a:schemeClr val="phClr"/>
           </a:solidFill>
           <a:prstDash val="solid"/>
-          <a:miter lim="800000"/>
         </a:ln>
       </a:lnStyleLst>
       <a:effectStyleLst>
@@ -3564,9 +8893,9 @@
         </a:effectStyle>
         <a:effectStyle>
           <a:effectLst>
-            <a:outerShdw blurRad="57150" dist="19050" dir="5400000" algn="ctr" rotWithShape="0">
+            <a:outerShdw blurRad="38100" dist="25400" dir="5400000" algn="ctr" rotWithShape="0">
               <a:srgbClr val="000000">
-                <a:alpha val="63000"/>
+                <a:alpha val="25000"/>
               </a:srgbClr>
             </a:outerShdw>
           </a:effectLst>
@@ -3587,16 +8916,16 @@
             <a:gs pos="0">
               <a:schemeClr val="phClr">
                 <a:tint val="93000"/>
+                <a:shade val="98000"/>
                 <a:satMod val="150000"/>
-                <a:shade val="98000"/>
                 <a:lumMod val="102000"/>
               </a:schemeClr>
             </a:gs>
             <a:gs pos="50000">
               <a:schemeClr val="phClr">
                 <a:tint val="98000"/>
+                <a:shade val="90000"/>
                 <a:satMod val="130000"/>
-                <a:shade val="90000"/>
                 <a:lumMod val="103000"/>
               </a:schemeClr>
             </a:gs>
@@ -3616,7 +8945,7 @@
   <a:extraClrSchemeLst/>
   <a:extLst>
     <a:ext uri="{05A4C25C-085E-4340-85A3-A5531E510DB2}">
-      <thm15:themeFamily xmlns:thm15="http://schemas.microsoft.com/office/thememl/2012/main" name="Office Theme" id="{62F939B6-93AF-4DB8-9C6B-D6C7DFDC589F}" vid="{4A3C46E8-61CC-4603-A589-7422A47A8E4A}"/>
+      <thm15:themeFamily xmlns:thm15="http://schemas.microsoft.com/office/thememl/2012/main" name="Badge" id="{71A07785-5930-41D4-9A83-E23602B48E98}" vid="{771EA782-DFA6-45B1-AEA3-661F1715B310}"/>
     </a:ext>
   </a:extLst>
 </a:theme>
